--- a/China Traffic Accident Analysis/图表汇总.pptx
+++ b/China Traffic Accident Analysis/图表汇总.pptx
@@ -127,18 +127,45 @@
       </a:defRPr>
     </a:lvl9pPr>
   </p:defaultTextStyle>
+  <p:extLst>
+    <p:ext uri="{EFAFB233-063F-42B5-8137-9DF3F51BA10A}">
+      <p15:sldGuideLst xmlns:p15="http://schemas.microsoft.com/office/powerpoint/2012/main">
+        <p15:guide id="1" orient="horz" pos="2160">
+          <p15:clr>
+            <a:srgbClr val="A4A3A4"/>
+          </p15:clr>
+        </p15:guide>
+        <p15:guide id="2" pos="2880">
+          <p15:clr>
+            <a:srgbClr val="A4A3A4"/>
+          </p15:clr>
+        </p15:guide>
+      </p15:sldGuideLst>
+    </p:ext>
+  </p:extLst>
 </p:presentation>
 </file>
 
 <file path=ppt/charts/chart1.xml><?xml version="1.0" encoding="utf-8"?>
 <c:chartSpace xmlns:c="http://schemas.openxmlformats.org/drawingml/2006/chart" xmlns:a="http://schemas.openxmlformats.org/drawingml/2006/main" xmlns:r="http://schemas.openxmlformats.org/officeDocument/2006/relationships">
-  <c:date1904 val="1"/>
-  <c:lang val="zh-CN"/>
+  <c:date1904 val="0"/>
+  <c:lang val="en-US"/>
+  <c:roundedCorners val="0"/>
+  <mc:AlternateContent xmlns:mc="http://schemas.openxmlformats.org/markup-compatibility/2006">
+    <mc:Choice xmlns:c14="http://schemas.microsoft.com/office/drawing/2007/8/2/chart" Requires="c14">
+      <c14:style val="102"/>
+    </mc:Choice>
+    <mc:Fallback>
+      <c:style val="2"/>
+    </mc:Fallback>
+  </mc:AlternateContent>
   <c:chart>
+    <c:autoTitleDeleted val="0"/>
     <c:plotArea>
       <c:layout/>
       <c:lineChart>
         <c:grouping val="standard"/>
+        <c:varyColors val="0"/>
         <c:ser>
           <c:idx val="2"/>
           <c:order val="0"/>
@@ -258,13 +285,24 @@
               </c:numCache>
             </c:numRef>
           </c:val>
+          <c:smooth val="0"/>
         </c:ser>
+        <c:dLbls>
+          <c:showLegendKey val="0"/>
+          <c:showVal val="0"/>
+          <c:showCatName val="0"/>
+          <c:showSerName val="0"/>
+          <c:showPercent val="0"/>
+          <c:showBubbleSize val="0"/>
+        </c:dLbls>
         <c:marker val="1"/>
-        <c:axId val="70454272"/>
-        <c:axId val="70456448"/>
+        <c:smooth val="0"/>
+        <c:axId val="155295776"/>
+        <c:axId val="155298576"/>
       </c:lineChart>
       <c:lineChart>
         <c:grouping val="standard"/>
+        <c:varyColors val="0"/>
         <c:ser>
           <c:idx val="0"/>
           <c:order val="1"/>
@@ -384,30 +422,45 @@
               </c:numCache>
             </c:numRef>
           </c:val>
+          <c:smooth val="0"/>
         </c:ser>
+        <c:dLbls>
+          <c:showLegendKey val="0"/>
+          <c:showVal val="0"/>
+          <c:showCatName val="0"/>
+          <c:showSerName val="0"/>
+          <c:showPercent val="0"/>
+          <c:showBubbleSize val="0"/>
+        </c:dLbls>
         <c:marker val="1"/>
-        <c:axId val="70469120"/>
-        <c:axId val="70458752"/>
+        <c:smooth val="0"/>
+        <c:axId val="155299696"/>
+        <c:axId val="155299136"/>
       </c:lineChart>
       <c:catAx>
-        <c:axId val="70454272"/>
+        <c:axId val="155295776"/>
         <c:scaling>
           <c:orientation val="minMax"/>
         </c:scaling>
+        <c:delete val="0"/>
         <c:axPos val="b"/>
         <c:numFmt formatCode="General" sourceLinked="1"/>
+        <c:majorTickMark val="out"/>
+        <c:minorTickMark val="none"/>
         <c:tickLblPos val="nextTo"/>
-        <c:crossAx val="70456448"/>
+        <c:crossAx val="155298576"/>
         <c:crosses val="autoZero"/>
         <c:auto val="1"/>
         <c:lblAlgn val="ctr"/>
         <c:lblOffset val="100"/>
+        <c:noMultiLvlLbl val="0"/>
       </c:catAx>
       <c:valAx>
-        <c:axId val="70456448"/>
+        <c:axId val="155298576"/>
         <c:scaling>
           <c:orientation val="minMax"/>
         </c:scaling>
+        <c:delete val="0"/>
         <c:axPos val="l"/>
         <c:title>
           <c:tx>
@@ -436,10 +489,13 @@
             </c:rich>
           </c:tx>
           <c:layout/>
+          <c:overlay val="0"/>
         </c:title>
         <c:numFmt formatCode="General" sourceLinked="1"/>
+        <c:majorTickMark val="out"/>
+        <c:minorTickMark val="none"/>
         <c:tickLblPos val="nextTo"/>
-        <c:crossAx val="70454272"/>
+        <c:crossAx val="155295776"/>
         <c:crosses val="autoZero"/>
         <c:crossBetween val="between"/>
         <c:dispUnits>
@@ -447,10 +503,11 @@
         </c:dispUnits>
       </c:valAx>
       <c:valAx>
-        <c:axId val="70458752"/>
+        <c:axId val="155299136"/>
         <c:scaling>
           <c:orientation val="minMax"/>
         </c:scaling>
+        <c:delete val="0"/>
         <c:axPos val="r"/>
         <c:title>
           <c:tx>
@@ -470,27 +527,33 @@
             </c:rich>
           </c:tx>
           <c:layout/>
+          <c:overlay val="0"/>
         </c:title>
         <c:numFmt formatCode="General" sourceLinked="1"/>
+        <c:majorTickMark val="out"/>
+        <c:minorTickMark val="none"/>
         <c:tickLblPos val="nextTo"/>
-        <c:crossAx val="70469120"/>
+        <c:crossAx val="155299696"/>
         <c:crosses val="max"/>
         <c:crossBetween val="between"/>
       </c:valAx>
       <c:catAx>
-        <c:axId val="70469120"/>
+        <c:axId val="155299696"/>
         <c:scaling>
           <c:orientation val="minMax"/>
         </c:scaling>
         <c:delete val="1"/>
         <c:axPos val="b"/>
         <c:numFmt formatCode="General" sourceLinked="1"/>
+        <c:majorTickMark val="out"/>
+        <c:minorTickMark val="none"/>
         <c:tickLblPos val="nextTo"/>
-        <c:crossAx val="70458752"/>
+        <c:crossAx val="155299136"/>
         <c:crosses val="autoZero"/>
         <c:auto val="1"/>
         <c:lblAlgn val="ctr"/>
         <c:lblOffset val="100"/>
+        <c:noMultiLvlLbl val="0"/>
       </c:catAx>
     </c:plotArea>
     <c:legend>
@@ -509,6 +572,7 @@
     </c:legend>
     <c:plotVisOnly val="1"/>
     <c:dispBlanksAs val="gap"/>
+    <c:showDLblsOverMax val="0"/>
   </c:chart>
   <c:txPr>
     <a:bodyPr/>
@@ -523,15 +587,25 @@
       <a:endParaRPr lang="zh-CN"/>
     </a:p>
   </c:txPr>
-  <c:externalData r:id="rId1"/>
+  <c:externalData r:id="rId1">
+    <c:autoUpdate val="0"/>
+  </c:externalData>
 </c:chartSpace>
 </file>
 
 <file path=ppt/charts/chart10.xml><?xml version="1.0" encoding="utf-8"?>
 <c:chartSpace xmlns:c="http://schemas.openxmlformats.org/drawingml/2006/chart" xmlns:a="http://schemas.openxmlformats.org/drawingml/2006/main" xmlns:r="http://schemas.openxmlformats.org/officeDocument/2006/relationships">
-  <c:date1904 val="1"/>
-  <c:lang val="zh-CN"/>
-  <c:style val="18"/>
+  <c:date1904 val="0"/>
+  <c:lang val="en-US"/>
+  <c:roundedCorners val="0"/>
+  <mc:AlternateContent xmlns:mc="http://schemas.openxmlformats.org/markup-compatibility/2006">
+    <mc:Choice xmlns:c14="http://schemas.microsoft.com/office/drawing/2007/8/2/chart" Requires="c14">
+      <c14:style val="118"/>
+    </mc:Choice>
+    <mc:Fallback>
+      <c:style val="18"/>
+    </mc:Fallback>
+  </mc:AlternateContent>
   <c:chart>
     <c:autoTitleDeleted val="1"/>
     <c:plotArea>
@@ -548,6 +622,7 @@
       </c:layout>
       <c:lineChart>
         <c:grouping val="standard"/>
+        <c:varyColors val="0"/>
         <c:ser>
           <c:idx val="3"/>
           <c:order val="0"/>
@@ -645,6 +720,7 @@
               </c:numCache>
             </c:numRef>
           </c:val>
+          <c:smooth val="0"/>
         </c:ser>
         <c:ser>
           <c:idx val="4"/>
@@ -743,6 +819,7 @@
               </c:numCache>
             </c:numRef>
           </c:val>
+          <c:smooth val="0"/>
         </c:ser>
         <c:ser>
           <c:idx val="5"/>
@@ -842,16 +919,27 @@
               </c:numCache>
             </c:numRef>
           </c:val>
+          <c:smooth val="0"/>
         </c:ser>
+        <c:dLbls>
+          <c:showLegendKey val="0"/>
+          <c:showVal val="0"/>
+          <c:showCatName val="0"/>
+          <c:showSerName val="0"/>
+          <c:showPercent val="0"/>
+          <c:showBubbleSize val="0"/>
+        </c:dLbls>
         <c:marker val="1"/>
-        <c:axId val="94001792"/>
-        <c:axId val="95165056"/>
+        <c:smooth val="0"/>
+        <c:axId val="336864848"/>
+        <c:axId val="336865408"/>
       </c:lineChart>
       <c:catAx>
-        <c:axId val="94001792"/>
+        <c:axId val="336864848"/>
         <c:scaling>
           <c:orientation val="minMax"/>
         </c:scaling>
+        <c:delete val="0"/>
         <c:axPos val="b"/>
         <c:title>
           <c:tx>
@@ -870,21 +958,25 @@
               </a:p>
             </c:rich>
           </c:tx>
-          <c:layout/>
+          <c:overlay val="0"/>
         </c:title>
         <c:numFmt formatCode="General" sourceLinked="1"/>
+        <c:majorTickMark val="out"/>
+        <c:minorTickMark val="none"/>
         <c:tickLblPos val="nextTo"/>
-        <c:crossAx val="95165056"/>
+        <c:crossAx val="336865408"/>
         <c:crosses val="autoZero"/>
         <c:auto val="1"/>
         <c:lblAlgn val="ctr"/>
         <c:lblOffset val="100"/>
+        <c:noMultiLvlLbl val="0"/>
       </c:catAx>
       <c:valAx>
-        <c:axId val="95165056"/>
+        <c:axId val="336865408"/>
         <c:scaling>
           <c:orientation val="minMax"/>
         </c:scaling>
+        <c:delete val="0"/>
         <c:axPos val="l"/>
         <c:title>
           <c:tx>
@@ -912,11 +1004,13 @@
               </a:p>
             </c:rich>
           </c:tx>
-          <c:layout/>
+          <c:overlay val="0"/>
         </c:title>
         <c:numFmt formatCode="General" sourceLinked="1"/>
+        <c:majorTickMark val="out"/>
+        <c:minorTickMark val="none"/>
         <c:tickLblPos val="nextTo"/>
-        <c:crossAx val="94001792"/>
+        <c:crossAx val="336864848"/>
         <c:crosses val="autoZero"/>
         <c:crossBetween val="between"/>
       </c:valAx>
@@ -938,6 +1032,7 @@
           <c:h val="0.33595815959641356"/>
         </c:manualLayout>
       </c:layout>
+      <c:overlay val="0"/>
       <c:spPr>
         <a:ln>
           <a:noFill/>
@@ -946,6 +1041,7 @@
     </c:legend>
     <c:plotVisOnly val="1"/>
     <c:dispBlanksAs val="gap"/>
+    <c:showDLblsOverMax val="0"/>
   </c:chart>
   <c:spPr>
     <a:ln>
@@ -965,15 +1061,25 @@
       <a:endParaRPr lang="zh-CN"/>
     </a:p>
   </c:txPr>
-  <c:externalData r:id="rId1"/>
+  <c:externalData r:id="rId1">
+    <c:autoUpdate val="0"/>
+  </c:externalData>
 </c:chartSpace>
 </file>
 
 <file path=ppt/charts/chart11.xml><?xml version="1.0" encoding="utf-8"?>
 <c:chartSpace xmlns:c="http://schemas.openxmlformats.org/drawingml/2006/chart" xmlns:a="http://schemas.openxmlformats.org/drawingml/2006/main" xmlns:r="http://schemas.openxmlformats.org/officeDocument/2006/relationships">
-  <c:date1904 val="1"/>
-  <c:lang val="zh-CN"/>
-  <c:style val="18"/>
+  <c:date1904 val="0"/>
+  <c:lang val="en-US"/>
+  <c:roundedCorners val="0"/>
+  <mc:AlternateContent xmlns:mc="http://schemas.openxmlformats.org/markup-compatibility/2006">
+    <mc:Choice xmlns:c14="http://schemas.microsoft.com/office/drawing/2007/8/2/chart" Requires="c14">
+      <c14:style val="118"/>
+    </mc:Choice>
+    <mc:Fallback>
+      <c:style val="18"/>
+    </mc:Fallback>
+  </mc:AlternateContent>
   <c:chart>
     <c:autoTitleDeleted val="1"/>
     <c:plotArea>
@@ -990,6 +1096,7 @@
       </c:layout>
       <c:lineChart>
         <c:grouping val="standard"/>
+        <c:varyColors val="0"/>
         <c:ser>
           <c:idx val="1"/>
           <c:order val="0"/>
@@ -1112,6 +1219,7 @@
               </c:numCache>
             </c:numRef>
           </c:val>
+          <c:smooth val="0"/>
         </c:ser>
         <c:ser>
           <c:idx val="2"/>
@@ -1234,6 +1342,7 @@
               </c:numCache>
             </c:numRef>
           </c:val>
+          <c:smooth val="0"/>
         </c:ser>
         <c:ser>
           <c:idx val="3"/>
@@ -1356,6 +1465,7 @@
               </c:numCache>
             </c:numRef>
           </c:val>
+          <c:smooth val="0"/>
         </c:ser>
         <c:ser>
           <c:idx val="0"/>
@@ -1479,16 +1589,27 @@
               </c:numCache>
             </c:numRef>
           </c:val>
+          <c:smooth val="0"/>
         </c:ser>
+        <c:dLbls>
+          <c:showLegendKey val="0"/>
+          <c:showVal val="0"/>
+          <c:showCatName val="0"/>
+          <c:showSerName val="0"/>
+          <c:showPercent val="0"/>
+          <c:showBubbleSize val="0"/>
+        </c:dLbls>
         <c:marker val="1"/>
-        <c:axId val="67499136"/>
-        <c:axId val="67501440"/>
+        <c:smooth val="0"/>
+        <c:axId val="336869328"/>
+        <c:axId val="336869888"/>
       </c:lineChart>
       <c:catAx>
-        <c:axId val="67499136"/>
+        <c:axId val="336869328"/>
         <c:scaling>
           <c:orientation val="minMax"/>
         </c:scaling>
+        <c:delete val="0"/>
         <c:axPos val="b"/>
         <c:title>
           <c:tx>
@@ -1507,9 +1628,11 @@
               </a:p>
             </c:rich>
           </c:tx>
-          <c:layout/>
+          <c:overlay val="0"/>
         </c:title>
         <c:numFmt formatCode="General" sourceLinked="1"/>
+        <c:majorTickMark val="out"/>
+        <c:minorTickMark val="none"/>
         <c:tickLblPos val="nextTo"/>
         <c:txPr>
           <a:bodyPr rot="-1920000"/>
@@ -1521,17 +1644,19 @@
             <a:endParaRPr lang="zh-CN"/>
           </a:p>
         </c:txPr>
-        <c:crossAx val="67501440"/>
+        <c:crossAx val="336869888"/>
         <c:crosses val="autoZero"/>
         <c:auto val="1"/>
         <c:lblAlgn val="ctr"/>
         <c:lblOffset val="100"/>
+        <c:noMultiLvlLbl val="0"/>
       </c:catAx>
       <c:valAx>
-        <c:axId val="67501440"/>
+        <c:axId val="336869888"/>
         <c:scaling>
           <c:orientation val="minMax"/>
         </c:scaling>
+        <c:delete val="0"/>
         <c:axPos val="l"/>
         <c:title>
           <c:tx>
@@ -1558,10 +1683,13 @@
               <c:y val="8.8105555555555541E-3"/>
             </c:manualLayout>
           </c:layout>
+          <c:overlay val="0"/>
         </c:title>
         <c:numFmt formatCode="General" sourceLinked="1"/>
+        <c:majorTickMark val="out"/>
+        <c:minorTickMark val="none"/>
         <c:tickLblPos val="nextTo"/>
-        <c:crossAx val="67499136"/>
+        <c:crossAx val="336869328"/>
         <c:crosses val="autoZero"/>
         <c:crossBetween val="between"/>
       </c:valAx>
@@ -1583,6 +1711,7 @@
           <c:h val="0.42122678504740907"/>
         </c:manualLayout>
       </c:layout>
+      <c:overlay val="0"/>
       <c:spPr>
         <a:ln>
           <a:noFill/>
@@ -1591,6 +1720,7 @@
     </c:legend>
     <c:plotVisOnly val="1"/>
     <c:dispBlanksAs val="gap"/>
+    <c:showDLblsOverMax val="0"/>
   </c:chart>
   <c:spPr>
     <a:ln>
@@ -1610,15 +1740,25 @@
       <a:endParaRPr lang="zh-CN"/>
     </a:p>
   </c:txPr>
-  <c:externalData r:id="rId1"/>
+  <c:externalData r:id="rId1">
+    <c:autoUpdate val="0"/>
+  </c:externalData>
 </c:chartSpace>
 </file>
 
 <file path=ppt/charts/chart12.xml><?xml version="1.0" encoding="utf-8"?>
 <c:chartSpace xmlns:c="http://schemas.openxmlformats.org/drawingml/2006/chart" xmlns:a="http://schemas.openxmlformats.org/drawingml/2006/main" xmlns:r="http://schemas.openxmlformats.org/officeDocument/2006/relationships">
-  <c:date1904 val="1"/>
-  <c:lang val="zh-CN"/>
-  <c:style val="18"/>
+  <c:date1904 val="0"/>
+  <c:lang val="en-US"/>
+  <c:roundedCorners val="0"/>
+  <mc:AlternateContent xmlns:mc="http://schemas.openxmlformats.org/markup-compatibility/2006">
+    <mc:Choice xmlns:c14="http://schemas.microsoft.com/office/drawing/2007/8/2/chart" Requires="c14">
+      <c14:style val="118"/>
+    </mc:Choice>
+    <mc:Fallback>
+      <c:style val="18"/>
+    </mc:Fallback>
+  </mc:AlternateContent>
   <c:chart>
     <c:autoTitleDeleted val="1"/>
     <c:plotArea>
@@ -1635,6 +1775,7 @@
       </c:layout>
       <c:lineChart>
         <c:grouping val="standard"/>
+        <c:varyColors val="0"/>
         <c:ser>
           <c:idx val="0"/>
           <c:order val="0"/>
@@ -1756,6 +1897,7 @@
               </c:numCache>
             </c:numRef>
           </c:val>
+          <c:smooth val="0"/>
         </c:ser>
         <c:ser>
           <c:idx val="1"/>
@@ -1878,6 +2020,7 @@
               </c:numCache>
             </c:numRef>
           </c:val>
+          <c:smooth val="0"/>
         </c:ser>
         <c:ser>
           <c:idx val="2"/>
@@ -2000,6 +2143,7 @@
               </c:numCache>
             </c:numRef>
           </c:val>
+          <c:smooth val="0"/>
         </c:ser>
         <c:ser>
           <c:idx val="3"/>
@@ -2123,16 +2267,27 @@
               </c:numCache>
             </c:numRef>
           </c:val>
+          <c:smooth val="0"/>
         </c:ser>
+        <c:dLbls>
+          <c:showLegendKey val="0"/>
+          <c:showVal val="0"/>
+          <c:showCatName val="0"/>
+          <c:showSerName val="0"/>
+          <c:showPercent val="0"/>
+          <c:showBubbleSize val="0"/>
+        </c:dLbls>
         <c:marker val="1"/>
-        <c:axId val="89395200"/>
-        <c:axId val="89398272"/>
+        <c:smooth val="0"/>
+        <c:axId val="336873808"/>
+        <c:axId val="336874368"/>
       </c:lineChart>
       <c:catAx>
-        <c:axId val="89395200"/>
+        <c:axId val="336873808"/>
         <c:scaling>
           <c:orientation val="minMax"/>
         </c:scaling>
+        <c:delete val="0"/>
         <c:axPos val="b"/>
         <c:title>
           <c:tx>
@@ -2151,9 +2306,11 @@
               </a:p>
             </c:rich>
           </c:tx>
-          <c:layout/>
+          <c:overlay val="0"/>
         </c:title>
         <c:numFmt formatCode="General" sourceLinked="1"/>
+        <c:majorTickMark val="out"/>
+        <c:minorTickMark val="none"/>
         <c:tickLblPos val="nextTo"/>
         <c:txPr>
           <a:bodyPr rot="-2040000"/>
@@ -2165,17 +2322,19 @@
             <a:endParaRPr lang="zh-CN"/>
           </a:p>
         </c:txPr>
-        <c:crossAx val="89398272"/>
+        <c:crossAx val="336874368"/>
         <c:crosses val="autoZero"/>
         <c:auto val="1"/>
         <c:lblAlgn val="ctr"/>
         <c:lblOffset val="100"/>
+        <c:noMultiLvlLbl val="0"/>
       </c:catAx>
       <c:valAx>
-        <c:axId val="89398272"/>
+        <c:axId val="336874368"/>
         <c:scaling>
           <c:orientation val="minMax"/>
         </c:scaling>
+        <c:delete val="0"/>
         <c:axPos val="l"/>
         <c:title>
           <c:tx>
@@ -2210,11 +2369,13 @@
               </a:p>
             </c:rich>
           </c:tx>
-          <c:layout/>
+          <c:overlay val="0"/>
         </c:title>
         <c:numFmt formatCode="General" sourceLinked="1"/>
+        <c:majorTickMark val="out"/>
+        <c:minorTickMark val="none"/>
         <c:tickLblPos val="nextTo"/>
-        <c:crossAx val="89395200"/>
+        <c:crossAx val="336873808"/>
         <c:crosses val="autoZero"/>
         <c:crossBetween val="between"/>
       </c:valAx>
@@ -2236,6 +2397,7 @@
           <c:h val="0.4343937748739955"/>
         </c:manualLayout>
       </c:layout>
+      <c:overlay val="0"/>
       <c:spPr>
         <a:ln>
           <a:noFill/>
@@ -2244,6 +2406,7 @@
     </c:legend>
     <c:plotVisOnly val="1"/>
     <c:dispBlanksAs val="gap"/>
+    <c:showDLblsOverMax val="0"/>
   </c:chart>
   <c:spPr>
     <a:ln>
@@ -2263,15 +2426,25 @@
       <a:endParaRPr lang="zh-CN"/>
     </a:p>
   </c:txPr>
-  <c:externalData r:id="rId1"/>
+  <c:externalData r:id="rId1">
+    <c:autoUpdate val="0"/>
+  </c:externalData>
 </c:chartSpace>
 </file>
 
 <file path=ppt/charts/chart13.xml><?xml version="1.0" encoding="utf-8"?>
 <c:chartSpace xmlns:c="http://schemas.openxmlformats.org/drawingml/2006/chart" xmlns:a="http://schemas.openxmlformats.org/drawingml/2006/main" xmlns:r="http://schemas.openxmlformats.org/officeDocument/2006/relationships">
-  <c:date1904 val="1"/>
-  <c:lang val="zh-CN"/>
-  <c:style val="18"/>
+  <c:date1904 val="0"/>
+  <c:lang val="en-US"/>
+  <c:roundedCorners val="0"/>
+  <mc:AlternateContent xmlns:mc="http://schemas.openxmlformats.org/markup-compatibility/2006">
+    <mc:Choice xmlns:c14="http://schemas.microsoft.com/office/drawing/2007/8/2/chart" Requires="c14">
+      <c14:style val="118"/>
+    </mc:Choice>
+    <mc:Fallback>
+      <c:style val="18"/>
+    </mc:Fallback>
+  </mc:AlternateContent>
   <c:chart>
     <c:autoTitleDeleted val="1"/>
     <c:plotArea>
@@ -2288,6 +2461,7 @@
       </c:layout>
       <c:lineChart>
         <c:grouping val="standard"/>
+        <c:varyColors val="0"/>
         <c:ser>
           <c:idx val="0"/>
           <c:order val="0"/>
@@ -2409,6 +2583,7 @@
               </c:numCache>
             </c:numRef>
           </c:val>
+          <c:smooth val="0"/>
         </c:ser>
         <c:ser>
           <c:idx val="1"/>
@@ -2532,6 +2707,7 @@
               </c:numCache>
             </c:numRef>
           </c:val>
+          <c:smooth val="0"/>
         </c:ser>
         <c:ser>
           <c:idx val="2"/>
@@ -2654,6 +2830,7 @@
               </c:numCache>
             </c:numRef>
           </c:val>
+          <c:smooth val="0"/>
         </c:ser>
         <c:ser>
           <c:idx val="3"/>
@@ -2776,6 +2953,7 @@
               </c:numCache>
             </c:numRef>
           </c:val>
+          <c:smooth val="0"/>
         </c:ser>
         <c:ser>
           <c:idx val="4"/>
@@ -2899,16 +3077,27 @@
               </c:numCache>
             </c:numRef>
           </c:val>
+          <c:smooth val="0"/>
         </c:ser>
+        <c:dLbls>
+          <c:showLegendKey val="0"/>
+          <c:showVal val="0"/>
+          <c:showCatName val="0"/>
+          <c:showSerName val="0"/>
+          <c:showPercent val="0"/>
+          <c:showBubbleSize val="0"/>
+        </c:dLbls>
         <c:marker val="1"/>
-        <c:axId val="89422464"/>
-        <c:axId val="89445888"/>
+        <c:smooth val="0"/>
+        <c:axId val="336878848"/>
+        <c:axId val="336879408"/>
       </c:lineChart>
       <c:catAx>
-        <c:axId val="89422464"/>
+        <c:axId val="336878848"/>
         <c:scaling>
           <c:orientation val="minMax"/>
         </c:scaling>
+        <c:delete val="0"/>
         <c:axPos val="b"/>
         <c:title>
           <c:tx>
@@ -2927,9 +3116,11 @@
               </a:p>
             </c:rich>
           </c:tx>
-          <c:layout/>
+          <c:overlay val="0"/>
         </c:title>
         <c:numFmt formatCode="General" sourceLinked="1"/>
+        <c:majorTickMark val="out"/>
+        <c:minorTickMark val="none"/>
         <c:tickLblPos val="nextTo"/>
         <c:txPr>
           <a:bodyPr rot="-2220000"/>
@@ -2941,17 +3132,19 @@
             <a:endParaRPr lang="zh-CN"/>
           </a:p>
         </c:txPr>
-        <c:crossAx val="89445888"/>
+        <c:crossAx val="336879408"/>
         <c:crosses val="autoZero"/>
         <c:auto val="1"/>
         <c:lblAlgn val="ctr"/>
         <c:lblOffset val="100"/>
+        <c:noMultiLvlLbl val="0"/>
       </c:catAx>
       <c:valAx>
-        <c:axId val="89445888"/>
+        <c:axId val="336879408"/>
         <c:scaling>
           <c:orientation val="minMax"/>
         </c:scaling>
+        <c:delete val="0"/>
         <c:axPos val="l"/>
         <c:title>
           <c:tx>
@@ -2987,10 +3180,13 @@
               <c:y val="1.0709722222222235E-2"/>
             </c:manualLayout>
           </c:layout>
+          <c:overlay val="0"/>
         </c:title>
         <c:numFmt formatCode="General" sourceLinked="1"/>
+        <c:majorTickMark val="out"/>
+        <c:minorTickMark val="none"/>
         <c:tickLblPos val="nextTo"/>
-        <c:crossAx val="89422464"/>
+        <c:crossAx val="336878848"/>
         <c:crosses val="autoZero"/>
         <c:crossBetween val="between"/>
       </c:valAx>
@@ -3012,6 +3208,7 @@
           <c:h val="0.70209734515323197"/>
         </c:manualLayout>
       </c:layout>
+      <c:overlay val="0"/>
       <c:spPr>
         <a:ln>
           <a:noFill/>
@@ -3020,6 +3217,7 @@
     </c:legend>
     <c:plotVisOnly val="1"/>
     <c:dispBlanksAs val="gap"/>
+    <c:showDLblsOverMax val="0"/>
   </c:chart>
   <c:spPr>
     <a:ln>
@@ -3039,15 +3237,25 @@
       <a:endParaRPr lang="zh-CN"/>
     </a:p>
   </c:txPr>
-  <c:externalData r:id="rId1"/>
+  <c:externalData r:id="rId1">
+    <c:autoUpdate val="0"/>
+  </c:externalData>
 </c:chartSpace>
 </file>
 
 <file path=ppt/charts/chart14.xml><?xml version="1.0" encoding="utf-8"?>
 <c:chartSpace xmlns:c="http://schemas.openxmlformats.org/drawingml/2006/chart" xmlns:a="http://schemas.openxmlformats.org/drawingml/2006/main" xmlns:r="http://schemas.openxmlformats.org/officeDocument/2006/relationships">
-  <c:date1904 val="1"/>
-  <c:lang val="zh-CN"/>
-  <c:style val="18"/>
+  <c:date1904 val="0"/>
+  <c:lang val="en-US"/>
+  <c:roundedCorners val="0"/>
+  <mc:AlternateContent xmlns:mc="http://schemas.openxmlformats.org/markup-compatibility/2006">
+    <mc:Choice xmlns:c14="http://schemas.microsoft.com/office/drawing/2007/8/2/chart" Requires="c14">
+      <c14:style val="118"/>
+    </mc:Choice>
+    <mc:Fallback>
+      <c:style val="18"/>
+    </mc:Fallback>
+  </mc:AlternateContent>
   <c:chart>
     <c:autoTitleDeleted val="1"/>
     <c:plotArea>
@@ -3064,6 +3272,7 @@
       </c:layout>
       <c:lineChart>
         <c:grouping val="standard"/>
+        <c:varyColors val="0"/>
         <c:ser>
           <c:idx val="0"/>
           <c:order val="0"/>
@@ -3185,6 +3394,7 @@
               </c:numCache>
             </c:numRef>
           </c:val>
+          <c:smooth val="0"/>
         </c:ser>
         <c:ser>
           <c:idx val="1"/>
@@ -3307,6 +3517,7 @@
               </c:numCache>
             </c:numRef>
           </c:val>
+          <c:smooth val="0"/>
         </c:ser>
         <c:ser>
           <c:idx val="2"/>
@@ -3429,6 +3640,7 @@
               </c:numCache>
             </c:numRef>
           </c:val>
+          <c:smooth val="0"/>
         </c:ser>
         <c:ser>
           <c:idx val="3"/>
@@ -3551,6 +3763,7 @@
               </c:numCache>
             </c:numRef>
           </c:val>
+          <c:smooth val="0"/>
         </c:ser>
         <c:ser>
           <c:idx val="4"/>
@@ -3674,16 +3887,27 @@
               </c:numCache>
             </c:numRef>
           </c:val>
+          <c:smooth val="0"/>
         </c:ser>
+        <c:dLbls>
+          <c:showLegendKey val="0"/>
+          <c:showVal val="0"/>
+          <c:showCatName val="0"/>
+          <c:showSerName val="0"/>
+          <c:showPercent val="0"/>
+          <c:showBubbleSize val="0"/>
+        </c:dLbls>
         <c:marker val="1"/>
-        <c:axId val="91118208"/>
-        <c:axId val="91178112"/>
+        <c:smooth val="0"/>
+        <c:axId val="337679408"/>
+        <c:axId val="337679968"/>
       </c:lineChart>
       <c:catAx>
-        <c:axId val="91118208"/>
+        <c:axId val="337679408"/>
         <c:scaling>
           <c:orientation val="minMax"/>
         </c:scaling>
+        <c:delete val="0"/>
         <c:axPos val="b"/>
         <c:title>
           <c:tx>
@@ -3702,9 +3926,11 @@
               </a:p>
             </c:rich>
           </c:tx>
-          <c:layout/>
+          <c:overlay val="0"/>
         </c:title>
         <c:numFmt formatCode="General" sourceLinked="1"/>
+        <c:majorTickMark val="out"/>
+        <c:minorTickMark val="none"/>
         <c:tickLblPos val="nextTo"/>
         <c:txPr>
           <a:bodyPr rot="-2220000"/>
@@ -3716,17 +3942,19 @@
             <a:endParaRPr lang="zh-CN"/>
           </a:p>
         </c:txPr>
-        <c:crossAx val="91178112"/>
+        <c:crossAx val="337679968"/>
         <c:crosses val="autoZero"/>
         <c:auto val="1"/>
         <c:lblAlgn val="ctr"/>
         <c:lblOffset val="100"/>
+        <c:noMultiLvlLbl val="0"/>
       </c:catAx>
       <c:valAx>
-        <c:axId val="91178112"/>
+        <c:axId val="337679968"/>
         <c:scaling>
           <c:orientation val="minMax"/>
         </c:scaling>
+        <c:delete val="0"/>
         <c:axPos val="l"/>
         <c:title>
           <c:tx>
@@ -3763,10 +3991,13 @@
               <c:y val="8.2613888888888858E-3"/>
             </c:manualLayout>
           </c:layout>
+          <c:overlay val="0"/>
         </c:title>
         <c:numFmt formatCode="General" sourceLinked="1"/>
+        <c:majorTickMark val="out"/>
+        <c:minorTickMark val="none"/>
         <c:tickLblPos val="nextTo"/>
-        <c:crossAx val="91118208"/>
+        <c:crossAx val="337679408"/>
         <c:crosses val="autoZero"/>
         <c:crossBetween val="between"/>
       </c:valAx>
@@ -3788,6 +4019,7 @@
           <c:h val="0.75755738588269528"/>
         </c:manualLayout>
       </c:layout>
+      <c:overlay val="0"/>
       <c:spPr>
         <a:ln>
           <a:noFill/>
@@ -3796,6 +4028,7 @@
     </c:legend>
     <c:plotVisOnly val="1"/>
     <c:dispBlanksAs val="gap"/>
+    <c:showDLblsOverMax val="0"/>
   </c:chart>
   <c:spPr>
     <a:ln>
@@ -3815,15 +4048,25 @@
       <a:endParaRPr lang="zh-CN"/>
     </a:p>
   </c:txPr>
-  <c:externalData r:id="rId1"/>
+  <c:externalData r:id="rId1">
+    <c:autoUpdate val="0"/>
+  </c:externalData>
 </c:chartSpace>
 </file>
 
 <file path=ppt/charts/chart15.xml><?xml version="1.0" encoding="utf-8"?>
 <c:chartSpace xmlns:c="http://schemas.openxmlformats.org/drawingml/2006/chart" xmlns:a="http://schemas.openxmlformats.org/drawingml/2006/main" xmlns:r="http://schemas.openxmlformats.org/officeDocument/2006/relationships">
-  <c:date1904 val="1"/>
-  <c:lang val="zh-CN"/>
-  <c:style val="18"/>
+  <c:date1904 val="0"/>
+  <c:lang val="en-US"/>
+  <c:roundedCorners val="0"/>
+  <mc:AlternateContent xmlns:mc="http://schemas.openxmlformats.org/markup-compatibility/2006">
+    <mc:Choice xmlns:c14="http://schemas.microsoft.com/office/drawing/2007/8/2/chart" Requires="c14">
+      <c14:style val="118"/>
+    </mc:Choice>
+    <mc:Fallback>
+      <c:style val="18"/>
+    </mc:Fallback>
+  </mc:AlternateContent>
   <c:chart>
     <c:autoTitleDeleted val="1"/>
     <c:plotArea>
@@ -3840,6 +4083,7 @@
       </c:layout>
       <c:lineChart>
         <c:grouping val="standard"/>
+        <c:varyColors val="0"/>
         <c:ser>
           <c:idx val="0"/>
           <c:order val="0"/>
@@ -3925,6 +4169,7 @@
               </c:numCache>
             </c:numRef>
           </c:val>
+          <c:smooth val="0"/>
         </c:ser>
         <c:ser>
           <c:idx val="2"/>
@@ -4011,6 +4256,7 @@
               </c:numCache>
             </c:numRef>
           </c:val>
+          <c:smooth val="0"/>
         </c:ser>
         <c:ser>
           <c:idx val="7"/>
@@ -4098,16 +4344,27 @@
               </c:numCache>
             </c:numRef>
           </c:val>
+          <c:smooth val="0"/>
         </c:ser>
+        <c:dLbls>
+          <c:showLegendKey val="0"/>
+          <c:showVal val="0"/>
+          <c:showCatName val="0"/>
+          <c:showSerName val="0"/>
+          <c:showPercent val="0"/>
+          <c:showBubbleSize val="0"/>
+        </c:dLbls>
         <c:marker val="1"/>
-        <c:axId val="91130112"/>
-        <c:axId val="91136768"/>
+        <c:smooth val="0"/>
+        <c:axId val="337683328"/>
+        <c:axId val="337683888"/>
       </c:lineChart>
       <c:catAx>
-        <c:axId val="91130112"/>
+        <c:axId val="337683328"/>
         <c:scaling>
           <c:orientation val="minMax"/>
         </c:scaling>
+        <c:delete val="0"/>
         <c:axPos val="b"/>
         <c:title>
           <c:tx>
@@ -4126,22 +4383,26 @@
               </a:p>
             </c:rich>
           </c:tx>
-          <c:layout/>
+          <c:overlay val="0"/>
         </c:title>
         <c:numFmt formatCode="General" sourceLinked="1"/>
+        <c:majorTickMark val="out"/>
+        <c:minorTickMark val="none"/>
         <c:tickLblPos val="nextTo"/>
-        <c:crossAx val="91136768"/>
+        <c:crossAx val="337683888"/>
         <c:crosses val="autoZero"/>
         <c:auto val="1"/>
         <c:lblAlgn val="ctr"/>
         <c:lblOffset val="100"/>
+        <c:noMultiLvlLbl val="0"/>
       </c:catAx>
       <c:valAx>
-        <c:axId val="91136768"/>
+        <c:axId val="337683888"/>
         <c:scaling>
           <c:orientation val="minMax"/>
           <c:min val="0"/>
         </c:scaling>
+        <c:delete val="0"/>
         <c:axPos val="l"/>
         <c:title>
           <c:tx>
@@ -4178,10 +4439,13 @@
               <c:y val="1.1789166666666665E-2"/>
             </c:manualLayout>
           </c:layout>
+          <c:overlay val="0"/>
         </c:title>
         <c:numFmt formatCode="General" sourceLinked="1"/>
+        <c:majorTickMark val="out"/>
+        <c:minorTickMark val="none"/>
         <c:tickLblPos val="nextTo"/>
-        <c:crossAx val="91130112"/>
+        <c:crossAx val="337683328"/>
         <c:crosses val="autoZero"/>
         <c:crossBetween val="between"/>
       </c:valAx>
@@ -4193,7 +4457,7 @@
     </c:plotArea>
     <c:legend>
       <c:legendPos val="r"/>
-      <c:layout/>
+      <c:overlay val="0"/>
       <c:spPr>
         <a:ln>
           <a:noFill/>
@@ -4202,6 +4466,7 @@
     </c:legend>
     <c:plotVisOnly val="1"/>
     <c:dispBlanksAs val="gap"/>
+    <c:showDLblsOverMax val="0"/>
   </c:chart>
   <c:spPr>
     <a:ln>
@@ -4221,15 +4486,25 @@
       <a:endParaRPr lang="zh-CN"/>
     </a:p>
   </c:txPr>
-  <c:externalData r:id="rId1"/>
+  <c:externalData r:id="rId1">
+    <c:autoUpdate val="0"/>
+  </c:externalData>
 </c:chartSpace>
 </file>
 
 <file path=ppt/charts/chart16.xml><?xml version="1.0" encoding="utf-8"?>
 <c:chartSpace xmlns:c="http://schemas.openxmlformats.org/drawingml/2006/chart" xmlns:a="http://schemas.openxmlformats.org/drawingml/2006/main" xmlns:r="http://schemas.openxmlformats.org/officeDocument/2006/relationships">
-  <c:date1904 val="1"/>
-  <c:lang val="zh-CN"/>
-  <c:style val="18"/>
+  <c:date1904 val="0"/>
+  <c:lang val="en-US"/>
+  <c:roundedCorners val="0"/>
+  <mc:AlternateContent xmlns:mc="http://schemas.openxmlformats.org/markup-compatibility/2006">
+    <mc:Choice xmlns:c14="http://schemas.microsoft.com/office/drawing/2007/8/2/chart" Requires="c14">
+      <c14:style val="118"/>
+    </mc:Choice>
+    <mc:Fallback>
+      <c:style val="18"/>
+    </mc:Fallback>
+  </mc:AlternateContent>
   <c:chart>
     <c:autoTitleDeleted val="1"/>
     <c:plotArea>
@@ -4246,6 +4521,7 @@
       </c:layout>
       <c:lineChart>
         <c:grouping val="standard"/>
+        <c:varyColors val="0"/>
         <c:ser>
           <c:idx val="0"/>
           <c:order val="0"/>
@@ -4331,6 +4607,7 @@
               </c:numCache>
             </c:numRef>
           </c:val>
+          <c:smooth val="0"/>
         </c:ser>
         <c:ser>
           <c:idx val="2"/>
@@ -4417,6 +4694,7 @@
               </c:numCache>
             </c:numRef>
           </c:val>
+          <c:smooth val="0"/>
         </c:ser>
         <c:ser>
           <c:idx val="7"/>
@@ -4504,16 +4782,27 @@
               </c:numCache>
             </c:numRef>
           </c:val>
+          <c:smooth val="0"/>
         </c:ser>
+        <c:dLbls>
+          <c:showLegendKey val="0"/>
+          <c:showVal val="0"/>
+          <c:showCatName val="0"/>
+          <c:showSerName val="0"/>
+          <c:showPercent val="0"/>
+          <c:showBubbleSize val="0"/>
+        </c:dLbls>
         <c:marker val="1"/>
-        <c:axId val="71432832"/>
-        <c:axId val="78180736"/>
+        <c:smooth val="0"/>
+        <c:axId val="337687248"/>
+        <c:axId val="337687808"/>
       </c:lineChart>
       <c:catAx>
-        <c:axId val="71432832"/>
+        <c:axId val="337687248"/>
         <c:scaling>
           <c:orientation val="minMax"/>
         </c:scaling>
+        <c:delete val="0"/>
         <c:axPos val="b"/>
         <c:title>
           <c:tx>
@@ -4532,21 +4821,25 @@
               </a:p>
             </c:rich>
           </c:tx>
-          <c:layout/>
+          <c:overlay val="0"/>
         </c:title>
         <c:numFmt formatCode="General" sourceLinked="1"/>
+        <c:majorTickMark val="out"/>
+        <c:minorTickMark val="none"/>
         <c:tickLblPos val="nextTo"/>
-        <c:crossAx val="78180736"/>
+        <c:crossAx val="337687808"/>
         <c:crosses val="autoZero"/>
         <c:auto val="1"/>
         <c:lblAlgn val="ctr"/>
         <c:lblOffset val="100"/>
+        <c:noMultiLvlLbl val="0"/>
       </c:catAx>
       <c:valAx>
-        <c:axId val="78180736"/>
+        <c:axId val="337687808"/>
         <c:scaling>
           <c:orientation val="minMax"/>
         </c:scaling>
+        <c:delete val="0"/>
         <c:axPos val="l"/>
         <c:title>
           <c:tx>
@@ -4583,10 +4876,13 @@
               <c:y val="4.4088333333333334E-2"/>
             </c:manualLayout>
           </c:layout>
+          <c:overlay val="0"/>
         </c:title>
         <c:numFmt formatCode="General" sourceLinked="1"/>
+        <c:majorTickMark val="out"/>
+        <c:minorTickMark val="none"/>
         <c:tickLblPos val="nextTo"/>
-        <c:crossAx val="71432832"/>
+        <c:crossAx val="337687248"/>
         <c:crosses val="autoZero"/>
         <c:crossBetween val="between"/>
       </c:valAx>
@@ -4598,7 +4894,7 @@
     </c:plotArea>
     <c:legend>
       <c:legendPos val="r"/>
-      <c:layout/>
+      <c:overlay val="0"/>
       <c:spPr>
         <a:ln>
           <a:noFill/>
@@ -4607,6 +4903,7 @@
     </c:legend>
     <c:plotVisOnly val="1"/>
     <c:dispBlanksAs val="gap"/>
+    <c:showDLblsOverMax val="0"/>
   </c:chart>
   <c:spPr>
     <a:ln>
@@ -4626,15 +4923,25 @@
       <a:endParaRPr lang="zh-CN"/>
     </a:p>
   </c:txPr>
-  <c:externalData r:id="rId1"/>
+  <c:externalData r:id="rId1">
+    <c:autoUpdate val="0"/>
+  </c:externalData>
 </c:chartSpace>
 </file>
 
 <file path=ppt/charts/chart17.xml><?xml version="1.0" encoding="utf-8"?>
 <c:chartSpace xmlns:c="http://schemas.openxmlformats.org/drawingml/2006/chart" xmlns:a="http://schemas.openxmlformats.org/drawingml/2006/main" xmlns:r="http://schemas.openxmlformats.org/officeDocument/2006/relationships">
-  <c:date1904 val="1"/>
-  <c:lang val="zh-CN"/>
-  <c:style val="18"/>
+  <c:date1904 val="0"/>
+  <c:lang val="en-US"/>
+  <c:roundedCorners val="0"/>
+  <mc:AlternateContent xmlns:mc="http://schemas.openxmlformats.org/markup-compatibility/2006">
+    <mc:Choice xmlns:c14="http://schemas.microsoft.com/office/drawing/2007/8/2/chart" Requires="c14">
+      <c14:style val="118"/>
+    </mc:Choice>
+    <mc:Fallback>
+      <c:style val="18"/>
+    </mc:Fallback>
+  </mc:AlternateContent>
   <c:chart>
     <c:autoTitleDeleted val="1"/>
     <c:plotArea>
@@ -4651,6 +4958,7 @@
       </c:layout>
       <c:lineChart>
         <c:grouping val="standard"/>
+        <c:varyColors val="0"/>
         <c:ser>
           <c:idx val="0"/>
           <c:order val="0"/>
@@ -4772,6 +5080,7 @@
               </c:numCache>
             </c:numRef>
           </c:val>
+          <c:smooth val="0"/>
         </c:ser>
         <c:ser>
           <c:idx val="1"/>
@@ -4894,6 +5203,7 @@
               </c:numCache>
             </c:numRef>
           </c:val>
+          <c:smooth val="0"/>
         </c:ser>
         <c:ser>
           <c:idx val="2"/>
@@ -5016,6 +5326,7 @@
               </c:numCache>
             </c:numRef>
           </c:val>
+          <c:smooth val="0"/>
         </c:ser>
         <c:ser>
           <c:idx val="3"/>
@@ -5138,6 +5449,7 @@
               </c:numCache>
             </c:numRef>
           </c:val>
+          <c:smooth val="0"/>
         </c:ser>
         <c:ser>
           <c:idx val="4"/>
@@ -5260,6 +5572,7 @@
               </c:numCache>
             </c:numRef>
           </c:val>
+          <c:smooth val="0"/>
         </c:ser>
         <c:ser>
           <c:idx val="5"/>
@@ -5382,6 +5695,7 @@
               </c:numCache>
             </c:numRef>
           </c:val>
+          <c:smooth val="0"/>
         </c:ser>
         <c:ser>
           <c:idx val="6"/>
@@ -5505,16 +5819,27 @@
               </c:numCache>
             </c:numRef>
           </c:val>
+          <c:smooth val="0"/>
         </c:ser>
+        <c:dLbls>
+          <c:showLegendKey val="0"/>
+          <c:showVal val="0"/>
+          <c:showCatName val="0"/>
+          <c:showSerName val="0"/>
+          <c:showPercent val="0"/>
+          <c:showBubbleSize val="0"/>
+        </c:dLbls>
         <c:marker val="1"/>
-        <c:axId val="91434368"/>
-        <c:axId val="91441408"/>
+        <c:smooth val="0"/>
+        <c:axId val="337446544"/>
+        <c:axId val="337447104"/>
       </c:lineChart>
       <c:catAx>
-        <c:axId val="91434368"/>
+        <c:axId val="337446544"/>
         <c:scaling>
           <c:orientation val="minMax"/>
         </c:scaling>
+        <c:delete val="0"/>
         <c:axPos val="b"/>
         <c:title>
           <c:tx>
@@ -5533,9 +5858,11 @@
               </a:p>
             </c:rich>
           </c:tx>
-          <c:layout/>
+          <c:overlay val="0"/>
         </c:title>
         <c:numFmt formatCode="General" sourceLinked="1"/>
+        <c:majorTickMark val="out"/>
+        <c:minorTickMark val="none"/>
         <c:tickLblPos val="nextTo"/>
         <c:txPr>
           <a:bodyPr rot="-1920000"/>
@@ -5547,17 +5874,19 @@
             <a:endParaRPr lang="zh-CN"/>
           </a:p>
         </c:txPr>
-        <c:crossAx val="91441408"/>
+        <c:crossAx val="337447104"/>
         <c:crosses val="autoZero"/>
         <c:auto val="1"/>
         <c:lblAlgn val="ctr"/>
         <c:lblOffset val="100"/>
+        <c:noMultiLvlLbl val="0"/>
       </c:catAx>
       <c:valAx>
-        <c:axId val="91441408"/>
+        <c:axId val="337447104"/>
         <c:scaling>
           <c:orientation val="minMax"/>
         </c:scaling>
+        <c:delete val="0"/>
         <c:axPos val="l"/>
         <c:title>
           <c:tx>
@@ -5594,10 +5923,13 @@
               <c:y val="1.2058333333333302E-3"/>
             </c:manualLayout>
           </c:layout>
+          <c:overlay val="0"/>
         </c:title>
         <c:numFmt formatCode="General" sourceLinked="1"/>
+        <c:majorTickMark val="out"/>
+        <c:minorTickMark val="none"/>
         <c:tickLblPos val="nextTo"/>
-        <c:crossAx val="91434368"/>
+        <c:crossAx val="337446544"/>
         <c:crosses val="autoZero"/>
         <c:crossBetween val="between"/>
       </c:valAx>
@@ -5619,6 +5951,7 @@
           <c:h val="0.74660490968041138"/>
         </c:manualLayout>
       </c:layout>
+      <c:overlay val="0"/>
       <c:spPr>
         <a:ln>
           <a:noFill/>
@@ -5627,6 +5960,7 @@
     </c:legend>
     <c:plotVisOnly val="1"/>
     <c:dispBlanksAs val="gap"/>
+    <c:showDLblsOverMax val="0"/>
   </c:chart>
   <c:spPr>
     <a:ln>
@@ -5646,15 +5980,25 @@
       <a:endParaRPr lang="zh-CN"/>
     </a:p>
   </c:txPr>
-  <c:externalData r:id="rId1"/>
+  <c:externalData r:id="rId1">
+    <c:autoUpdate val="0"/>
+  </c:externalData>
 </c:chartSpace>
 </file>
 
 <file path=ppt/charts/chart18.xml><?xml version="1.0" encoding="utf-8"?>
 <c:chartSpace xmlns:c="http://schemas.openxmlformats.org/drawingml/2006/chart" xmlns:a="http://schemas.openxmlformats.org/drawingml/2006/main" xmlns:r="http://schemas.openxmlformats.org/officeDocument/2006/relationships">
-  <c:date1904 val="1"/>
-  <c:lang val="zh-CN"/>
-  <c:style val="18"/>
+  <c:date1904 val="0"/>
+  <c:lang val="en-US"/>
+  <c:roundedCorners val="0"/>
+  <mc:AlternateContent xmlns:mc="http://schemas.openxmlformats.org/markup-compatibility/2006">
+    <mc:Choice xmlns:c14="http://schemas.microsoft.com/office/drawing/2007/8/2/chart" Requires="c14">
+      <c14:style val="118"/>
+    </mc:Choice>
+    <mc:Fallback>
+      <c:style val="18"/>
+    </mc:Fallback>
+  </mc:AlternateContent>
   <c:chart>
     <c:autoTitleDeleted val="1"/>
     <c:plotArea>
@@ -5671,6 +6015,7 @@
       </c:layout>
       <c:lineChart>
         <c:grouping val="standard"/>
+        <c:varyColors val="0"/>
         <c:ser>
           <c:idx val="0"/>
           <c:order val="0"/>
@@ -5793,6 +6138,7 @@
               </c:numCache>
             </c:numRef>
           </c:val>
+          <c:smooth val="0"/>
         </c:ser>
         <c:ser>
           <c:idx val="1"/>
@@ -5915,6 +6261,7 @@
               </c:numCache>
             </c:numRef>
           </c:val>
+          <c:smooth val="0"/>
         </c:ser>
         <c:ser>
           <c:idx val="2"/>
@@ -6037,6 +6384,7 @@
               </c:numCache>
             </c:numRef>
           </c:val>
+          <c:smooth val="0"/>
         </c:ser>
         <c:ser>
           <c:idx val="3"/>
@@ -6159,6 +6507,7 @@
               </c:numCache>
             </c:numRef>
           </c:val>
+          <c:smooth val="0"/>
         </c:ser>
         <c:ser>
           <c:idx val="4"/>
@@ -6281,6 +6630,7 @@
               </c:numCache>
             </c:numRef>
           </c:val>
+          <c:smooth val="0"/>
         </c:ser>
         <c:ser>
           <c:idx val="5"/>
@@ -6403,6 +6753,7 @@
               </c:numCache>
             </c:numRef>
           </c:val>
+          <c:smooth val="0"/>
         </c:ser>
         <c:ser>
           <c:idx val="6"/>
@@ -6526,16 +6877,27 @@
               </c:numCache>
             </c:numRef>
           </c:val>
+          <c:smooth val="0"/>
         </c:ser>
+        <c:dLbls>
+          <c:showLegendKey val="0"/>
+          <c:showVal val="0"/>
+          <c:showCatName val="0"/>
+          <c:showSerName val="0"/>
+          <c:showPercent val="0"/>
+          <c:showBubbleSize val="0"/>
+        </c:dLbls>
         <c:marker val="1"/>
-        <c:axId val="94203904"/>
-        <c:axId val="94206976"/>
+        <c:smooth val="0"/>
+        <c:axId val="337452704"/>
+        <c:axId val="337453264"/>
       </c:lineChart>
       <c:catAx>
-        <c:axId val="94203904"/>
+        <c:axId val="337452704"/>
         <c:scaling>
           <c:orientation val="minMax"/>
         </c:scaling>
+        <c:delete val="0"/>
         <c:axPos val="b"/>
         <c:title>
           <c:tx>
@@ -6554,9 +6916,11 @@
               </a:p>
             </c:rich>
           </c:tx>
-          <c:layout/>
+          <c:overlay val="0"/>
         </c:title>
         <c:numFmt formatCode="General" sourceLinked="1"/>
+        <c:majorTickMark val="out"/>
+        <c:minorTickMark val="none"/>
         <c:tickLblPos val="nextTo"/>
         <c:txPr>
           <a:bodyPr rot="-1920000"/>
@@ -6568,17 +6932,19 @@
             <a:endParaRPr lang="zh-CN"/>
           </a:p>
         </c:txPr>
-        <c:crossAx val="94206976"/>
+        <c:crossAx val="337453264"/>
         <c:crosses val="autoZero"/>
         <c:auto val="1"/>
         <c:lblAlgn val="ctr"/>
         <c:lblOffset val="100"/>
+        <c:noMultiLvlLbl val="0"/>
       </c:catAx>
       <c:valAx>
-        <c:axId val="94206976"/>
+        <c:axId val="337453264"/>
         <c:scaling>
           <c:orientation val="minMax"/>
         </c:scaling>
+        <c:delete val="0"/>
         <c:axPos val="l"/>
         <c:title>
           <c:tx>
@@ -6615,10 +6981,13 @@
               <c:y val="1.1789166666666665E-2"/>
             </c:manualLayout>
           </c:layout>
+          <c:overlay val="0"/>
         </c:title>
         <c:numFmt formatCode="General" sourceLinked="1"/>
+        <c:majorTickMark val="out"/>
+        <c:minorTickMark val="none"/>
         <c:tickLblPos val="nextTo"/>
-        <c:crossAx val="94203904"/>
+        <c:crossAx val="337452704"/>
         <c:crosses val="autoZero"/>
         <c:crossBetween val="between"/>
       </c:valAx>
@@ -6640,6 +7009,7 @@
           <c:h val="0.65308721149638826"/>
         </c:manualLayout>
       </c:layout>
+      <c:overlay val="0"/>
       <c:spPr>
         <a:ln>
           <a:noFill/>
@@ -6648,6 +7018,7 @@
     </c:legend>
     <c:plotVisOnly val="1"/>
     <c:dispBlanksAs val="gap"/>
+    <c:showDLblsOverMax val="0"/>
   </c:chart>
   <c:spPr>
     <a:ln>
@@ -6667,15 +7038,25 @@
       <a:endParaRPr lang="zh-CN"/>
     </a:p>
   </c:txPr>
-  <c:externalData r:id="rId1"/>
+  <c:externalData r:id="rId1">
+    <c:autoUpdate val="0"/>
+  </c:externalData>
 </c:chartSpace>
 </file>
 
 <file path=ppt/charts/chart19.xml><?xml version="1.0" encoding="utf-8"?>
 <c:chartSpace xmlns:c="http://schemas.openxmlformats.org/drawingml/2006/chart" xmlns:a="http://schemas.openxmlformats.org/drawingml/2006/main" xmlns:r="http://schemas.openxmlformats.org/officeDocument/2006/relationships">
-  <c:date1904 val="1"/>
-  <c:lang val="zh-CN"/>
-  <c:style val="18"/>
+  <c:date1904 val="0"/>
+  <c:lang val="en-US"/>
+  <c:roundedCorners val="0"/>
+  <mc:AlternateContent xmlns:mc="http://schemas.openxmlformats.org/markup-compatibility/2006">
+    <mc:Choice xmlns:c14="http://schemas.microsoft.com/office/drawing/2007/8/2/chart" Requires="c14">
+      <c14:style val="118"/>
+    </mc:Choice>
+    <mc:Fallback>
+      <c:style val="18"/>
+    </mc:Fallback>
+  </mc:AlternateContent>
   <c:chart>
     <c:autoTitleDeleted val="1"/>
     <c:plotArea>
@@ -6692,6 +7073,7 @@
       </c:layout>
       <c:lineChart>
         <c:grouping val="standard"/>
+        <c:varyColors val="0"/>
         <c:ser>
           <c:idx val="1"/>
           <c:order val="0"/>
@@ -6813,6 +7195,7 @@
               </c:numCache>
             </c:numRef>
           </c:val>
+          <c:smooth val="0"/>
         </c:ser>
         <c:ser>
           <c:idx val="4"/>
@@ -6935,6 +7318,7 @@
               </c:numCache>
             </c:numRef>
           </c:val>
+          <c:smooth val="0"/>
         </c:ser>
         <c:ser>
           <c:idx val="5"/>
@@ -7057,6 +7441,7 @@
               </c:numCache>
             </c:numRef>
           </c:val>
+          <c:smooth val="0"/>
         </c:ser>
         <c:ser>
           <c:idx val="0"/>
@@ -7180,16 +7565,27 @@
               </c:numCache>
             </c:numRef>
           </c:val>
+          <c:smooth val="0"/>
         </c:ser>
+        <c:dLbls>
+          <c:showLegendKey val="0"/>
+          <c:showVal val="0"/>
+          <c:showCatName val="0"/>
+          <c:showSerName val="0"/>
+          <c:showPercent val="0"/>
+          <c:showBubbleSize val="0"/>
+        </c:dLbls>
         <c:marker val="1"/>
-        <c:axId val="90051328"/>
-        <c:axId val="90059136"/>
+        <c:smooth val="0"/>
+        <c:axId val="337457184"/>
+        <c:axId val="337457744"/>
       </c:lineChart>
       <c:catAx>
-        <c:axId val="90051328"/>
+        <c:axId val="337457184"/>
         <c:scaling>
           <c:orientation val="minMax"/>
         </c:scaling>
+        <c:delete val="0"/>
         <c:axPos val="b"/>
         <c:title>
           <c:tx>
@@ -7208,9 +7604,11 @@
               </a:p>
             </c:rich>
           </c:tx>
-          <c:layout/>
+          <c:overlay val="0"/>
         </c:title>
         <c:numFmt formatCode="General" sourceLinked="1"/>
+        <c:majorTickMark val="out"/>
+        <c:minorTickMark val="none"/>
         <c:tickLblPos val="nextTo"/>
         <c:txPr>
           <a:bodyPr rot="-2100000"/>
@@ -7222,17 +7620,19 @@
             <a:endParaRPr lang="zh-CN"/>
           </a:p>
         </c:txPr>
-        <c:crossAx val="90059136"/>
+        <c:crossAx val="337457744"/>
         <c:crosses val="autoZero"/>
         <c:auto val="1"/>
         <c:lblAlgn val="ctr"/>
         <c:lblOffset val="100"/>
+        <c:noMultiLvlLbl val="0"/>
       </c:catAx>
       <c:valAx>
-        <c:axId val="90059136"/>
+        <c:axId val="337457744"/>
         <c:scaling>
           <c:orientation val="minMax"/>
         </c:scaling>
+        <c:delete val="0"/>
         <c:axPos val="l"/>
         <c:title>
           <c:tx>
@@ -7269,10 +7669,13 @@
               <c:y val="8.2613888888888858E-3"/>
             </c:manualLayout>
           </c:layout>
+          <c:overlay val="0"/>
         </c:title>
         <c:numFmt formatCode="General" sourceLinked="1"/>
+        <c:majorTickMark val="out"/>
+        <c:minorTickMark val="none"/>
         <c:tickLblPos val="nextTo"/>
-        <c:crossAx val="90051328"/>
+        <c:crossAx val="337457184"/>
         <c:crosses val="autoZero"/>
         <c:crossBetween val="between"/>
       </c:valAx>
@@ -7294,6 +7697,7 @@
           <c:h val="0.49015779241266982"/>
         </c:manualLayout>
       </c:layout>
+      <c:overlay val="0"/>
       <c:spPr>
         <a:ln>
           <a:noFill/>
@@ -7302,6 +7706,7 @@
     </c:legend>
     <c:plotVisOnly val="1"/>
     <c:dispBlanksAs val="gap"/>
+    <c:showDLblsOverMax val="0"/>
   </c:chart>
   <c:spPr>
     <a:ln>
@@ -7321,49 +7726,700 @@
       <a:endParaRPr lang="zh-CN"/>
     </a:p>
   </c:txPr>
-  <c:externalData r:id="rId1"/>
+  <c:externalData r:id="rId1">
+    <c:autoUpdate val="0"/>
+  </c:externalData>
 </c:chartSpace>
 </file>
 
 <file path=ppt/charts/chart2.xml><?xml version="1.0" encoding="utf-8"?>
 <c:chartSpace xmlns:c="http://schemas.openxmlformats.org/drawingml/2006/chart" xmlns:a="http://schemas.openxmlformats.org/drawingml/2006/main" xmlns:r="http://schemas.openxmlformats.org/officeDocument/2006/relationships">
-  <c:date1904 val="1"/>
-  <c:lang val="zh-CN"/>
-  <c:style val="18"/>
+  <c:date1904 val="0"/>
+  <c:lang val="en-US"/>
+  <c:roundedCorners val="0"/>
+  <mc:AlternateContent xmlns:mc="http://schemas.openxmlformats.org/markup-compatibility/2006">
+    <mc:Choice xmlns:c14="http://schemas.microsoft.com/office/drawing/2007/8/2/chart" Requires="c14">
+      <c14:style val="102"/>
+    </mc:Choice>
+    <mc:Fallback>
+      <c:style val="2"/>
+    </mc:Fallback>
+  </mc:AlternateContent>
   <c:chart>
+    <c:autoTitleDeleted val="1"/>
     <c:plotArea>
       <c:layout>
         <c:manualLayout>
           <c:layoutTarget val="inner"/>
           <c:xMode val="edge"/>
           <c:yMode val="edge"/>
-          <c:x val="0.13607460317460318"/>
-          <c:y val="5.8199444444444443E-2"/>
-          <c:w val="0.76831001984126979"/>
-          <c:h val="0.69484694444444439"/>
+          <c:x val="0.14241686507936507"/>
+          <c:y val="6.0501388888888889E-2"/>
+          <c:w val="0.76423561507936499"/>
+          <c:h val="0.73839583333333336"/>
         </c:manualLayout>
       </c:layout>
       <c:lineChart>
         <c:grouping val="standard"/>
+        <c:varyColors val="0"/>
         <c:ser>
-          <c:idx val="1"/>
+          <c:idx val="0"/>
           <c:order val="0"/>
           <c:tx>
             <c:strRef>
-              <c:f>'C:\Users\DEYU\Desktop\My Research\[同欧美国家对比.xlsx]Total'!$B$1</c:f>
+              <c:f>Sheet1!$A$26</c:f>
               <c:strCache>
                 <c:ptCount val="1"/>
                 <c:pt idx="0">
-                  <c:v>DE</c:v>
+                  <c:v>CN</c:v>
                 </c:pt>
               </c:strCache>
             </c:strRef>
           </c:tx>
           <c:spPr>
-            <a:ln w="25400">
+            <a:ln w="25400" cap="rnd">
               <a:solidFill>
                 <a:schemeClr val="tx1"/>
               </a:solidFill>
+              <a:round/>
+            </a:ln>
+            <a:effectLst/>
+          </c:spPr>
+          <c:marker>
+            <c:symbol val="triangle"/>
+            <c:size val="10"/>
+            <c:spPr>
+              <a:solidFill>
+                <a:schemeClr val="bg1"/>
+              </a:solidFill>
+              <a:ln w="9525">
+                <a:solidFill>
+                  <a:schemeClr val="tx1"/>
+                </a:solidFill>
+              </a:ln>
+              <a:effectLst/>
+            </c:spPr>
+          </c:marker>
+          <c:cat>
+            <c:numRef>
+              <c:f>Sheet1!$B$25:$M$25</c:f>
+              <c:numCache>
+                <c:formatCode>General</c:formatCode>
+                <c:ptCount val="12"/>
+                <c:pt idx="0">
+                  <c:v>2001</c:v>
+                </c:pt>
+                <c:pt idx="1">
+                  <c:v>2002</c:v>
+                </c:pt>
+                <c:pt idx="2">
+                  <c:v>2003</c:v>
+                </c:pt>
+                <c:pt idx="3">
+                  <c:v>2004</c:v>
+                </c:pt>
+                <c:pt idx="4">
+                  <c:v>2005</c:v>
+                </c:pt>
+                <c:pt idx="5">
+                  <c:v>2006</c:v>
+                </c:pt>
+                <c:pt idx="6">
+                  <c:v>2007</c:v>
+                </c:pt>
+                <c:pt idx="7">
+                  <c:v>2008</c:v>
+                </c:pt>
+                <c:pt idx="8">
+                  <c:v>2009</c:v>
+                </c:pt>
+                <c:pt idx="9">
+                  <c:v>2010</c:v>
+                </c:pt>
+                <c:pt idx="10">
+                  <c:v>2011</c:v>
+                </c:pt>
+                <c:pt idx="11">
+                  <c:v>2012</c:v>
+                </c:pt>
+              </c:numCache>
+            </c:numRef>
+          </c:cat>
+          <c:val>
+            <c:numRef>
+              <c:f>Sheet1!$B$26:$M$26</c:f>
+              <c:numCache>
+                <c:formatCode>General</c:formatCode>
+                <c:ptCount val="12"/>
+                <c:pt idx="0">
+                  <c:v>0.8642185453008866</c:v>
+                </c:pt>
+                <c:pt idx="1">
+                  <c:v>0.86848126528674741</c:v>
+                </c:pt>
+                <c:pt idx="2">
+                  <c:v>0.89668872386357001</c:v>
+                </c:pt>
+                <c:pt idx="3">
+                  <c:v>1.1352645064869114</c:v>
+                </c:pt>
+                <c:pt idx="4">
+                  <c:v>1.2629515784423904</c:v>
+                </c:pt>
+                <c:pt idx="5">
+                  <c:v>1.3743931189790406</c:v>
+                </c:pt>
+                <c:pt idx="6">
+                  <c:v>1.4122197127829614</c:v>
+                </c:pt>
+                <c:pt idx="7">
+                  <c:v>1.4268374534320749</c:v>
+                </c:pt>
+                <c:pt idx="8">
+                  <c:v>1.4385674908013812</c:v>
+                </c:pt>
+                <c:pt idx="9">
+                  <c:v>1.4545305460525417</c:v>
+                </c:pt>
+                <c:pt idx="10">
+                  <c:v>1.422158131415669</c:v>
+                </c:pt>
+                <c:pt idx="11">
+                  <c:v>1.3924072949519088</c:v>
+                </c:pt>
+              </c:numCache>
+            </c:numRef>
+          </c:val>
+          <c:smooth val="0"/>
+        </c:ser>
+        <c:ser>
+          <c:idx val="1"/>
+          <c:order val="1"/>
+          <c:tx>
+            <c:strRef>
+              <c:f>Sheet1!$A$27</c:f>
+              <c:strCache>
+                <c:ptCount val="1"/>
+                <c:pt idx="0">
+                  <c:v>US</c:v>
+                </c:pt>
+              </c:strCache>
+            </c:strRef>
+          </c:tx>
+          <c:spPr>
+            <a:ln w="25400" cap="rnd">
+              <a:solidFill>
+                <a:schemeClr val="tx1"/>
+              </a:solidFill>
+              <a:round/>
+            </a:ln>
+            <a:effectLst/>
+          </c:spPr>
+          <c:marker>
+            <c:symbol val="circle"/>
+            <c:size val="10"/>
+            <c:spPr>
+              <a:solidFill>
+                <a:schemeClr val="bg1"/>
+              </a:solidFill>
+              <a:ln w="9525">
+                <a:solidFill>
+                  <a:schemeClr val="tx1"/>
+                </a:solidFill>
+              </a:ln>
+              <a:effectLst/>
+            </c:spPr>
+          </c:marker>
+          <c:cat>
+            <c:numRef>
+              <c:f>Sheet1!$B$25:$M$25</c:f>
+              <c:numCache>
+                <c:formatCode>General</c:formatCode>
+                <c:ptCount val="12"/>
+                <c:pt idx="0">
+                  <c:v>2001</c:v>
+                </c:pt>
+                <c:pt idx="1">
+                  <c:v>2002</c:v>
+                </c:pt>
+                <c:pt idx="2">
+                  <c:v>2003</c:v>
+                </c:pt>
+                <c:pt idx="3">
+                  <c:v>2004</c:v>
+                </c:pt>
+                <c:pt idx="4">
+                  <c:v>2005</c:v>
+                </c:pt>
+                <c:pt idx="5">
+                  <c:v>2006</c:v>
+                </c:pt>
+                <c:pt idx="6">
+                  <c:v>2007</c:v>
+                </c:pt>
+                <c:pt idx="7">
+                  <c:v>2008</c:v>
+                </c:pt>
+                <c:pt idx="8">
+                  <c:v>2009</c:v>
+                </c:pt>
+                <c:pt idx="9">
+                  <c:v>2010</c:v>
+                </c:pt>
+                <c:pt idx="10">
+                  <c:v>2011</c:v>
+                </c:pt>
+                <c:pt idx="11">
+                  <c:v>2012</c:v>
+                </c:pt>
+              </c:numCache>
+            </c:numRef>
+          </c:cat>
+          <c:val>
+            <c:numRef>
+              <c:f>Sheet1!$B$27:$M$27</c:f>
+              <c:numCache>
+                <c:formatCode>General</c:formatCode>
+                <c:ptCount val="12"/>
+                <c:pt idx="0">
+                  <c:v>0.48630175441482104</c:v>
+                </c:pt>
+                <c:pt idx="1">
+                  <c:v>0.47006020544331689</c:v>
+                </c:pt>
+                <c:pt idx="2">
+                  <c:v>0.46325945743925168</c:v>
+                </c:pt>
+                <c:pt idx="3">
+                  <c:v>0.45804912355179811</c:v>
+                </c:pt>
+                <c:pt idx="4">
+                  <c:v>0.44525574938914009</c:v>
+                </c:pt>
+                <c:pt idx="5">
+                  <c:v>0.43818494334623592</c:v>
+                </c:pt>
+                <c:pt idx="6">
+                  <c:v>0.42028363840154265</c:v>
+                </c:pt>
+                <c:pt idx="7">
+                  <c:v>0.41012272567540081</c:v>
+                </c:pt>
+                <c:pt idx="8">
+                  <c:v>0.40891632971129011</c:v>
+                </c:pt>
+                <c:pt idx="9">
+                  <c:v>0.41924459054386565</c:v>
+                </c:pt>
+                <c:pt idx="10">
+                  <c:v>0.42140266282282751</c:v>
+                </c:pt>
+              </c:numCache>
+            </c:numRef>
+          </c:val>
+          <c:smooth val="0"/>
+        </c:ser>
+        <c:ser>
+          <c:idx val="2"/>
+          <c:order val="2"/>
+          <c:tx>
+            <c:strRef>
+              <c:f>Sheet1!$A$28</c:f>
+              <c:strCache>
+                <c:ptCount val="1"/>
+                <c:pt idx="0">
+                  <c:v>UK</c:v>
+                </c:pt>
+              </c:strCache>
+            </c:strRef>
+          </c:tx>
+          <c:spPr>
+            <a:ln w="25400" cap="rnd">
+              <a:solidFill>
+                <a:schemeClr val="tx1"/>
+              </a:solidFill>
+              <a:round/>
+            </a:ln>
+            <a:effectLst/>
+          </c:spPr>
+          <c:marker>
+            <c:symbol val="diamond"/>
+            <c:size val="10"/>
+            <c:spPr>
+              <a:solidFill>
+                <a:schemeClr val="bg1"/>
+              </a:solidFill>
+              <a:ln w="9525">
+                <a:solidFill>
+                  <a:schemeClr val="tx1"/>
+                </a:solidFill>
+              </a:ln>
+              <a:effectLst/>
+            </c:spPr>
+          </c:marker>
+          <c:cat>
+            <c:numRef>
+              <c:f>Sheet1!$B$25:$M$25</c:f>
+              <c:numCache>
+                <c:formatCode>General</c:formatCode>
+                <c:ptCount val="12"/>
+                <c:pt idx="0">
+                  <c:v>2001</c:v>
+                </c:pt>
+                <c:pt idx="1">
+                  <c:v>2002</c:v>
+                </c:pt>
+                <c:pt idx="2">
+                  <c:v>2003</c:v>
+                </c:pt>
+                <c:pt idx="3">
+                  <c:v>2004</c:v>
+                </c:pt>
+                <c:pt idx="4">
+                  <c:v>2005</c:v>
+                </c:pt>
+                <c:pt idx="5">
+                  <c:v>2006</c:v>
+                </c:pt>
+                <c:pt idx="6">
+                  <c:v>2007</c:v>
+                </c:pt>
+                <c:pt idx="7">
+                  <c:v>2008</c:v>
+                </c:pt>
+                <c:pt idx="8">
+                  <c:v>2009</c:v>
+                </c:pt>
+                <c:pt idx="9">
+                  <c:v>2010</c:v>
+                </c:pt>
+                <c:pt idx="10">
+                  <c:v>2011</c:v>
+                </c:pt>
+                <c:pt idx="11">
+                  <c:v>2012</c:v>
+                </c:pt>
+              </c:numCache>
+            </c:numRef>
+          </c:cat>
+          <c:val>
+            <c:numRef>
+              <c:f>Sheet1!$B$28:$M$28</c:f>
+              <c:numCache>
+                <c:formatCode>General</c:formatCode>
+                <c:ptCount val="12"/>
+                <c:pt idx="0">
+                  <c:v>1.3687772925764192</c:v>
+                </c:pt>
+                <c:pt idx="1">
+                  <c:v>1.3623018018018018</c:v>
+                </c:pt>
+                <c:pt idx="2">
+                  <c:v>1.3575140186915888</c:v>
+                </c:pt>
+                <c:pt idx="3">
+                  <c:v>1.3585555555555555</c:v>
+                </c:pt>
+                <c:pt idx="4">
+                  <c:v>1.3628190954773869</c:v>
+                </c:pt>
+                <c:pt idx="5">
+                  <c:v>1.3648267877628053</c:v>
+                </c:pt>
+                <c:pt idx="6">
+                  <c:v>1.3614803832743048</c:v>
+                </c:pt>
+                <c:pt idx="7">
+                  <c:v>1.351407753046761</c:v>
+                </c:pt>
+                <c:pt idx="8">
+                  <c:v>1.3587072159653693</c:v>
+                </c:pt>
+                <c:pt idx="9">
+                  <c:v>1.352532801429922</c:v>
+                </c:pt>
+                <c:pt idx="10">
+                  <c:v>1.3461122040746267</c:v>
+                </c:pt>
+              </c:numCache>
+            </c:numRef>
+          </c:val>
+          <c:smooth val="0"/>
+        </c:ser>
+        <c:ser>
+          <c:idx val="3"/>
+          <c:order val="3"/>
+          <c:tx>
+            <c:strRef>
+              <c:f>Sheet1!$A$29</c:f>
+              <c:strCache>
+                <c:ptCount val="1"/>
+                <c:pt idx="0">
+                  <c:v>IT</c:v>
+                </c:pt>
+              </c:strCache>
+            </c:strRef>
+          </c:tx>
+          <c:spPr>
+            <a:ln w="25400" cap="rnd">
+              <a:solidFill>
+                <a:schemeClr val="tx1"/>
+              </a:solidFill>
+              <a:round/>
+            </a:ln>
+            <a:effectLst/>
+          </c:spPr>
+          <c:marker>
+            <c:symbol val="x"/>
+            <c:size val="10"/>
+            <c:spPr>
+              <a:solidFill>
+                <a:schemeClr val="bg1"/>
+              </a:solidFill>
+              <a:ln w="9525">
+                <a:solidFill>
+                  <a:schemeClr val="tx1"/>
+                </a:solidFill>
+              </a:ln>
+              <a:effectLst/>
+            </c:spPr>
+          </c:marker>
+          <c:cat>
+            <c:numRef>
+              <c:f>Sheet1!$B$25:$M$25</c:f>
+              <c:numCache>
+                <c:formatCode>General</c:formatCode>
+                <c:ptCount val="12"/>
+                <c:pt idx="0">
+                  <c:v>2001</c:v>
+                </c:pt>
+                <c:pt idx="1">
+                  <c:v>2002</c:v>
+                </c:pt>
+                <c:pt idx="2">
+                  <c:v>2003</c:v>
+                </c:pt>
+                <c:pt idx="3">
+                  <c:v>2004</c:v>
+                </c:pt>
+                <c:pt idx="4">
+                  <c:v>2005</c:v>
+                </c:pt>
+                <c:pt idx="5">
+                  <c:v>2006</c:v>
+                </c:pt>
+                <c:pt idx="6">
+                  <c:v>2007</c:v>
+                </c:pt>
+                <c:pt idx="7">
+                  <c:v>2008</c:v>
+                </c:pt>
+                <c:pt idx="8">
+                  <c:v>2009</c:v>
+                </c:pt>
+                <c:pt idx="9">
+                  <c:v>2010</c:v>
+                </c:pt>
+                <c:pt idx="10">
+                  <c:v>2011</c:v>
+                </c:pt>
+                <c:pt idx="11">
+                  <c:v>2012</c:v>
+                </c:pt>
+              </c:numCache>
+            </c:numRef>
+          </c:cat>
+          <c:val>
+            <c:numRef>
+              <c:f>Sheet1!$B$29:$M$29</c:f>
+              <c:numCache>
+                <c:formatCode>General</c:formatCode>
+                <c:ptCount val="12"/>
+                <c:pt idx="0">
+                  <c:v>1.4457696693272519</c:v>
+                </c:pt>
+                <c:pt idx="1">
+                  <c:v>1.4524042772850243</c:v>
+                </c:pt>
+                <c:pt idx="2">
+                  <c:v>1.4390794027058202</c:v>
+                </c:pt>
+                <c:pt idx="3">
+                  <c:v>1.434569402062533</c:v>
+                </c:pt>
+                <c:pt idx="4">
+                  <c:v>1.4194116911795343</c:v>
+                </c:pt>
+                <c:pt idx="5">
+                  <c:v>1.4220333359930455</c:v>
+                </c:pt>
+                <c:pt idx="6">
+                  <c:v>1.4336244087530536</c:v>
+                </c:pt>
+                <c:pt idx="7">
+                  <c:v>1.4407456967615533</c:v>
+                </c:pt>
+                <c:pt idx="8">
+                  <c:v>1.4460780672596609</c:v>
+                </c:pt>
+                <c:pt idx="9">
+                  <c:v>1.4513679968212523</c:v>
+                </c:pt>
+                <c:pt idx="10">
+                  <c:v>1.4388342621499917</c:v>
+                </c:pt>
+              </c:numCache>
+            </c:numRef>
+          </c:val>
+          <c:smooth val="0"/>
+        </c:ser>
+        <c:ser>
+          <c:idx val="4"/>
+          <c:order val="4"/>
+          <c:tx>
+            <c:strRef>
+              <c:f>Sheet1!$A$30</c:f>
+              <c:strCache>
+                <c:ptCount val="1"/>
+                <c:pt idx="0">
+                  <c:v>FR</c:v>
+                </c:pt>
+              </c:strCache>
+            </c:strRef>
+          </c:tx>
+          <c:spPr>
+            <a:ln w="25400" cap="rnd">
+              <a:solidFill>
+                <a:schemeClr val="tx1"/>
+              </a:solidFill>
+              <a:round/>
+            </a:ln>
+            <a:effectLst/>
+          </c:spPr>
+          <c:marker>
+            <c:symbol val="square"/>
+            <c:size val="10"/>
+            <c:spPr>
+              <a:solidFill>
+                <a:schemeClr val="bg1"/>
+              </a:solidFill>
+              <a:ln w="9525">
+                <a:solidFill>
+                  <a:schemeClr val="tx1"/>
+                </a:solidFill>
+              </a:ln>
+              <a:effectLst/>
+            </c:spPr>
+          </c:marker>
+          <c:cat>
+            <c:numRef>
+              <c:f>Sheet1!$B$25:$M$25</c:f>
+              <c:numCache>
+                <c:formatCode>General</c:formatCode>
+                <c:ptCount val="12"/>
+                <c:pt idx="0">
+                  <c:v>2001</c:v>
+                </c:pt>
+                <c:pt idx="1">
+                  <c:v>2002</c:v>
+                </c:pt>
+                <c:pt idx="2">
+                  <c:v>2003</c:v>
+                </c:pt>
+                <c:pt idx="3">
+                  <c:v>2004</c:v>
+                </c:pt>
+                <c:pt idx="4">
+                  <c:v>2005</c:v>
+                </c:pt>
+                <c:pt idx="5">
+                  <c:v>2006</c:v>
+                </c:pt>
+                <c:pt idx="6">
+                  <c:v>2007</c:v>
+                </c:pt>
+                <c:pt idx="7">
+                  <c:v>2008</c:v>
+                </c:pt>
+                <c:pt idx="8">
+                  <c:v>2009</c:v>
+                </c:pt>
+                <c:pt idx="9">
+                  <c:v>2010</c:v>
+                </c:pt>
+                <c:pt idx="10">
+                  <c:v>2011</c:v>
+                </c:pt>
+                <c:pt idx="11">
+                  <c:v>2012</c:v>
+                </c:pt>
+              </c:numCache>
+            </c:numRef>
+          </c:cat>
+          <c:val>
+            <c:numRef>
+              <c:f>Sheet1!$B$30:$M$30</c:f>
+              <c:numCache>
+                <c:formatCode>General</c:formatCode>
+                <c:ptCount val="12"/>
+                <c:pt idx="0">
+                  <c:v>1.3847702257055976</c:v>
+                </c:pt>
+                <c:pt idx="1">
+                  <c:v>1.3755665118043046</c:v>
+                </c:pt>
+                <c:pt idx="2">
+                  <c:v>1.3484814896918644</c:v>
+                </c:pt>
+                <c:pt idx="3">
+                  <c:v>1.3345707928328845</c:v>
+                </c:pt>
+                <c:pt idx="4">
+                  <c:v>1.3415439219165928</c:v>
+                </c:pt>
+                <c:pt idx="5">
+                  <c:v>1.3302867673610679</c:v>
+                </c:pt>
+                <c:pt idx="6">
+                  <c:v>1.3266684713062309</c:v>
+                </c:pt>
+                <c:pt idx="7">
+                  <c:v>1.3166458576664384</c:v>
+                </c:pt>
+                <c:pt idx="8">
+                  <c:v>1.3165594966466154</c:v>
+                </c:pt>
+                <c:pt idx="9">
+                  <c:v>1.3145434549994055</c:v>
+                </c:pt>
+                <c:pt idx="10">
+                  <c:v>1.3105007381889764</c:v>
+                </c:pt>
+              </c:numCache>
+            </c:numRef>
+          </c:val>
+          <c:smooth val="0"/>
+        </c:ser>
+        <c:ser>
+          <c:idx val="5"/>
+          <c:order val="5"/>
+          <c:tx>
+            <c:strRef>
+              <c:f>Sheet1!$A$31</c:f>
+              <c:strCache>
+                <c:ptCount val="1"/>
+                <c:pt idx="0">
+                  <c:v>DE</c:v>
+                </c:pt>
+              </c:strCache>
+            </c:strRef>
+          </c:tx>
+          <c:spPr>
+            <a:ln w="25400" cap="rnd">
+              <a:solidFill>
+                <a:schemeClr val="tx1"/>
+              </a:solidFill>
+              <a:round/>
             </a:ln>
             <a:effectLst/>
           </c:spPr>
@@ -7374,7 +8430,7 @@
               <a:solidFill>
                 <a:schemeClr val="bg1"/>
               </a:solidFill>
-              <a:ln w="12700">
+              <a:ln w="9525">
                 <a:solidFill>
                   <a:schemeClr val="tx1"/>
                 </a:solidFill>
@@ -7384,781 +8440,245 @@
           </c:marker>
           <c:cat>
             <c:numRef>
-              <c:f>'C:\Users\DEYU\Desktop\My Research\[同欧美国家对比.xlsx]Total'!$A$12:$A$23</c:f>
+              <c:f>Sheet1!$B$25:$M$25</c:f>
               <c:numCache>
                 <c:formatCode>General</c:formatCode>
                 <c:ptCount val="12"/>
                 <c:pt idx="0">
-                  <c:v>2000</c:v>
+                  <c:v>2001</c:v>
                 </c:pt>
                 <c:pt idx="1">
-                  <c:v>2001</c:v>
+                  <c:v>2002</c:v>
                 </c:pt>
                 <c:pt idx="2">
-                  <c:v>2002</c:v>
+                  <c:v>2003</c:v>
                 </c:pt>
                 <c:pt idx="3">
-                  <c:v>2003</c:v>
+                  <c:v>2004</c:v>
                 </c:pt>
                 <c:pt idx="4">
-                  <c:v>2004</c:v>
+                  <c:v>2005</c:v>
                 </c:pt>
                 <c:pt idx="5">
-                  <c:v>2005</c:v>
+                  <c:v>2006</c:v>
                 </c:pt>
                 <c:pt idx="6">
-                  <c:v>2006</c:v>
+                  <c:v>2007</c:v>
                 </c:pt>
                 <c:pt idx="7">
-                  <c:v>2007</c:v>
+                  <c:v>2008</c:v>
                 </c:pt>
                 <c:pt idx="8">
-                  <c:v>2008</c:v>
+                  <c:v>2009</c:v>
                 </c:pt>
                 <c:pt idx="9">
-                  <c:v>2009</c:v>
+                  <c:v>2010</c:v>
                 </c:pt>
                 <c:pt idx="10">
-                  <c:v>2010</c:v>
+                  <c:v>2011</c:v>
                 </c:pt>
                 <c:pt idx="11">
-                  <c:v>2011</c:v>
+                  <c:v>2012</c:v>
                 </c:pt>
               </c:numCache>
             </c:numRef>
           </c:cat>
           <c:val>
             <c:numRef>
-              <c:f>'C:\Users\DEYU\Desktop\My Research\[同欧美国家对比.xlsx]Total'!$B$12:$B$23</c:f>
+              <c:f>Sheet1!$B$31:$M$31</c:f>
               <c:numCache>
                 <c:formatCode>General</c:formatCode>
                 <c:ptCount val="12"/>
                 <c:pt idx="0">
-                  <c:v>0.21767131430283101</c:v>
+                  <c:v>0.21139252665620697</c:v>
                 </c:pt>
                 <c:pt idx="1">
-                  <c:v>0.211392526656207</c:v>
+                  <c:v>0.21107686743767345</c:v>
                 </c:pt>
                 <c:pt idx="2">
-                  <c:v>0.21107686743767301</c:v>
+                  <c:v>0.20746585518375865</c:v>
                 </c:pt>
                 <c:pt idx="3">
-                  <c:v>0.20746585518375901</c:v>
+                  <c:v>0.19718360924070463</c:v>
                 </c:pt>
                 <c:pt idx="4">
-                  <c:v>0.19718360924070469</c:v>
+                  <c:v>0.19467859690717623</c:v>
                 </c:pt>
                 <c:pt idx="5">
-                  <c:v>0.19467859690717587</c:v>
+                  <c:v>0.19121574648439282</c:v>
                 </c:pt>
                 <c:pt idx="6">
-                  <c:v>0.19121574648439343</c:v>
+                  <c:v>0.18688097027629491</c:v>
                 </c:pt>
                 <c:pt idx="7">
-                  <c:v>0.18688097027629524</c:v>
+                  <c:v>0.18028978101839721</c:v>
                 </c:pt>
                 <c:pt idx="8">
-                  <c:v>0.18028978101839743</c:v>
+                  <c:v>0.17368971835606775</c:v>
                 </c:pt>
                 <c:pt idx="9">
-                  <c:v>0.173689718356068</c:v>
+                  <c:v>0.1554441620207766</c:v>
                 </c:pt>
                 <c:pt idx="10">
-                  <c:v>0.15544416202077743</c:v>
-                </c:pt>
-                <c:pt idx="11">
-                  <c:v>0.16785145780761601</c:v>
+                  <c:v>0.16785145780761623</c:v>
                 </c:pt>
               </c:numCache>
             </c:numRef>
           </c:val>
+          <c:smooth val="0"/>
         </c:ser>
-        <c:ser>
-          <c:idx val="2"/>
-          <c:order val="1"/>
-          <c:tx>
-            <c:strRef>
-              <c:f>'C:\Users\DEYU\Desktop\My Research\[同欧美国家对比.xlsx]Total'!$C$1</c:f>
-              <c:strCache>
-                <c:ptCount val="1"/>
-                <c:pt idx="0">
-                  <c:v>IT</c:v>
-                </c:pt>
-              </c:strCache>
-            </c:strRef>
-          </c:tx>
-          <c:spPr>
-            <a:ln w="25400">
-              <a:solidFill>
-                <a:schemeClr val="tx1"/>
-              </a:solidFill>
-            </a:ln>
-            <a:effectLst/>
-          </c:spPr>
-          <c:marker>
-            <c:symbol val="x"/>
-            <c:size val="10"/>
-            <c:spPr>
-              <a:solidFill>
-                <a:schemeClr val="bg1"/>
-              </a:solidFill>
-              <a:ln w="12700">
-                <a:solidFill>
-                  <a:schemeClr val="tx1"/>
-                </a:solidFill>
-              </a:ln>
-              <a:effectLst/>
-            </c:spPr>
-          </c:marker>
-          <c:cat>
-            <c:numRef>
-              <c:f>'C:\Users\DEYU\Desktop\My Research\[同欧美国家对比.xlsx]Total'!$A$12:$A$23</c:f>
-              <c:numCache>
-                <c:formatCode>General</c:formatCode>
-                <c:ptCount val="12"/>
-                <c:pt idx="0">
-                  <c:v>2000</c:v>
-                </c:pt>
-                <c:pt idx="1">
-                  <c:v>2001</c:v>
-                </c:pt>
-                <c:pt idx="2">
-                  <c:v>2002</c:v>
-                </c:pt>
-                <c:pt idx="3">
-                  <c:v>2003</c:v>
-                </c:pt>
-                <c:pt idx="4">
-                  <c:v>2004</c:v>
-                </c:pt>
-                <c:pt idx="5">
-                  <c:v>2005</c:v>
-                </c:pt>
-                <c:pt idx="6">
-                  <c:v>2006</c:v>
-                </c:pt>
-                <c:pt idx="7">
-                  <c:v>2007</c:v>
-                </c:pt>
-                <c:pt idx="8">
-                  <c:v>2008</c:v>
-                </c:pt>
-                <c:pt idx="9">
-                  <c:v>2009</c:v>
-                </c:pt>
-                <c:pt idx="10">
-                  <c:v>2010</c:v>
-                </c:pt>
-                <c:pt idx="11">
-                  <c:v>2011</c:v>
-                </c:pt>
-              </c:numCache>
-            </c:numRef>
-          </c:cat>
-          <c:val>
-            <c:numRef>
-              <c:f>'C:\Users\DEYU\Desktop\My Research\[同欧美国家对比.xlsx]Total'!$C$12:$C$23</c:f>
-              <c:numCache>
-                <c:formatCode>General</c:formatCode>
-                <c:ptCount val="12"/>
-                <c:pt idx="1">
-                  <c:v>1.4457696693272479</c:v>
-                </c:pt>
-                <c:pt idx="2">
-                  <c:v>1.4524042772850194</c:v>
-                </c:pt>
-                <c:pt idx="3">
-                  <c:v>1.4390794027058198</c:v>
-                </c:pt>
-                <c:pt idx="4">
-                  <c:v>1.4345694020625288</c:v>
-                </c:pt>
-                <c:pt idx="5">
-                  <c:v>1.4194116911795278</c:v>
-                </c:pt>
-                <c:pt idx="6">
-                  <c:v>1.422033335993045</c:v>
-                </c:pt>
-                <c:pt idx="7">
-                  <c:v>1.4336244087530485</c:v>
-                </c:pt>
-                <c:pt idx="8">
-                  <c:v>1.4407456967615531</c:v>
-                </c:pt>
-                <c:pt idx="9">
-                  <c:v>1.4460780672596598</c:v>
-                </c:pt>
-                <c:pt idx="10">
-                  <c:v>1.4513679968212521</c:v>
-                </c:pt>
-                <c:pt idx="11">
-                  <c:v>1.4388342621499826</c:v>
-                </c:pt>
-              </c:numCache>
-            </c:numRef>
-          </c:val>
-        </c:ser>
-        <c:ser>
-          <c:idx val="3"/>
-          <c:order val="2"/>
-          <c:tx>
-            <c:strRef>
-              <c:f>'C:\Users\DEYU\Desktop\My Research\[同欧美国家对比.xlsx]Total'!$D$1</c:f>
-              <c:strCache>
-                <c:ptCount val="1"/>
-                <c:pt idx="0">
-                  <c:v>FR</c:v>
-                </c:pt>
-              </c:strCache>
-            </c:strRef>
-          </c:tx>
-          <c:spPr>
-            <a:ln w="25400">
-              <a:solidFill>
-                <a:schemeClr val="tx1"/>
-              </a:solidFill>
-            </a:ln>
-            <a:effectLst/>
-          </c:spPr>
-          <c:marker>
-            <c:symbol val="square"/>
-            <c:size val="10"/>
-            <c:spPr>
-              <a:solidFill>
-                <a:schemeClr val="bg1"/>
-              </a:solidFill>
-              <a:ln w="12700">
-                <a:solidFill>
-                  <a:schemeClr val="tx1"/>
-                </a:solidFill>
-              </a:ln>
-              <a:effectLst/>
-            </c:spPr>
-          </c:marker>
-          <c:cat>
-            <c:numRef>
-              <c:f>'C:\Users\DEYU\Desktop\My Research\[同欧美国家对比.xlsx]Total'!$A$12:$A$23</c:f>
-              <c:numCache>
-                <c:formatCode>General</c:formatCode>
-                <c:ptCount val="12"/>
-                <c:pt idx="0">
-                  <c:v>2000</c:v>
-                </c:pt>
-                <c:pt idx="1">
-                  <c:v>2001</c:v>
-                </c:pt>
-                <c:pt idx="2">
-                  <c:v>2002</c:v>
-                </c:pt>
-                <c:pt idx="3">
-                  <c:v>2003</c:v>
-                </c:pt>
-                <c:pt idx="4">
-                  <c:v>2004</c:v>
-                </c:pt>
-                <c:pt idx="5">
-                  <c:v>2005</c:v>
-                </c:pt>
-                <c:pt idx="6">
-                  <c:v>2006</c:v>
-                </c:pt>
-                <c:pt idx="7">
-                  <c:v>2007</c:v>
-                </c:pt>
-                <c:pt idx="8">
-                  <c:v>2008</c:v>
-                </c:pt>
-                <c:pt idx="9">
-                  <c:v>2009</c:v>
-                </c:pt>
-                <c:pt idx="10">
-                  <c:v>2010</c:v>
-                </c:pt>
-                <c:pt idx="11">
-                  <c:v>2011</c:v>
-                </c:pt>
-              </c:numCache>
-            </c:numRef>
-          </c:cat>
-          <c:val>
-            <c:numRef>
-              <c:f>'C:\Users\DEYU\Desktop\My Research\[同欧美国家对比.xlsx]Total'!$D$12:$D$23</c:f>
-              <c:numCache>
-                <c:formatCode>General</c:formatCode>
-                <c:ptCount val="12"/>
-                <c:pt idx="0">
-                  <c:v>1.4003943146102638</c:v>
-                </c:pt>
-                <c:pt idx="1">
-                  <c:v>1.384770225705598</c:v>
-                </c:pt>
-                <c:pt idx="2">
-                  <c:v>1.375566511804305</c:v>
-                </c:pt>
-                <c:pt idx="3">
-                  <c:v>1.3484814896918693</c:v>
-                </c:pt>
-                <c:pt idx="4">
-                  <c:v>1.3345707928328838</c:v>
-                </c:pt>
-                <c:pt idx="5">
-                  <c:v>1.3415439219165983</c:v>
-                </c:pt>
-                <c:pt idx="6">
-                  <c:v>1.3302867673610681</c:v>
-                </c:pt>
-                <c:pt idx="7">
-                  <c:v>1.3266684713062353</c:v>
-                </c:pt>
-                <c:pt idx="8">
-                  <c:v>1.3166458576664379</c:v>
-                </c:pt>
-                <c:pt idx="9">
-                  <c:v>1.3165594966466161</c:v>
-                </c:pt>
-                <c:pt idx="10">
-                  <c:v>1.3145434549994051</c:v>
-                </c:pt>
-                <c:pt idx="11">
-                  <c:v>1.3105007381889759</c:v>
-                </c:pt>
-              </c:numCache>
-            </c:numRef>
-          </c:val>
-        </c:ser>
-        <c:ser>
-          <c:idx val="4"/>
-          <c:order val="3"/>
-          <c:tx>
-            <c:strRef>
-              <c:f>'C:\Users\DEYU\Desktop\My Research\[同欧美国家对比.xlsx]Total'!$E$1</c:f>
-              <c:strCache>
-                <c:ptCount val="1"/>
-                <c:pt idx="0">
-                  <c:v>UK</c:v>
-                </c:pt>
-              </c:strCache>
-            </c:strRef>
-          </c:tx>
-          <c:spPr>
-            <a:ln w="25400">
-              <a:solidFill>
-                <a:schemeClr val="tx1"/>
-              </a:solidFill>
-            </a:ln>
-            <a:effectLst/>
-          </c:spPr>
-          <c:marker>
-            <c:symbol val="diamond"/>
-            <c:size val="10"/>
-            <c:spPr>
-              <a:solidFill>
-                <a:schemeClr val="bg1"/>
-              </a:solidFill>
-              <a:ln w="12700">
-                <a:solidFill>
-                  <a:schemeClr val="tx1"/>
-                </a:solidFill>
-              </a:ln>
-              <a:effectLst/>
-            </c:spPr>
-          </c:marker>
-          <c:cat>
-            <c:numRef>
-              <c:f>'C:\Users\DEYU\Desktop\My Research\[同欧美国家对比.xlsx]Total'!$A$12:$A$23</c:f>
-              <c:numCache>
-                <c:formatCode>General</c:formatCode>
-                <c:ptCount val="12"/>
-                <c:pt idx="0">
-                  <c:v>2000</c:v>
-                </c:pt>
-                <c:pt idx="1">
-                  <c:v>2001</c:v>
-                </c:pt>
-                <c:pt idx="2">
-                  <c:v>2002</c:v>
-                </c:pt>
-                <c:pt idx="3">
-                  <c:v>2003</c:v>
-                </c:pt>
-                <c:pt idx="4">
-                  <c:v>2004</c:v>
-                </c:pt>
-                <c:pt idx="5">
-                  <c:v>2005</c:v>
-                </c:pt>
-                <c:pt idx="6">
-                  <c:v>2006</c:v>
-                </c:pt>
-                <c:pt idx="7">
-                  <c:v>2007</c:v>
-                </c:pt>
-                <c:pt idx="8">
-                  <c:v>2008</c:v>
-                </c:pt>
-                <c:pt idx="9">
-                  <c:v>2009</c:v>
-                </c:pt>
-                <c:pt idx="10">
-                  <c:v>2010</c:v>
-                </c:pt>
-                <c:pt idx="11">
-                  <c:v>2011</c:v>
-                </c:pt>
-              </c:numCache>
-            </c:numRef>
-          </c:cat>
-          <c:val>
-            <c:numRef>
-              <c:f>'C:\Users\DEYU\Desktop\My Research\[同欧美国家对比.xlsx]Total'!$E$12:$E$23</c:f>
-              <c:numCache>
-                <c:formatCode>General</c:formatCode>
-                <c:ptCount val="12"/>
-                <c:pt idx="0">
-                  <c:v>1.3692692307692298</c:v>
-                </c:pt>
-                <c:pt idx="1">
-                  <c:v>1.368777292576419</c:v>
-                </c:pt>
-                <c:pt idx="2">
-                  <c:v>1.3623018018018065</c:v>
-                </c:pt>
-                <c:pt idx="3">
-                  <c:v>1.3575140186915891</c:v>
-                </c:pt>
-                <c:pt idx="4">
-                  <c:v>1.35855555555556</c:v>
-                </c:pt>
-                <c:pt idx="5">
-                  <c:v>1.3628190954773858</c:v>
-                </c:pt>
-                <c:pt idx="6">
-                  <c:v>1.3659894179894134</c:v>
-                </c:pt>
-                <c:pt idx="7">
-                  <c:v>1.36234065934066</c:v>
-                </c:pt>
-                <c:pt idx="8">
-                  <c:v>1.3481754385964921</c:v>
-                </c:pt>
-                <c:pt idx="9">
-                  <c:v>1.3550121951219511</c:v>
-                </c:pt>
-                <c:pt idx="10">
-                  <c:v>1.3561688311688358</c:v>
-                </c:pt>
-              </c:numCache>
-            </c:numRef>
-          </c:val>
-        </c:ser>
-        <c:ser>
-          <c:idx val="5"/>
-          <c:order val="4"/>
-          <c:tx>
-            <c:strRef>
-              <c:f>'C:\Users\DEYU\Desktop\My Research\[同欧美国家对比.xlsx]Total'!$F$1</c:f>
-              <c:strCache>
-                <c:ptCount val="1"/>
-                <c:pt idx="0">
-                  <c:v>US</c:v>
-                </c:pt>
-              </c:strCache>
-            </c:strRef>
-          </c:tx>
-          <c:spPr>
-            <a:ln w="25400">
-              <a:solidFill>
-                <a:schemeClr val="tx1"/>
-              </a:solidFill>
-            </a:ln>
-            <a:effectLst/>
-          </c:spPr>
-          <c:marker>
-            <c:symbol val="circle"/>
-            <c:size val="10"/>
-            <c:spPr>
-              <a:solidFill>
-                <a:schemeClr val="bg1"/>
-              </a:solidFill>
-              <a:ln w="12700">
-                <a:solidFill>
-                  <a:schemeClr val="tx1"/>
-                </a:solidFill>
-              </a:ln>
-              <a:effectLst/>
-            </c:spPr>
-          </c:marker>
-          <c:cat>
-            <c:numRef>
-              <c:f>'C:\Users\DEYU\Desktop\My Research\[同欧美国家对比.xlsx]Total'!$A$12:$A$23</c:f>
-              <c:numCache>
-                <c:formatCode>General</c:formatCode>
-                <c:ptCount val="12"/>
-                <c:pt idx="0">
-                  <c:v>2000</c:v>
-                </c:pt>
-                <c:pt idx="1">
-                  <c:v>2001</c:v>
-                </c:pt>
-                <c:pt idx="2">
-                  <c:v>2002</c:v>
-                </c:pt>
-                <c:pt idx="3">
-                  <c:v>2003</c:v>
-                </c:pt>
-                <c:pt idx="4">
-                  <c:v>2004</c:v>
-                </c:pt>
-                <c:pt idx="5">
-                  <c:v>2005</c:v>
-                </c:pt>
-                <c:pt idx="6">
-                  <c:v>2006</c:v>
-                </c:pt>
-                <c:pt idx="7">
-                  <c:v>2007</c:v>
-                </c:pt>
-                <c:pt idx="8">
-                  <c:v>2008</c:v>
-                </c:pt>
-                <c:pt idx="9">
-                  <c:v>2009</c:v>
-                </c:pt>
-                <c:pt idx="10">
-                  <c:v>2010</c:v>
-                </c:pt>
-                <c:pt idx="11">
-                  <c:v>2011</c:v>
-                </c:pt>
-              </c:numCache>
-            </c:numRef>
-          </c:cat>
-          <c:val>
-            <c:numRef>
-              <c:f>'C:\Users\DEYU\Desktop\My Research\[同欧美国家对比.xlsx]Total'!$F$12:$F$23</c:f>
-              <c:numCache>
-                <c:formatCode>General</c:formatCode>
-                <c:ptCount val="12"/>
-                <c:pt idx="0">
-                  <c:v>0.50529949837525601</c:v>
-                </c:pt>
-                <c:pt idx="1">
-                  <c:v>0.48630175441482132</c:v>
-                </c:pt>
-                <c:pt idx="2">
-                  <c:v>0.470060205443317</c:v>
-                </c:pt>
-                <c:pt idx="3">
-                  <c:v>0.46325945743925201</c:v>
-                </c:pt>
-                <c:pt idx="4">
-                  <c:v>0.4580491235517975</c:v>
-                </c:pt>
-                <c:pt idx="5">
-                  <c:v>0.44525574938914031</c:v>
-                </c:pt>
-                <c:pt idx="6">
-                  <c:v>0.43818494334623675</c:v>
-                </c:pt>
-                <c:pt idx="7">
-                  <c:v>0.42028363840154276</c:v>
-                </c:pt>
-                <c:pt idx="8">
-                  <c:v>0.41012272567540176</c:v>
-                </c:pt>
-                <c:pt idx="9">
-                  <c:v>0.40891632971129038</c:v>
-                </c:pt>
-                <c:pt idx="10">
-                  <c:v>0.41923129086633143</c:v>
-                </c:pt>
-              </c:numCache>
-            </c:numRef>
-          </c:val>
-        </c:ser>
-        <c:ser>
-          <c:idx val="6"/>
-          <c:order val="5"/>
-          <c:tx>
-            <c:strRef>
-              <c:f>'C:\Users\DEYU\Desktop\My Research\[同欧美国家对比.xlsx]Total'!$G$1</c:f>
-              <c:strCache>
-                <c:ptCount val="1"/>
-                <c:pt idx="0">
-                  <c:v>CN</c:v>
-                </c:pt>
-              </c:strCache>
-            </c:strRef>
-          </c:tx>
-          <c:spPr>
-            <a:ln w="25400">
-              <a:solidFill>
-                <a:schemeClr val="tx1"/>
-              </a:solidFill>
-            </a:ln>
-            <a:effectLst/>
-          </c:spPr>
-          <c:marker>
-            <c:symbol val="triangle"/>
-            <c:size val="10"/>
-            <c:spPr>
-              <a:solidFill>
-                <a:schemeClr val="bg1"/>
-              </a:solidFill>
-              <a:ln w="12700">
-                <a:solidFill>
-                  <a:schemeClr val="tx1"/>
-                </a:solidFill>
-              </a:ln>
-              <a:effectLst/>
-            </c:spPr>
-          </c:marker>
-          <c:cat>
-            <c:numRef>
-              <c:f>'C:\Users\DEYU\Desktop\My Research\[同欧美国家对比.xlsx]Total'!$A$12:$A$23</c:f>
-              <c:numCache>
-                <c:formatCode>General</c:formatCode>
-                <c:ptCount val="12"/>
-                <c:pt idx="0">
-                  <c:v>2000</c:v>
-                </c:pt>
-                <c:pt idx="1">
-                  <c:v>2001</c:v>
-                </c:pt>
-                <c:pt idx="2">
-                  <c:v>2002</c:v>
-                </c:pt>
-                <c:pt idx="3">
-                  <c:v>2003</c:v>
-                </c:pt>
-                <c:pt idx="4">
-                  <c:v>2004</c:v>
-                </c:pt>
-                <c:pt idx="5">
-                  <c:v>2005</c:v>
-                </c:pt>
-                <c:pt idx="6">
-                  <c:v>2006</c:v>
-                </c:pt>
-                <c:pt idx="7">
-                  <c:v>2007</c:v>
-                </c:pt>
-                <c:pt idx="8">
-                  <c:v>2008</c:v>
-                </c:pt>
-                <c:pt idx="9">
-                  <c:v>2009</c:v>
-                </c:pt>
-                <c:pt idx="10">
-                  <c:v>2010</c:v>
-                </c:pt>
-                <c:pt idx="11">
-                  <c:v>2011</c:v>
-                </c:pt>
-              </c:numCache>
-            </c:numRef>
-          </c:cat>
-          <c:val>
-            <c:numRef>
-              <c:f>'C:\Users\DEYU\Desktop\My Research\[同欧美国家对比.xlsx]Total'!$G$12:$G$23</c:f>
-              <c:numCache>
-                <c:formatCode>General</c:formatCode>
-                <c:ptCount val="12"/>
-                <c:pt idx="0">
-                  <c:v>0.83079107445893274</c:v>
-                </c:pt>
-                <c:pt idx="1">
-                  <c:v>0.86421854530088704</c:v>
-                </c:pt>
-                <c:pt idx="2">
-                  <c:v>0.86848126528674696</c:v>
-                </c:pt>
-                <c:pt idx="3">
-                  <c:v>0.89668872386357112</c:v>
-                </c:pt>
-                <c:pt idx="4">
-                  <c:v>1.135264506486912</c:v>
-                </c:pt>
-                <c:pt idx="5">
-                  <c:v>1.2629515784423899</c:v>
-                </c:pt>
-                <c:pt idx="6">
-                  <c:v>1.374393118979041</c:v>
-                </c:pt>
-                <c:pt idx="7">
-                  <c:v>1.4122197127829565</c:v>
-                </c:pt>
-                <c:pt idx="8">
-                  <c:v>1.4268374534320738</c:v>
-                </c:pt>
-                <c:pt idx="9">
-                  <c:v>1.438567490801381</c:v>
-                </c:pt>
-                <c:pt idx="10">
-                  <c:v>1.454530546052542</c:v>
-                </c:pt>
-              </c:numCache>
-            </c:numRef>
-          </c:val>
-        </c:ser>
+        <c:dLbls>
+          <c:showLegendKey val="0"/>
+          <c:showVal val="0"/>
+          <c:showCatName val="0"/>
+          <c:showSerName val="0"/>
+          <c:showPercent val="0"/>
+          <c:showBubbleSize val="0"/>
+        </c:dLbls>
         <c:marker val="1"/>
-        <c:axId val="73500544"/>
-        <c:axId val="73347072"/>
+        <c:smooth val="0"/>
+        <c:axId val="260418592"/>
+        <c:axId val="260419152"/>
       </c:lineChart>
       <c:catAx>
-        <c:axId val="73500544"/>
+        <c:axId val="260418592"/>
         <c:scaling>
           <c:orientation val="minMax"/>
         </c:scaling>
+        <c:delete val="0"/>
         <c:axPos val="b"/>
         <c:title>
           <c:tx>
             <c:rich>
-              <a:bodyPr/>
+              <a:bodyPr rot="0" spcFirstLastPara="1" vertOverflow="ellipsis" vert="horz" wrap="square" anchor="ctr" anchorCtr="1"/>
               <a:lstStyle/>
               <a:p>
                 <a:pPr>
-                  <a:defRPr/>
+                  <a:defRPr sz="2000" b="0" i="0" u="none" strike="noStrike" kern="1200" baseline="0">
+                    <a:solidFill>
+                      <a:schemeClr val="tx1"/>
+                    </a:solidFill>
+                    <a:latin typeface="Times New Roman" panose="02020603050405020304" pitchFamily="18" charset="0"/>
+                    <a:ea typeface="+mn-ea"/>
+                    <a:cs typeface="Times New Roman" panose="02020603050405020304" pitchFamily="18" charset="0"/>
+                  </a:defRPr>
                 </a:pPr>
                 <a:r>
                   <a:rPr lang="en-US"/>
                   <a:t>Year</a:t>
                 </a:r>
-                <a:endParaRPr lang="zh-CN"/>
               </a:p>
             </c:rich>
           </c:tx>
           <c:layout/>
+          <c:overlay val="0"/>
+          <c:spPr>
+            <a:noFill/>
+            <a:ln>
+              <a:noFill/>
+            </a:ln>
+            <a:effectLst/>
+          </c:spPr>
+          <c:txPr>
+            <a:bodyPr rot="0" spcFirstLastPara="1" vertOverflow="ellipsis" vert="horz" wrap="square" anchor="ctr" anchorCtr="1"/>
+            <a:lstStyle/>
+            <a:p>
+              <a:pPr>
+                <a:defRPr sz="2000" b="0" i="0" u="none" strike="noStrike" kern="1200" baseline="0">
+                  <a:solidFill>
+                    <a:schemeClr val="tx1"/>
+                  </a:solidFill>
+                  <a:latin typeface="Times New Roman" panose="02020603050405020304" pitchFamily="18" charset="0"/>
+                  <a:ea typeface="+mn-ea"/>
+                  <a:cs typeface="Times New Roman" panose="02020603050405020304" pitchFamily="18" charset="0"/>
+                </a:defRPr>
+              </a:pPr>
+              <a:endParaRPr lang="zh-CN"/>
+            </a:p>
+          </c:txPr>
         </c:title>
         <c:numFmt formatCode="General" sourceLinked="1"/>
+        <c:majorTickMark val="none"/>
+        <c:minorTickMark val="none"/>
         <c:tickLblPos val="nextTo"/>
-        <c:crossAx val="73347072"/>
+        <c:spPr>
+          <a:noFill/>
+          <a:ln w="9525" cap="flat" cmpd="sng" algn="ctr">
+            <a:solidFill>
+              <a:schemeClr val="tx1">
+                <a:lumMod val="15000"/>
+                <a:lumOff val="85000"/>
+              </a:schemeClr>
+            </a:solidFill>
+            <a:round/>
+          </a:ln>
+          <a:effectLst/>
+        </c:spPr>
+        <c:txPr>
+          <a:bodyPr rot="-60000000" spcFirstLastPara="1" vertOverflow="ellipsis" vert="horz" wrap="square" anchor="ctr" anchorCtr="1"/>
+          <a:lstStyle/>
+          <a:p>
+            <a:pPr>
+              <a:defRPr sz="2000" b="0" i="0" u="none" strike="noStrike" kern="1200" baseline="0">
+                <a:solidFill>
+                  <a:schemeClr val="tx1"/>
+                </a:solidFill>
+                <a:latin typeface="Times New Roman" panose="02020603050405020304" pitchFamily="18" charset="0"/>
+                <a:ea typeface="+mn-ea"/>
+                <a:cs typeface="Times New Roman" panose="02020603050405020304" pitchFamily="18" charset="0"/>
+              </a:defRPr>
+            </a:pPr>
+            <a:endParaRPr lang="zh-CN"/>
+          </a:p>
+        </c:txPr>
+        <c:crossAx val="260419152"/>
         <c:crosses val="autoZero"/>
         <c:auto val="1"/>
         <c:lblAlgn val="ctr"/>
         <c:lblOffset val="100"/>
+        <c:noMultiLvlLbl val="0"/>
       </c:catAx>
       <c:valAx>
-        <c:axId val="73347072"/>
+        <c:axId val="260419152"/>
         <c:scaling>
           <c:orientation val="minMax"/>
         </c:scaling>
+        <c:delete val="0"/>
         <c:axPos val="l"/>
-        <c:majorGridlines/>
+        <c:majorGridlines>
+          <c:spPr>
+            <a:ln w="9525" cap="flat" cmpd="sng" algn="ctr">
+              <a:solidFill>
+                <a:schemeClr val="tx1">
+                  <a:lumMod val="15000"/>
+                  <a:lumOff val="85000"/>
+                </a:schemeClr>
+              </a:solidFill>
+              <a:round/>
+            </a:ln>
+            <a:effectLst/>
+          </c:spPr>
+        </c:majorGridlines>
         <c:title>
           <c:tx>
             <c:rich>
-              <a:bodyPr rot="-5400000" vert="horz"/>
+              <a:bodyPr rot="-5400000" spcFirstLastPara="1" vertOverflow="ellipsis" vert="horz" wrap="square" anchor="ctr" anchorCtr="1"/>
               <a:lstStyle/>
               <a:p>
                 <a:pPr>
-                  <a:defRPr/>
+                  <a:defRPr sz="2000" b="0" i="0" u="none" strike="noStrike" kern="1200" baseline="0">
+                    <a:solidFill>
+                      <a:schemeClr val="tx1"/>
+                    </a:solidFill>
+                    <a:latin typeface="Times New Roman" panose="02020603050405020304" pitchFamily="18" charset="0"/>
+                    <a:ea typeface="+mn-ea"/>
+                    <a:cs typeface="Times New Roman" panose="02020603050405020304" pitchFamily="18" charset="0"/>
+                  </a:defRPr>
                 </a:pPr>
                 <a:r>
                   <a:rPr lang="en-US"/>
-                  <a:t>Human damage (injuries or fatalities per accident)</a:t>
+                  <a:t>Human Damage (injuries and fatalities per accident)</a:t>
                 </a:r>
-                <a:endParaRPr lang="zh-CN"/>
               </a:p>
             </c:rich>
           </c:tx>
@@ -8167,46 +8687,153 @@
               <c:xMode val="edge"/>
               <c:yMode val="edge"/>
               <c:x val="5.0396825396825393E-3"/>
-              <c:y val="8.8105555555555541E-3"/>
+              <c:y val="8.1668055555555535E-2"/>
             </c:manualLayout>
           </c:layout>
+          <c:overlay val="0"/>
+          <c:spPr>
+            <a:noFill/>
+            <a:ln>
+              <a:noFill/>
+            </a:ln>
+            <a:effectLst/>
+          </c:spPr>
+          <c:txPr>
+            <a:bodyPr rot="-5400000" spcFirstLastPara="1" vertOverflow="ellipsis" vert="horz" wrap="square" anchor="ctr" anchorCtr="1"/>
+            <a:lstStyle/>
+            <a:p>
+              <a:pPr>
+                <a:defRPr sz="2000" b="0" i="0" u="none" strike="noStrike" kern="1200" baseline="0">
+                  <a:solidFill>
+                    <a:schemeClr val="tx1"/>
+                  </a:solidFill>
+                  <a:latin typeface="Times New Roman" panose="02020603050405020304" pitchFamily="18" charset="0"/>
+                  <a:ea typeface="+mn-ea"/>
+                  <a:cs typeface="Times New Roman" panose="02020603050405020304" pitchFamily="18" charset="0"/>
+                </a:defRPr>
+              </a:pPr>
+              <a:endParaRPr lang="zh-CN"/>
+            </a:p>
+          </c:txPr>
         </c:title>
         <c:numFmt formatCode="General" sourceLinked="1"/>
+        <c:majorTickMark val="out"/>
+        <c:minorTickMark val="none"/>
         <c:tickLblPos val="nextTo"/>
-        <c:crossAx val="73500544"/>
+        <c:spPr>
+          <a:noFill/>
+          <a:ln>
+            <a:noFill/>
+          </a:ln>
+          <a:effectLst/>
+        </c:spPr>
+        <c:txPr>
+          <a:bodyPr rot="-60000000" spcFirstLastPara="1" vertOverflow="ellipsis" vert="horz" wrap="square" anchor="ctr" anchorCtr="1"/>
+          <a:lstStyle/>
+          <a:p>
+            <a:pPr>
+              <a:defRPr sz="2000" b="0" i="0" u="none" strike="noStrike" kern="1200" baseline="0">
+                <a:solidFill>
+                  <a:schemeClr val="tx1"/>
+                </a:solidFill>
+                <a:latin typeface="Times New Roman" panose="02020603050405020304" pitchFamily="18" charset="0"/>
+                <a:ea typeface="+mn-ea"/>
+                <a:cs typeface="Times New Roman" panose="02020603050405020304" pitchFamily="18" charset="0"/>
+              </a:defRPr>
+            </a:pPr>
+            <a:endParaRPr lang="zh-CN"/>
+          </a:p>
+        </c:txPr>
+        <c:crossAx val="260418592"/>
         <c:crosses val="autoZero"/>
         <c:crossBetween val="between"/>
       </c:valAx>
+      <c:spPr>
+        <a:noFill/>
+        <a:ln>
+          <a:noFill/>
+        </a:ln>
+        <a:effectLst/>
+      </c:spPr>
     </c:plotArea>
     <c:legend>
       <c:legendPos val="r"/>
       <c:layout/>
+      <c:overlay val="0"/>
+      <c:spPr>
+        <a:noFill/>
+        <a:ln>
+          <a:noFill/>
+        </a:ln>
+        <a:effectLst/>
+      </c:spPr>
+      <c:txPr>
+        <a:bodyPr rot="0" spcFirstLastPara="1" vertOverflow="ellipsis" vert="horz" wrap="square" anchor="ctr" anchorCtr="1"/>
+        <a:lstStyle/>
+        <a:p>
+          <a:pPr>
+            <a:defRPr sz="2000" b="0" i="0" u="none" strike="noStrike" kern="1200" baseline="0">
+              <a:solidFill>
+                <a:schemeClr val="tx1"/>
+              </a:solidFill>
+              <a:latin typeface="Times New Roman" panose="02020603050405020304" pitchFamily="18" charset="0"/>
+              <a:ea typeface="+mn-ea"/>
+              <a:cs typeface="Times New Roman" panose="02020603050405020304" pitchFamily="18" charset="0"/>
+            </a:defRPr>
+          </a:pPr>
+          <a:endParaRPr lang="zh-CN"/>
+        </a:p>
+      </c:txPr>
     </c:legend>
     <c:plotVisOnly val="1"/>
     <c:dispBlanksAs val="gap"/>
+    <c:showDLblsOverMax val="0"/>
   </c:chart>
+  <c:spPr>
+    <a:noFill/>
+    <a:ln w="9525" cap="flat" cmpd="sng" algn="ctr">
+      <a:noFill/>
+      <a:round/>
+    </a:ln>
+    <a:effectLst/>
+  </c:spPr>
   <c:txPr>
     <a:bodyPr/>
     <a:lstStyle/>
     <a:p>
       <a:pPr>
-        <a:defRPr sz="2000" b="0">
-          <a:latin typeface="Times New Roman" pitchFamily="18" charset="0"/>
-          <a:cs typeface="Times New Roman" pitchFamily="18" charset="0"/>
+        <a:defRPr sz="2000">
+          <a:solidFill>
+            <a:schemeClr val="tx1"/>
+          </a:solidFill>
+          <a:latin typeface="Times New Roman" panose="02020603050405020304" pitchFamily="18" charset="0"/>
+          <a:cs typeface="Times New Roman" panose="02020603050405020304" pitchFamily="18" charset="0"/>
         </a:defRPr>
       </a:pPr>
       <a:endParaRPr lang="zh-CN"/>
     </a:p>
   </c:txPr>
-  <c:externalData r:id="rId1"/>
+  <c:externalData r:id="rId3">
+    <c:autoUpdate val="0"/>
+  </c:externalData>
 </c:chartSpace>
 </file>
 
 <file path=ppt/charts/chart20.xml><?xml version="1.0" encoding="utf-8"?>
 <c:chartSpace xmlns:c="http://schemas.openxmlformats.org/drawingml/2006/chart" xmlns:a="http://schemas.openxmlformats.org/drawingml/2006/main" xmlns:r="http://schemas.openxmlformats.org/officeDocument/2006/relationships">
-  <c:date1904 val="1"/>
-  <c:lang val="zh-CN"/>
+  <c:date1904 val="0"/>
+  <c:lang val="en-US"/>
+  <c:roundedCorners val="0"/>
+  <mc:AlternateContent xmlns:mc="http://schemas.openxmlformats.org/markup-compatibility/2006">
+    <mc:Choice xmlns:c14="http://schemas.microsoft.com/office/drawing/2007/8/2/chart" Requires="c14">
+      <c14:style val="102"/>
+    </mc:Choice>
+    <mc:Fallback>
+      <c:style val="2"/>
+    </mc:Fallback>
+  </mc:AlternateContent>
   <c:chart>
+    <c:autoTitleDeleted val="0"/>
     <c:plotArea>
       <c:layout>
         <c:manualLayout>
@@ -8221,6 +8848,7 @@
       </c:layout>
       <c:lineChart>
         <c:grouping val="standard"/>
+        <c:varyColors val="0"/>
         <c:ser>
           <c:idx val="1"/>
           <c:order val="0"/>
@@ -8340,6 +8968,7 @@
               </c:numCache>
             </c:numRef>
           </c:val>
+          <c:smooth val="0"/>
         </c:ser>
         <c:ser>
           <c:idx val="2"/>
@@ -8460,6 +9089,7 @@
               </c:numCache>
             </c:numRef>
           </c:val>
+          <c:smooth val="0"/>
         </c:ser>
         <c:ser>
           <c:idx val="3"/>
@@ -8580,6 +9210,7 @@
               </c:numCache>
             </c:numRef>
           </c:val>
+          <c:smooth val="0"/>
         </c:ser>
         <c:ser>
           <c:idx val="4"/>
@@ -8701,16 +9332,27 @@
               </c:numCache>
             </c:numRef>
           </c:val>
+          <c:smooth val="0"/>
         </c:ser>
+        <c:dLbls>
+          <c:showLegendKey val="0"/>
+          <c:showVal val="0"/>
+          <c:showCatName val="0"/>
+          <c:showSerName val="0"/>
+          <c:showPercent val="0"/>
+          <c:showBubbleSize val="0"/>
+        </c:dLbls>
         <c:marker val="1"/>
-        <c:axId val="95189632"/>
-        <c:axId val="95204096"/>
+        <c:smooth val="0"/>
+        <c:axId val="338118336"/>
+        <c:axId val="338118896"/>
       </c:lineChart>
       <c:catAx>
-        <c:axId val="95189632"/>
+        <c:axId val="338118336"/>
         <c:scaling>
           <c:orientation val="minMax"/>
         </c:scaling>
+        <c:delete val="0"/>
         <c:axPos val="b"/>
         <c:title>
           <c:tx>
@@ -8729,21 +9371,25 @@
               </a:p>
             </c:rich>
           </c:tx>
-          <c:layout/>
+          <c:overlay val="0"/>
         </c:title>
         <c:numFmt formatCode="General" sourceLinked="1"/>
+        <c:majorTickMark val="out"/>
+        <c:minorTickMark val="none"/>
         <c:tickLblPos val="nextTo"/>
-        <c:crossAx val="95204096"/>
+        <c:crossAx val="338118896"/>
         <c:crosses val="autoZero"/>
         <c:auto val="1"/>
         <c:lblAlgn val="ctr"/>
         <c:lblOffset val="100"/>
+        <c:noMultiLvlLbl val="0"/>
       </c:catAx>
       <c:valAx>
-        <c:axId val="95204096"/>
+        <c:axId val="338118896"/>
         <c:scaling>
           <c:orientation val="minMax"/>
         </c:scaling>
+        <c:delete val="0"/>
         <c:axPos val="l"/>
         <c:title>
           <c:tx>
@@ -8780,10 +9426,13 @@
               <c:y val="1.0134722222222222E-2"/>
             </c:manualLayout>
           </c:layout>
+          <c:overlay val="0"/>
         </c:title>
         <c:numFmt formatCode="General" sourceLinked="1"/>
+        <c:majorTickMark val="out"/>
+        <c:minorTickMark val="none"/>
         <c:tickLblPos val="nextTo"/>
-        <c:crossAx val="95189632"/>
+        <c:crossAx val="338118336"/>
         <c:crosses val="autoZero"/>
         <c:crossBetween val="between"/>
       </c:valAx>
@@ -8805,6 +9454,7 @@
           <c:h val="0.42481551760489245"/>
         </c:manualLayout>
       </c:layout>
+      <c:overlay val="0"/>
       <c:spPr>
         <a:ln>
           <a:noFill/>
@@ -8812,6 +9462,8 @@
       </c:spPr>
     </c:legend>
     <c:plotVisOnly val="1"/>
+    <c:dispBlanksAs val="gap"/>
+    <c:showDLblsOverMax val="0"/>
   </c:chart>
   <c:spPr>
     <a:ln>
@@ -8831,15 +9483,25 @@
       <a:endParaRPr lang="zh-CN"/>
     </a:p>
   </c:txPr>
-  <c:externalData r:id="rId1"/>
+  <c:externalData r:id="rId1">
+    <c:autoUpdate val="0"/>
+  </c:externalData>
 </c:chartSpace>
 </file>
 
 <file path=ppt/charts/chart21.xml><?xml version="1.0" encoding="utf-8"?>
 <c:chartSpace xmlns:c="http://schemas.openxmlformats.org/drawingml/2006/chart" xmlns:a="http://schemas.openxmlformats.org/drawingml/2006/main" xmlns:r="http://schemas.openxmlformats.org/officeDocument/2006/relationships">
-  <c:date1904 val="1"/>
-  <c:lang val="zh-CN"/>
-  <c:style val="18"/>
+  <c:date1904 val="0"/>
+  <c:lang val="en-US"/>
+  <c:roundedCorners val="0"/>
+  <mc:AlternateContent xmlns:mc="http://schemas.openxmlformats.org/markup-compatibility/2006">
+    <mc:Choice xmlns:c14="http://schemas.microsoft.com/office/drawing/2007/8/2/chart" Requires="c14">
+      <c14:style val="118"/>
+    </mc:Choice>
+    <mc:Fallback>
+      <c:style val="18"/>
+    </mc:Fallback>
+  </mc:AlternateContent>
   <c:chart>
     <c:autoTitleDeleted val="1"/>
     <c:plotArea>
@@ -8856,6 +9518,7 @@
       </c:layout>
       <c:lineChart>
         <c:grouping val="standard"/>
+        <c:varyColors val="0"/>
         <c:ser>
           <c:idx val="2"/>
           <c:order val="0"/>
@@ -8971,6 +9634,7 @@
               </c:numCache>
             </c:numRef>
           </c:val>
+          <c:smooth val="0"/>
         </c:ser>
         <c:ser>
           <c:idx val="5"/>
@@ -9087,6 +9751,7 @@
               </c:numCache>
             </c:numRef>
           </c:val>
+          <c:smooth val="0"/>
         </c:ser>
         <c:ser>
           <c:idx val="0"/>
@@ -9204,16 +9869,27 @@
               </c:numCache>
             </c:numRef>
           </c:val>
+          <c:smooth val="0"/>
         </c:ser>
+        <c:dLbls>
+          <c:showLegendKey val="0"/>
+          <c:showVal val="0"/>
+          <c:showCatName val="0"/>
+          <c:showSerName val="0"/>
+          <c:showPercent val="0"/>
+          <c:showBubbleSize val="0"/>
+        </c:dLbls>
         <c:marker val="1"/>
-        <c:axId val="98530816"/>
-        <c:axId val="98579200"/>
+        <c:smooth val="0"/>
+        <c:axId val="338122256"/>
+        <c:axId val="338122816"/>
       </c:lineChart>
       <c:catAx>
-        <c:axId val="98530816"/>
+        <c:axId val="338122256"/>
         <c:scaling>
           <c:orientation val="minMax"/>
         </c:scaling>
+        <c:delete val="0"/>
         <c:axPos val="b"/>
         <c:title>
           <c:tx>
@@ -9232,9 +9908,11 @@
               </a:p>
             </c:rich>
           </c:tx>
-          <c:layout/>
+          <c:overlay val="0"/>
         </c:title>
         <c:numFmt formatCode="General" sourceLinked="1"/>
+        <c:majorTickMark val="out"/>
+        <c:minorTickMark val="none"/>
         <c:tickLblPos val="nextTo"/>
         <c:txPr>
           <a:bodyPr rot="-2040000"/>
@@ -9246,17 +9924,19 @@
             <a:endParaRPr lang="zh-CN"/>
           </a:p>
         </c:txPr>
-        <c:crossAx val="98579200"/>
+        <c:crossAx val="338122816"/>
         <c:crosses val="autoZero"/>
         <c:auto val="1"/>
         <c:lblAlgn val="ctr"/>
         <c:lblOffset val="100"/>
+        <c:noMultiLvlLbl val="0"/>
       </c:catAx>
       <c:valAx>
-        <c:axId val="98579200"/>
+        <c:axId val="338122816"/>
         <c:scaling>
           <c:orientation val="minMax"/>
         </c:scaling>
+        <c:delete val="0"/>
         <c:axPos val="l"/>
         <c:title>
           <c:tx>
@@ -9293,10 +9973,13 @@
               <c:y val="1.1789166666666665E-2"/>
             </c:manualLayout>
           </c:layout>
+          <c:overlay val="0"/>
         </c:title>
         <c:numFmt formatCode="General" sourceLinked="1"/>
+        <c:majorTickMark val="out"/>
+        <c:minorTickMark val="none"/>
         <c:tickLblPos val="nextTo"/>
-        <c:crossAx val="98530816"/>
+        <c:crossAx val="338122256"/>
         <c:crosses val="autoZero"/>
         <c:crossBetween val="between"/>
       </c:valAx>
@@ -9318,6 +10001,7 @@
           <c:h val="0.29552333333333336"/>
         </c:manualLayout>
       </c:layout>
+      <c:overlay val="0"/>
       <c:spPr>
         <a:ln>
           <a:noFill/>
@@ -9326,6 +10010,7 @@
     </c:legend>
     <c:plotVisOnly val="1"/>
     <c:dispBlanksAs val="gap"/>
+    <c:showDLblsOverMax val="0"/>
   </c:chart>
   <c:spPr>
     <a:ln>
@@ -9345,15 +10030,25 @@
       <a:endParaRPr lang="zh-CN"/>
     </a:p>
   </c:txPr>
-  <c:externalData r:id="rId1"/>
+  <c:externalData r:id="rId1">
+    <c:autoUpdate val="0"/>
+  </c:externalData>
 </c:chartSpace>
 </file>
 
 <file path=ppt/charts/chart22.xml><?xml version="1.0" encoding="utf-8"?>
 <c:chartSpace xmlns:c="http://schemas.openxmlformats.org/drawingml/2006/chart" xmlns:a="http://schemas.openxmlformats.org/drawingml/2006/main" xmlns:r="http://schemas.openxmlformats.org/officeDocument/2006/relationships">
-  <c:date1904 val="1"/>
-  <c:lang val="zh-CN"/>
-  <c:style val="18"/>
+  <c:date1904 val="0"/>
+  <c:lang val="en-US"/>
+  <c:roundedCorners val="0"/>
+  <mc:AlternateContent xmlns:mc="http://schemas.openxmlformats.org/markup-compatibility/2006">
+    <mc:Choice xmlns:c14="http://schemas.microsoft.com/office/drawing/2007/8/2/chart" Requires="c14">
+      <c14:style val="118"/>
+    </mc:Choice>
+    <mc:Fallback>
+      <c:style val="18"/>
+    </mc:Fallback>
+  </mc:AlternateContent>
   <c:chart>
     <c:autoTitleDeleted val="1"/>
     <c:plotArea>
@@ -9370,6 +10065,7 @@
       </c:layout>
       <c:lineChart>
         <c:grouping val="standard"/>
+        <c:varyColors val="0"/>
         <c:ser>
           <c:idx val="2"/>
           <c:order val="0"/>
@@ -9485,6 +10181,7 @@
               </c:numCache>
             </c:numRef>
           </c:val>
+          <c:smooth val="0"/>
         </c:ser>
         <c:ser>
           <c:idx val="5"/>
@@ -9601,6 +10298,7 @@
               </c:numCache>
             </c:numRef>
           </c:val>
+          <c:smooth val="0"/>
         </c:ser>
         <c:ser>
           <c:idx val="0"/>
@@ -9718,16 +10416,27 @@
               </c:numCache>
             </c:numRef>
           </c:val>
+          <c:smooth val="0"/>
         </c:ser>
+        <c:dLbls>
+          <c:showLegendKey val="0"/>
+          <c:showVal val="0"/>
+          <c:showCatName val="0"/>
+          <c:showSerName val="0"/>
+          <c:showPercent val="0"/>
+          <c:showBubbleSize val="0"/>
+        </c:dLbls>
         <c:marker val="1"/>
-        <c:axId val="83796352"/>
-        <c:axId val="91820032"/>
+        <c:smooth val="0"/>
+        <c:axId val="338126176"/>
+        <c:axId val="338126736"/>
       </c:lineChart>
       <c:catAx>
-        <c:axId val="83796352"/>
+        <c:axId val="338126176"/>
         <c:scaling>
           <c:orientation val="minMax"/>
         </c:scaling>
+        <c:delete val="0"/>
         <c:axPos val="b"/>
         <c:title>
           <c:tx>
@@ -9746,9 +10455,11 @@
               </a:p>
             </c:rich>
           </c:tx>
-          <c:layout/>
+          <c:overlay val="0"/>
         </c:title>
         <c:numFmt formatCode="General" sourceLinked="1"/>
+        <c:majorTickMark val="out"/>
+        <c:minorTickMark val="none"/>
         <c:tickLblPos val="nextTo"/>
         <c:txPr>
           <a:bodyPr rot="-1980000"/>
@@ -9760,17 +10471,19 @@
             <a:endParaRPr lang="zh-CN"/>
           </a:p>
         </c:txPr>
-        <c:crossAx val="91820032"/>
+        <c:crossAx val="338126736"/>
         <c:crosses val="autoZero"/>
         <c:auto val="1"/>
         <c:lblAlgn val="ctr"/>
         <c:lblOffset val="100"/>
+        <c:noMultiLvlLbl val="0"/>
       </c:catAx>
       <c:valAx>
-        <c:axId val="91820032"/>
+        <c:axId val="338126736"/>
         <c:scaling>
           <c:orientation val="minMax"/>
         </c:scaling>
+        <c:delete val="0"/>
         <c:axPos val="l"/>
         <c:title>
           <c:tx>
@@ -9807,10 +10520,13 @@
               <c:y val="8.2613888888888858E-3"/>
             </c:manualLayout>
           </c:layout>
+          <c:overlay val="0"/>
         </c:title>
         <c:numFmt formatCode="General" sourceLinked="1"/>
+        <c:majorTickMark val="out"/>
+        <c:minorTickMark val="none"/>
         <c:tickLblPos val="nextTo"/>
-        <c:crossAx val="83796352"/>
+        <c:crossAx val="338126176"/>
         <c:crosses val="autoZero"/>
         <c:crossBetween val="between"/>
       </c:valAx>
@@ -9832,6 +10548,7 @@
           <c:h val="0.27997684113015375"/>
         </c:manualLayout>
       </c:layout>
+      <c:overlay val="0"/>
       <c:spPr>
         <a:ln>
           <a:noFill/>
@@ -9840,6 +10557,7 @@
     </c:legend>
     <c:plotVisOnly val="1"/>
     <c:dispBlanksAs val="gap"/>
+    <c:showDLblsOverMax val="0"/>
   </c:chart>
   <c:spPr>
     <a:ln>
@@ -9859,15 +10577,25 @@
       <a:endParaRPr lang="zh-CN"/>
     </a:p>
   </c:txPr>
-  <c:externalData r:id="rId1"/>
+  <c:externalData r:id="rId1">
+    <c:autoUpdate val="0"/>
+  </c:externalData>
 </c:chartSpace>
 </file>
 
 <file path=ppt/charts/chart23.xml><?xml version="1.0" encoding="utf-8"?>
 <c:chartSpace xmlns:c="http://schemas.openxmlformats.org/drawingml/2006/chart" xmlns:a="http://schemas.openxmlformats.org/drawingml/2006/main" xmlns:r="http://schemas.openxmlformats.org/officeDocument/2006/relationships">
-  <c:date1904 val="1"/>
-  <c:lang val="zh-CN"/>
-  <c:style val="18"/>
+  <c:date1904 val="0"/>
+  <c:lang val="en-US"/>
+  <c:roundedCorners val="0"/>
+  <mc:AlternateContent xmlns:mc="http://schemas.openxmlformats.org/markup-compatibility/2006">
+    <mc:Choice xmlns:c14="http://schemas.microsoft.com/office/drawing/2007/8/2/chart" Requires="c14">
+      <c14:style val="118"/>
+    </mc:Choice>
+    <mc:Fallback>
+      <c:style val="18"/>
+    </mc:Fallback>
+  </mc:AlternateContent>
   <c:chart>
     <c:autoTitleDeleted val="1"/>
     <c:plotArea>
@@ -9884,6 +10612,7 @@
       </c:layout>
       <c:lineChart>
         <c:grouping val="standard"/>
+        <c:varyColors val="0"/>
         <c:ser>
           <c:idx val="1"/>
           <c:order val="0"/>
@@ -10005,6 +10734,7 @@
               </c:numCache>
             </c:numRef>
           </c:val>
+          <c:smooth val="0"/>
         </c:ser>
         <c:ser>
           <c:idx val="2"/>
@@ -10127,6 +10857,7 @@
               </c:numCache>
             </c:numRef>
           </c:val>
+          <c:smooth val="0"/>
         </c:ser>
         <c:ser>
           <c:idx val="3"/>
@@ -10249,6 +10980,7 @@
               </c:numCache>
             </c:numRef>
           </c:val>
+          <c:smooth val="0"/>
         </c:ser>
         <c:ser>
           <c:idx val="4"/>
@@ -10371,6 +11103,7 @@
               </c:numCache>
             </c:numRef>
           </c:val>
+          <c:smooth val="0"/>
         </c:ser>
         <c:ser>
           <c:idx val="7"/>
@@ -10494,16 +11227,27 @@
               </c:numCache>
             </c:numRef>
           </c:val>
+          <c:smooth val="0"/>
         </c:ser>
+        <c:dLbls>
+          <c:showLegendKey val="0"/>
+          <c:showVal val="0"/>
+          <c:showCatName val="0"/>
+          <c:showSerName val="0"/>
+          <c:showPercent val="0"/>
+          <c:showBubbleSize val="0"/>
+        </c:dLbls>
         <c:marker val="1"/>
-        <c:axId val="97068160"/>
-        <c:axId val="100376960"/>
+        <c:smooth val="0"/>
+        <c:axId val="338131216"/>
+        <c:axId val="338131776"/>
       </c:lineChart>
       <c:catAx>
-        <c:axId val="97068160"/>
+        <c:axId val="338131216"/>
         <c:scaling>
           <c:orientation val="minMax"/>
         </c:scaling>
+        <c:delete val="0"/>
         <c:axPos val="b"/>
         <c:title>
           <c:tx>
@@ -10522,21 +11266,25 @@
               </a:p>
             </c:rich>
           </c:tx>
-          <c:layout/>
+          <c:overlay val="0"/>
         </c:title>
         <c:numFmt formatCode="General" sourceLinked="1"/>
+        <c:majorTickMark val="out"/>
+        <c:minorTickMark val="none"/>
         <c:tickLblPos val="nextTo"/>
-        <c:crossAx val="100376960"/>
+        <c:crossAx val="338131776"/>
         <c:crosses val="autoZero"/>
         <c:auto val="1"/>
         <c:lblAlgn val="ctr"/>
         <c:lblOffset val="100"/>
+        <c:noMultiLvlLbl val="0"/>
       </c:catAx>
       <c:valAx>
-        <c:axId val="100376960"/>
+        <c:axId val="338131776"/>
         <c:scaling>
           <c:orientation val="minMax"/>
         </c:scaling>
+        <c:delete val="0"/>
         <c:axPos val="l"/>
         <c:title>
           <c:tx>
@@ -10572,10 +11320,13 @@
               <c:y val="0"/>
             </c:manualLayout>
           </c:layout>
+          <c:overlay val="0"/>
         </c:title>
         <c:numFmt formatCode="General" sourceLinked="1"/>
+        <c:majorTickMark val="out"/>
+        <c:minorTickMark val="none"/>
         <c:tickLblPos val="nextTo"/>
-        <c:crossAx val="97068160"/>
+        <c:crossAx val="338131216"/>
         <c:crosses val="autoZero"/>
         <c:crossBetween val="between"/>
       </c:valAx>
@@ -10597,6 +11348,7 @@
           <c:h val="0.53907096471069116"/>
         </c:manualLayout>
       </c:layout>
+      <c:overlay val="0"/>
       <c:spPr>
         <a:ln>
           <a:noFill/>
@@ -10605,6 +11357,7 @@
     </c:legend>
     <c:plotVisOnly val="1"/>
     <c:dispBlanksAs val="gap"/>
+    <c:showDLblsOverMax val="0"/>
   </c:chart>
   <c:spPr>
     <a:ln>
@@ -10624,15 +11377,25 @@
       <a:endParaRPr lang="zh-CN"/>
     </a:p>
   </c:txPr>
-  <c:externalData r:id="rId1"/>
+  <c:externalData r:id="rId1">
+    <c:autoUpdate val="0"/>
+  </c:externalData>
 </c:chartSpace>
 </file>
 
 <file path=ppt/charts/chart24.xml><?xml version="1.0" encoding="utf-8"?>
 <c:chartSpace xmlns:c="http://schemas.openxmlformats.org/drawingml/2006/chart" xmlns:a="http://schemas.openxmlformats.org/drawingml/2006/main" xmlns:r="http://schemas.openxmlformats.org/officeDocument/2006/relationships">
-  <c:date1904 val="1"/>
-  <c:lang val="zh-CN"/>
-  <c:style val="18"/>
+  <c:date1904 val="0"/>
+  <c:lang val="en-US"/>
+  <c:roundedCorners val="0"/>
+  <mc:AlternateContent xmlns:mc="http://schemas.openxmlformats.org/markup-compatibility/2006">
+    <mc:Choice xmlns:c14="http://schemas.microsoft.com/office/drawing/2007/8/2/chart" Requires="c14">
+      <c14:style val="118"/>
+    </mc:Choice>
+    <mc:Fallback>
+      <c:style val="18"/>
+    </mc:Fallback>
+  </mc:AlternateContent>
   <c:chart>
     <c:autoTitleDeleted val="1"/>
     <c:plotArea>
@@ -10649,6 +11412,7 @@
       </c:layout>
       <c:lineChart>
         <c:grouping val="standard"/>
+        <c:varyColors val="0"/>
         <c:ser>
           <c:idx val="1"/>
           <c:order val="0"/>
@@ -10770,6 +11534,7 @@
               </c:numCache>
             </c:numRef>
           </c:val>
+          <c:smooth val="0"/>
         </c:ser>
         <c:ser>
           <c:idx val="2"/>
@@ -10892,6 +11657,7 @@
               </c:numCache>
             </c:numRef>
           </c:val>
+          <c:smooth val="0"/>
         </c:ser>
         <c:ser>
           <c:idx val="3"/>
@@ -11014,6 +11780,7 @@
               </c:numCache>
             </c:numRef>
           </c:val>
+          <c:smooth val="0"/>
         </c:ser>
         <c:ser>
           <c:idx val="4"/>
@@ -11136,6 +11903,7 @@
               </c:numCache>
             </c:numRef>
           </c:val>
+          <c:smooth val="0"/>
         </c:ser>
         <c:ser>
           <c:idx val="7"/>
@@ -11259,16 +12027,27 @@
               </c:numCache>
             </c:numRef>
           </c:val>
+          <c:smooth val="0"/>
         </c:ser>
+        <c:dLbls>
+          <c:showLegendKey val="0"/>
+          <c:showVal val="0"/>
+          <c:showCatName val="0"/>
+          <c:showSerName val="0"/>
+          <c:showPercent val="0"/>
+          <c:showBubbleSize val="0"/>
+        </c:dLbls>
         <c:marker val="1"/>
-        <c:axId val="101513088"/>
-        <c:axId val="101721216"/>
+        <c:smooth val="0"/>
+        <c:axId val="338848528"/>
+        <c:axId val="338849088"/>
       </c:lineChart>
       <c:catAx>
-        <c:axId val="101513088"/>
+        <c:axId val="338848528"/>
         <c:scaling>
           <c:orientation val="minMax"/>
         </c:scaling>
+        <c:delete val="0"/>
         <c:axPos val="b"/>
         <c:title>
           <c:tx>
@@ -11287,21 +12066,25 @@
               </a:p>
             </c:rich>
           </c:tx>
-          <c:layout/>
+          <c:overlay val="0"/>
         </c:title>
         <c:numFmt formatCode="General" sourceLinked="1"/>
+        <c:majorTickMark val="out"/>
+        <c:minorTickMark val="none"/>
         <c:tickLblPos val="nextTo"/>
-        <c:crossAx val="101721216"/>
+        <c:crossAx val="338849088"/>
         <c:crosses val="autoZero"/>
         <c:auto val="1"/>
         <c:lblAlgn val="ctr"/>
         <c:lblOffset val="100"/>
+        <c:noMultiLvlLbl val="0"/>
       </c:catAx>
       <c:valAx>
-        <c:axId val="101721216"/>
+        <c:axId val="338849088"/>
         <c:scaling>
           <c:orientation val="minMax"/>
         </c:scaling>
+        <c:delete val="0"/>
         <c:axPos val="l"/>
         <c:title>
           <c:tx>
@@ -11337,10 +12120,13 @@
               <c:y val="9.40027777777778E-3"/>
             </c:manualLayout>
           </c:layout>
+          <c:overlay val="0"/>
         </c:title>
         <c:numFmt formatCode="General" sourceLinked="1"/>
+        <c:majorTickMark val="out"/>
+        <c:minorTickMark val="none"/>
         <c:tickLblPos val="nextTo"/>
-        <c:crossAx val="101513088"/>
+        <c:crossAx val="338848528"/>
         <c:crosses val="autoZero"/>
         <c:crossBetween val="between"/>
       </c:valAx>
@@ -11362,6 +12148,7 @@
           <c:h val="0.43595599814729064"/>
         </c:manualLayout>
       </c:layout>
+      <c:overlay val="0"/>
       <c:spPr>
         <a:ln>
           <a:noFill/>
@@ -11370,6 +12157,7 @@
     </c:legend>
     <c:plotVisOnly val="1"/>
     <c:dispBlanksAs val="gap"/>
+    <c:showDLblsOverMax val="0"/>
   </c:chart>
   <c:spPr>
     <a:ln>
@@ -11389,15 +12177,25 @@
       <a:endParaRPr lang="zh-CN"/>
     </a:p>
   </c:txPr>
-  <c:externalData r:id="rId1"/>
+  <c:externalData r:id="rId1">
+    <c:autoUpdate val="0"/>
+  </c:externalData>
 </c:chartSpace>
 </file>
 
 <file path=ppt/charts/chart3.xml><?xml version="1.0" encoding="utf-8"?>
 <c:chartSpace xmlns:c="http://schemas.openxmlformats.org/drawingml/2006/chart" xmlns:a="http://schemas.openxmlformats.org/drawingml/2006/main" xmlns:r="http://schemas.openxmlformats.org/officeDocument/2006/relationships">
-  <c:date1904 val="1"/>
-  <c:lang val="zh-CN"/>
-  <c:style val="18"/>
+  <c:date1904 val="0"/>
+  <c:lang val="en-US"/>
+  <c:roundedCorners val="0"/>
+  <mc:AlternateContent xmlns:mc="http://schemas.openxmlformats.org/markup-compatibility/2006">
+    <mc:Choice xmlns:c14="http://schemas.microsoft.com/office/drawing/2007/8/2/chart" Requires="c14">
+      <c14:style val="102"/>
+    </mc:Choice>
+    <mc:Fallback>
+      <c:style val="2"/>
+    </mc:Fallback>
+  </mc:AlternateContent>
   <c:chart>
     <c:autoTitleDeleted val="1"/>
     <c:plotArea>
@@ -11406,33 +12204,673 @@
           <c:layoutTarget val="inner"/>
           <c:xMode val="edge"/>
           <c:yMode val="edge"/>
-          <c:x val="0.15647162698412698"/>
-          <c:y val="4.7037037037037169E-2"/>
-          <c:w val="0.68981805555555542"/>
-          <c:h val="0.64630083333333332"/>
+          <c:x val="0.14970545634920635"/>
+          <c:y val="5.7620277777777777E-2"/>
+          <c:w val="0.75820694444444448"/>
+          <c:h val="0.75656388888888892"/>
         </c:manualLayout>
       </c:layout>
       <c:lineChart>
         <c:grouping val="standard"/>
+        <c:varyColors val="0"/>
         <c:ser>
-          <c:idx val="1"/>
+          <c:idx val="0"/>
           <c:order val="0"/>
           <c:tx>
             <c:strRef>
-              <c:f>'C:\Users\DEYU\Desktop\My Research\[同欧美国家对比.xlsx]Total'!$B$1</c:f>
+              <c:f>Sheet1!$A$34</c:f>
               <c:strCache>
                 <c:ptCount val="1"/>
                 <c:pt idx="0">
-                  <c:v>DE</c:v>
+                  <c:v>CN</c:v>
                 </c:pt>
               </c:strCache>
             </c:strRef>
           </c:tx>
           <c:spPr>
-            <a:ln w="25400">
+            <a:ln w="25400" cap="rnd">
               <a:solidFill>
-                <a:sysClr val="windowText" lastClr="000000"/>
+                <a:schemeClr val="tx1"/>
               </a:solidFill>
+              <a:round/>
+            </a:ln>
+            <a:effectLst/>
+          </c:spPr>
+          <c:marker>
+            <c:symbol val="triangle"/>
+            <c:size val="10"/>
+            <c:spPr>
+              <a:solidFill>
+                <a:schemeClr val="bg1"/>
+              </a:solidFill>
+              <a:ln w="9525">
+                <a:solidFill>
+                  <a:schemeClr val="tx1"/>
+                </a:solidFill>
+              </a:ln>
+              <a:effectLst/>
+            </c:spPr>
+          </c:marker>
+          <c:cat>
+            <c:numRef>
+              <c:f>Sheet1!$B$33:$M$33</c:f>
+              <c:numCache>
+                <c:formatCode>General</c:formatCode>
+                <c:ptCount val="12"/>
+                <c:pt idx="0">
+                  <c:v>2001</c:v>
+                </c:pt>
+                <c:pt idx="1">
+                  <c:v>2002</c:v>
+                </c:pt>
+                <c:pt idx="2">
+                  <c:v>2003</c:v>
+                </c:pt>
+                <c:pt idx="3">
+                  <c:v>2004</c:v>
+                </c:pt>
+                <c:pt idx="4">
+                  <c:v>2005</c:v>
+                </c:pt>
+                <c:pt idx="5">
+                  <c:v>2006</c:v>
+                </c:pt>
+                <c:pt idx="6">
+                  <c:v>2007</c:v>
+                </c:pt>
+                <c:pt idx="7">
+                  <c:v>2008</c:v>
+                </c:pt>
+                <c:pt idx="8">
+                  <c:v>2009</c:v>
+                </c:pt>
+                <c:pt idx="9">
+                  <c:v>2010</c:v>
+                </c:pt>
+                <c:pt idx="10">
+                  <c:v>2011</c:v>
+                </c:pt>
+                <c:pt idx="11">
+                  <c:v>2012</c:v>
+                </c:pt>
+              </c:numCache>
+            </c:numRef>
+          </c:cat>
+          <c:val>
+            <c:numRef>
+              <c:f>Sheet1!$B$34:$M$34</c:f>
+              <c:numCache>
+                <c:formatCode>General</c:formatCode>
+                <c:ptCount val="12"/>
+                <c:pt idx="0">
+                  <c:v>0.16236597870987024</c:v>
+                </c:pt>
+                <c:pt idx="1">
+                  <c:v>0.16290146026167054</c:v>
+                </c:pt>
+                <c:pt idx="2">
+                  <c:v>0.17437590427469235</c:v>
+                </c:pt>
+                <c:pt idx="3">
+                  <c:v>0.1821220156444269</c:v>
+                </c:pt>
+                <c:pt idx="4">
+                  <c:v>0.17363610944536964</c:v>
+                </c:pt>
+                <c:pt idx="5">
+                  <c:v>0.17183256049820014</c:v>
+                </c:pt>
+                <c:pt idx="6">
+                  <c:v>0.17669463374097311</c:v>
+                </c:pt>
+                <c:pt idx="7">
+                  <c:v>0.19419507773458455</c:v>
+                </c:pt>
+                <c:pt idx="8">
+                  <c:v>0.19761493682994832</c:v>
+                </c:pt>
+                <c:pt idx="9">
+                  <c:v>0.20427497651111806</c:v>
+                </c:pt>
+                <c:pt idx="10">
+                  <c:v>0.20808984416693349</c:v>
+                </c:pt>
+                <c:pt idx="11">
+                  <c:v>0.21101630534179316</c:v>
+                </c:pt>
+              </c:numCache>
+            </c:numRef>
+          </c:val>
+          <c:smooth val="0"/>
+        </c:ser>
+        <c:ser>
+          <c:idx val="1"/>
+          <c:order val="1"/>
+          <c:tx>
+            <c:strRef>
+              <c:f>Sheet1!$A$35</c:f>
+              <c:strCache>
+                <c:ptCount val="1"/>
+                <c:pt idx="0">
+                  <c:v>US</c:v>
+                </c:pt>
+              </c:strCache>
+            </c:strRef>
+          </c:tx>
+          <c:spPr>
+            <a:ln w="25400" cap="rnd">
+              <a:solidFill>
+                <a:schemeClr val="tx1"/>
+              </a:solidFill>
+              <a:round/>
+            </a:ln>
+            <a:effectLst/>
+          </c:spPr>
+          <c:marker>
+            <c:symbol val="circle"/>
+            <c:size val="10"/>
+            <c:spPr>
+              <a:solidFill>
+                <a:schemeClr val="bg1"/>
+              </a:solidFill>
+              <a:ln w="9525">
+                <a:solidFill>
+                  <a:schemeClr val="tx1"/>
+                </a:solidFill>
+              </a:ln>
+              <a:effectLst/>
+            </c:spPr>
+          </c:marker>
+          <c:cat>
+            <c:numRef>
+              <c:f>Sheet1!$B$33:$M$33</c:f>
+              <c:numCache>
+                <c:formatCode>General</c:formatCode>
+                <c:ptCount val="12"/>
+                <c:pt idx="0">
+                  <c:v>2001</c:v>
+                </c:pt>
+                <c:pt idx="1">
+                  <c:v>2002</c:v>
+                </c:pt>
+                <c:pt idx="2">
+                  <c:v>2003</c:v>
+                </c:pt>
+                <c:pt idx="3">
+                  <c:v>2004</c:v>
+                </c:pt>
+                <c:pt idx="4">
+                  <c:v>2005</c:v>
+                </c:pt>
+                <c:pt idx="5">
+                  <c:v>2006</c:v>
+                </c:pt>
+                <c:pt idx="6">
+                  <c:v>2007</c:v>
+                </c:pt>
+                <c:pt idx="7">
+                  <c:v>2008</c:v>
+                </c:pt>
+                <c:pt idx="8">
+                  <c:v>2009</c:v>
+                </c:pt>
+                <c:pt idx="9">
+                  <c:v>2010</c:v>
+                </c:pt>
+                <c:pt idx="10">
+                  <c:v>2011</c:v>
+                </c:pt>
+                <c:pt idx="11">
+                  <c:v>2012</c:v>
+                </c:pt>
+              </c:numCache>
+            </c:numRef>
+          </c:cat>
+          <c:val>
+            <c:numRef>
+              <c:f>Sheet1!$B$35:$M$35</c:f>
+              <c:numCache>
+                <c:formatCode>General</c:formatCode>
+                <c:ptCount val="12"/>
+                <c:pt idx="0">
+                  <c:v>1.3722865501868698E-2</c:v>
+                </c:pt>
+                <c:pt idx="1">
+                  <c:v>1.4485831304149236E-2</c:v>
+                </c:pt>
+                <c:pt idx="2">
+                  <c:v>1.4628763237744693E-2</c:v>
+                </c:pt>
+                <c:pt idx="3">
+                  <c:v>1.512990540453671E-2</c:v>
+                </c:pt>
+                <c:pt idx="4">
+                  <c:v>1.5865167588822695E-2</c:v>
+                </c:pt>
+                <c:pt idx="5">
+                  <c:v>1.6317130312389679E-2</c:v>
+                </c:pt>
+                <c:pt idx="6">
+                  <c:v>1.6296362418397721E-2</c:v>
+                </c:pt>
+                <c:pt idx="7">
+                  <c:v>1.5703100085600632E-2</c:v>
+                </c:pt>
+                <c:pt idx="8">
+                  <c:v>1.5051364675424827E-2</c:v>
+                </c:pt>
+                <c:pt idx="9">
+                  <c:v>1.4523741094586309E-2</c:v>
+                </c:pt>
+                <c:pt idx="10">
+                  <c:v>1.438962463917017E-2</c:v>
+                </c:pt>
+              </c:numCache>
+            </c:numRef>
+          </c:val>
+          <c:smooth val="0"/>
+        </c:ser>
+        <c:ser>
+          <c:idx val="2"/>
+          <c:order val="2"/>
+          <c:tx>
+            <c:strRef>
+              <c:f>Sheet1!$A$36</c:f>
+              <c:strCache>
+                <c:ptCount val="1"/>
+                <c:pt idx="0">
+                  <c:v>UK</c:v>
+                </c:pt>
+              </c:strCache>
+            </c:strRef>
+          </c:tx>
+          <c:spPr>
+            <a:ln w="25400" cap="rnd">
+              <a:solidFill>
+                <a:schemeClr val="tx1"/>
+              </a:solidFill>
+              <a:round/>
+            </a:ln>
+            <a:effectLst/>
+          </c:spPr>
+          <c:marker>
+            <c:symbol val="diamond"/>
+            <c:size val="10"/>
+            <c:spPr>
+              <a:solidFill>
+                <a:schemeClr val="bg1"/>
+              </a:solidFill>
+              <a:ln w="9525">
+                <a:solidFill>
+                  <a:schemeClr val="tx1"/>
+                </a:solidFill>
+              </a:ln>
+              <a:effectLst/>
+            </c:spPr>
+          </c:marker>
+          <c:cat>
+            <c:numRef>
+              <c:f>Sheet1!$B$33:$M$33</c:f>
+              <c:numCache>
+                <c:formatCode>General</c:formatCode>
+                <c:ptCount val="12"/>
+                <c:pt idx="0">
+                  <c:v>2001</c:v>
+                </c:pt>
+                <c:pt idx="1">
+                  <c:v>2002</c:v>
+                </c:pt>
+                <c:pt idx="2">
+                  <c:v>2003</c:v>
+                </c:pt>
+                <c:pt idx="3">
+                  <c:v>2004</c:v>
+                </c:pt>
+                <c:pt idx="4">
+                  <c:v>2005</c:v>
+                </c:pt>
+                <c:pt idx="5">
+                  <c:v>2006</c:v>
+                </c:pt>
+                <c:pt idx="6">
+                  <c:v>2007</c:v>
+                </c:pt>
+                <c:pt idx="7">
+                  <c:v>2008</c:v>
+                </c:pt>
+                <c:pt idx="8">
+                  <c:v>2009</c:v>
+                </c:pt>
+                <c:pt idx="9">
+                  <c:v>2010</c:v>
+                </c:pt>
+                <c:pt idx="10">
+                  <c:v>2011</c:v>
+                </c:pt>
+                <c:pt idx="11">
+                  <c:v>2012</c:v>
+                </c:pt>
+              </c:numCache>
+            </c:numRef>
+          </c:cat>
+          <c:val>
+            <c:numRef>
+              <c:f>Sheet1!$B$36:$M$36</c:f>
+              <c:numCache>
+                <c:formatCode>General</c:formatCode>
+                <c:ptCount val="12"/>
+                <c:pt idx="0">
+                  <c:v>1.1006540118041155E-2</c:v>
+                </c:pt>
+                <c:pt idx="1">
+                  <c:v>1.1344736485347071E-2</c:v>
+                </c:pt>
+                <c:pt idx="2">
+                  <c:v>1.2075398956311014E-2</c:v>
+                </c:pt>
+                <c:pt idx="3">
+                  <c:v>1.1453625440489864E-2</c:v>
+                </c:pt>
+                <c:pt idx="4">
+                  <c:v>1.1803053823547849E-2</c:v>
+                </c:pt>
+                <c:pt idx="5">
+                  <c:v>1.2286382721596455E-2</c:v>
+                </c:pt>
+                <c:pt idx="6">
+                  <c:v>1.188161938486606E-2</c:v>
+                </c:pt>
+                <c:pt idx="7">
+                  <c:v>1.1009031049111209E-2</c:v>
+                </c:pt>
+                <c:pt idx="8">
+                  <c:v>9.9990099990099994E-3</c:v>
+                </c:pt>
+                <c:pt idx="9">
+                  <c:v>8.8580320804405067E-3</c:v>
+                </c:pt>
+                <c:pt idx="10">
+                  <c:v>9.3231519217659552E-3</c:v>
+                </c:pt>
+              </c:numCache>
+            </c:numRef>
+          </c:val>
+          <c:smooth val="0"/>
+        </c:ser>
+        <c:ser>
+          <c:idx val="3"/>
+          <c:order val="3"/>
+          <c:tx>
+            <c:strRef>
+              <c:f>Sheet1!$A$37</c:f>
+              <c:strCache>
+                <c:ptCount val="1"/>
+                <c:pt idx="0">
+                  <c:v>IT</c:v>
+                </c:pt>
+              </c:strCache>
+            </c:strRef>
+          </c:tx>
+          <c:spPr>
+            <a:ln w="25400" cap="rnd">
+              <a:solidFill>
+                <a:schemeClr val="tx1"/>
+              </a:solidFill>
+              <a:round/>
+            </a:ln>
+            <a:effectLst/>
+          </c:spPr>
+          <c:marker>
+            <c:symbol val="x"/>
+            <c:size val="10"/>
+            <c:spPr>
+              <a:solidFill>
+                <a:schemeClr val="bg1"/>
+              </a:solidFill>
+              <a:ln w="9525">
+                <a:solidFill>
+                  <a:schemeClr val="tx1"/>
+                </a:solidFill>
+              </a:ln>
+              <a:effectLst/>
+            </c:spPr>
+          </c:marker>
+          <c:cat>
+            <c:numRef>
+              <c:f>Sheet1!$B$33:$M$33</c:f>
+              <c:numCache>
+                <c:formatCode>General</c:formatCode>
+                <c:ptCount val="12"/>
+                <c:pt idx="0">
+                  <c:v>2001</c:v>
+                </c:pt>
+                <c:pt idx="1">
+                  <c:v>2002</c:v>
+                </c:pt>
+                <c:pt idx="2">
+                  <c:v>2003</c:v>
+                </c:pt>
+                <c:pt idx="3">
+                  <c:v>2004</c:v>
+                </c:pt>
+                <c:pt idx="4">
+                  <c:v>2005</c:v>
+                </c:pt>
+                <c:pt idx="5">
+                  <c:v>2006</c:v>
+                </c:pt>
+                <c:pt idx="6">
+                  <c:v>2007</c:v>
+                </c:pt>
+                <c:pt idx="7">
+                  <c:v>2008</c:v>
+                </c:pt>
+                <c:pt idx="8">
+                  <c:v>2009</c:v>
+                </c:pt>
+                <c:pt idx="9">
+                  <c:v>2010</c:v>
+                </c:pt>
+                <c:pt idx="10">
+                  <c:v>2011</c:v>
+                </c:pt>
+                <c:pt idx="11">
+                  <c:v>2012</c:v>
+                </c:pt>
+              </c:numCache>
+            </c:numRef>
+          </c:cat>
+          <c:val>
+            <c:numRef>
+              <c:f>Sheet1!$B$37:$M$37</c:f>
+              <c:numCache>
+                <c:formatCode>General</c:formatCode>
+                <c:ptCount val="12"/>
+                <c:pt idx="0">
+                  <c:v>1.8654931095582861E-2</c:v>
+                </c:pt>
+                <c:pt idx="1">
+                  <c:v>1.8107717571490461E-2</c:v>
+                </c:pt>
+                <c:pt idx="2">
+                  <c:v>1.807799734463059E-2</c:v>
+                </c:pt>
+                <c:pt idx="3">
+                  <c:v>1.7526531710654769E-2</c:v>
+                </c:pt>
+                <c:pt idx="4">
+                  <c:v>1.7077960390168873E-2</c:v>
+                </c:pt>
+                <c:pt idx="5">
+                  <c:v>1.6741677888818012E-2</c:v>
+                </c:pt>
+                <c:pt idx="6">
+                  <c:v>1.5502540954383675E-2</c:v>
+                </c:pt>
+                <c:pt idx="7">
+                  <c:v>1.4977652391669573E-2</c:v>
+                </c:pt>
+                <c:pt idx="8">
+                  <c:v>1.3602319168130058E-2</c:v>
+                </c:pt>
+                <c:pt idx="9">
+                  <c:v>1.3330074146500448E-2</c:v>
+                </c:pt>
+                <c:pt idx="10">
+                  <c:v>1.3045873482065304E-2</c:v>
+                </c:pt>
+              </c:numCache>
+            </c:numRef>
+          </c:val>
+          <c:smooth val="0"/>
+        </c:ser>
+        <c:ser>
+          <c:idx val="4"/>
+          <c:order val="4"/>
+          <c:tx>
+            <c:strRef>
+              <c:f>Sheet1!$A$38</c:f>
+              <c:strCache>
+                <c:ptCount val="1"/>
+                <c:pt idx="0">
+                  <c:v>FR</c:v>
+                </c:pt>
+              </c:strCache>
+            </c:strRef>
+          </c:tx>
+          <c:spPr>
+            <a:ln w="25400" cap="rnd">
+              <a:solidFill>
+                <a:schemeClr val="tx1"/>
+              </a:solidFill>
+              <a:round/>
+            </a:ln>
+            <a:effectLst/>
+          </c:spPr>
+          <c:marker>
+            <c:symbol val="square"/>
+            <c:size val="10"/>
+            <c:spPr>
+              <a:solidFill>
+                <a:schemeClr val="bg1"/>
+              </a:solidFill>
+              <a:ln w="9525">
+                <a:solidFill>
+                  <a:schemeClr val="tx1"/>
+                </a:solidFill>
+              </a:ln>
+              <a:effectLst/>
+            </c:spPr>
+          </c:marker>
+          <c:cat>
+            <c:numRef>
+              <c:f>Sheet1!$B$33:$M$33</c:f>
+              <c:numCache>
+                <c:formatCode>General</c:formatCode>
+                <c:ptCount val="12"/>
+                <c:pt idx="0">
+                  <c:v>2001</c:v>
+                </c:pt>
+                <c:pt idx="1">
+                  <c:v>2002</c:v>
+                </c:pt>
+                <c:pt idx="2">
+                  <c:v>2003</c:v>
+                </c:pt>
+                <c:pt idx="3">
+                  <c:v>2004</c:v>
+                </c:pt>
+                <c:pt idx="4">
+                  <c:v>2005</c:v>
+                </c:pt>
+                <c:pt idx="5">
+                  <c:v>2006</c:v>
+                </c:pt>
+                <c:pt idx="6">
+                  <c:v>2007</c:v>
+                </c:pt>
+                <c:pt idx="7">
+                  <c:v>2008</c:v>
+                </c:pt>
+                <c:pt idx="8">
+                  <c:v>2009</c:v>
+                </c:pt>
+                <c:pt idx="9">
+                  <c:v>2010</c:v>
+                </c:pt>
+                <c:pt idx="10">
+                  <c:v>2011</c:v>
+                </c:pt>
+                <c:pt idx="11">
+                  <c:v>2012</c:v>
+                </c:pt>
+              </c:numCache>
+            </c:numRef>
+          </c:cat>
+          <c:val>
+            <c:numRef>
+              <c:f>Sheet1!$B$38:$M$38</c:f>
+              <c:numCache>
+                <c:formatCode>General</c:formatCode>
+                <c:ptCount val="12"/>
+                <c:pt idx="0">
+                  <c:v>4.7753069619274426E-2</c:v>
+                </c:pt>
+                <c:pt idx="1">
+                  <c:v>4.9916942949111184E-2</c:v>
+                </c:pt>
+                <c:pt idx="2">
+                  <c:v>4.7106690777576857E-2</c:v>
+                </c:pt>
+                <c:pt idx="3">
+                  <c:v>4.5911248782456851E-2</c:v>
+                </c:pt>
+                <c:pt idx="4">
+                  <c:v>4.6898424960756302E-2</c:v>
+                </c:pt>
+                <c:pt idx="5">
+                  <c:v>4.4077728064099445E-2</c:v>
+                </c:pt>
+                <c:pt idx="6">
+                  <c:v>4.2848795689151467E-2</c:v>
+                </c:pt>
+                <c:pt idx="7">
+                  <c:v>4.358997889327338E-2</c:v>
+                </c:pt>
+                <c:pt idx="8">
+                  <c:v>4.4881153696681969E-2</c:v>
+                </c:pt>
+                <c:pt idx="9">
+                  <c:v>4.5131312674527718E-2</c:v>
+                </c:pt>
+                <c:pt idx="10">
+                  <c:v>4.6506442603328091E-2</c:v>
+                </c:pt>
+              </c:numCache>
+            </c:numRef>
+          </c:val>
+          <c:smooth val="0"/>
+        </c:ser>
+        <c:ser>
+          <c:idx val="5"/>
+          <c:order val="5"/>
+          <c:tx>
+            <c:strRef>
+              <c:f>Sheet1!$A$39</c:f>
+              <c:strCache>
+                <c:ptCount val="1"/>
+                <c:pt idx="0">
+                  <c:v>DE</c:v>
+                </c:pt>
+              </c:strCache>
+            </c:strRef>
+          </c:tx>
+          <c:spPr>
+            <a:ln w="25400" cap="rnd">
+              <a:solidFill>
+                <a:schemeClr val="tx1"/>
+              </a:solidFill>
+              <a:round/>
             </a:ln>
             <a:effectLst/>
           </c:spPr>
@@ -11443,9 +12881,9 @@
               <a:solidFill>
                 <a:schemeClr val="bg1"/>
               </a:solidFill>
-              <a:ln w="12700">
+              <a:ln w="9525">
                 <a:solidFill>
-                  <a:sysClr val="windowText" lastClr="000000"/>
+                  <a:schemeClr val="tx1"/>
                 </a:solidFill>
               </a:ln>
               <a:effectLst/>
@@ -11453,858 +12891,395 @@
           </c:marker>
           <c:cat>
             <c:numRef>
-              <c:f>'C:\Users\DEYU\Desktop\My Research\[同欧美国家对比.xlsx]Total'!$A$39:$A$50</c:f>
+              <c:f>Sheet1!$B$33:$M$33</c:f>
               <c:numCache>
                 <c:formatCode>General</c:formatCode>
                 <c:ptCount val="12"/>
                 <c:pt idx="0">
-                  <c:v>2000</c:v>
+                  <c:v>2001</c:v>
                 </c:pt>
                 <c:pt idx="1">
-                  <c:v>2001</c:v>
+                  <c:v>2002</c:v>
                 </c:pt>
                 <c:pt idx="2">
-                  <c:v>2002</c:v>
+                  <c:v>2003</c:v>
                 </c:pt>
                 <c:pt idx="3">
-                  <c:v>2003</c:v>
+                  <c:v>2004</c:v>
                 </c:pt>
                 <c:pt idx="4">
-                  <c:v>2004</c:v>
+                  <c:v>2005</c:v>
                 </c:pt>
                 <c:pt idx="5">
-                  <c:v>2005</c:v>
+                  <c:v>2006</c:v>
                 </c:pt>
                 <c:pt idx="6">
-                  <c:v>2006</c:v>
+                  <c:v>2007</c:v>
                 </c:pt>
                 <c:pt idx="7">
-                  <c:v>2007</c:v>
+                  <c:v>2008</c:v>
                 </c:pt>
                 <c:pt idx="8">
-                  <c:v>2008</c:v>
+                  <c:v>2009</c:v>
                 </c:pt>
                 <c:pt idx="9">
-                  <c:v>2009</c:v>
+                  <c:v>2010</c:v>
                 </c:pt>
                 <c:pt idx="10">
-                  <c:v>2010</c:v>
+                  <c:v>2011</c:v>
                 </c:pt>
                 <c:pt idx="11">
-                  <c:v>2011</c:v>
+                  <c:v>2012</c:v>
                 </c:pt>
               </c:numCache>
             </c:numRef>
           </c:cat>
           <c:val>
             <c:numRef>
-              <c:f>'C:\Users\DEYU\Desktop\My Research\[同欧美国家对比.xlsx]Total'!$B$39:$B$50</c:f>
+              <c:f>Sheet1!$B$39:$M$39</c:f>
               <c:numCache>
                 <c:formatCode>General</c:formatCode>
                 <c:ptCount val="12"/>
                 <c:pt idx="0">
-                  <c:v>1.4666413853632999E-2</c:v>
+                  <c:v>1.3905275913200147E-2</c:v>
                 </c:pt>
                 <c:pt idx="1">
-                  <c:v>1.3905275913200127E-2</c:v>
+                  <c:v>1.4158156666770132E-2</c:v>
                 </c:pt>
                 <c:pt idx="2">
-                  <c:v>1.4158156666770101E-2</c:v>
+                  <c:v>1.4106740218821929E-2</c:v>
                 </c:pt>
                 <c:pt idx="3">
-                  <c:v>1.4106740218821899E-2</c:v>
+                  <c:v>1.309959458974635E-2</c:v>
                 </c:pt>
                 <c:pt idx="4">
-                  <c:v>1.30995945897463E-2</c:v>
+                  <c:v>1.221729975114174E-2</c:v>
                 </c:pt>
                 <c:pt idx="5">
-                  <c:v>1.2217299751141676E-2</c:v>
+                  <c:v>1.1910777955585502E-2</c:v>
                 </c:pt>
                 <c:pt idx="6">
-                  <c:v>1.191077795558552E-2</c:v>
+                  <c:v>1.1341344919884134E-2</c:v>
                 </c:pt>
                 <c:pt idx="7">
-                  <c:v>1.1341344919884122E-2</c:v>
+                  <c:v>1.0826457472843172E-2</c:v>
                 </c:pt>
                 <c:pt idx="8">
-                  <c:v>1.08264574728432E-2</c:v>
+                  <c:v>1.0332907772825348E-2</c:v>
                 </c:pt>
                 <c:pt idx="9">
-                  <c:v>1.0332907772825299E-2</c:v>
+                  <c:v>9.7327236151945745E-3</c:v>
                 </c:pt>
                 <c:pt idx="10">
-                  <c:v>9.732723615194571E-3</c:v>
-                </c:pt>
-                <c:pt idx="11">
-                  <c:v>1.0114185087821101E-2</c:v>
+                  <c:v>1.0114185087821099E-2</c:v>
                 </c:pt>
               </c:numCache>
             </c:numRef>
           </c:val>
+          <c:smooth val="0"/>
         </c:ser>
-        <c:ser>
-          <c:idx val="2"/>
-          <c:order val="1"/>
-          <c:tx>
-            <c:strRef>
-              <c:f>'C:\Users\DEYU\Desktop\My Research\[同欧美国家对比.xlsx]Total'!$C$1</c:f>
-              <c:strCache>
-                <c:ptCount val="1"/>
-                <c:pt idx="0">
-                  <c:v>IT</c:v>
-                </c:pt>
-              </c:strCache>
-            </c:strRef>
-          </c:tx>
-          <c:spPr>
-            <a:ln w="25400">
-              <a:solidFill>
-                <a:sysClr val="windowText" lastClr="000000"/>
-              </a:solidFill>
-            </a:ln>
-            <a:effectLst/>
-          </c:spPr>
-          <c:marker>
-            <c:symbol val="x"/>
-            <c:size val="10"/>
-            <c:spPr>
-              <a:solidFill>
-                <a:schemeClr val="bg1"/>
-              </a:solidFill>
-              <a:ln w="12700">
-                <a:solidFill>
-                  <a:sysClr val="windowText" lastClr="000000"/>
-                </a:solidFill>
-              </a:ln>
-              <a:effectLst/>
-            </c:spPr>
-          </c:marker>
-          <c:cat>
-            <c:numRef>
-              <c:f>'C:\Users\DEYU\Desktop\My Research\[同欧美国家对比.xlsx]Total'!$A$39:$A$50</c:f>
-              <c:numCache>
-                <c:formatCode>General</c:formatCode>
-                <c:ptCount val="12"/>
-                <c:pt idx="0">
-                  <c:v>2000</c:v>
-                </c:pt>
-                <c:pt idx="1">
-                  <c:v>2001</c:v>
-                </c:pt>
-                <c:pt idx="2">
-                  <c:v>2002</c:v>
-                </c:pt>
-                <c:pt idx="3">
-                  <c:v>2003</c:v>
-                </c:pt>
-                <c:pt idx="4">
-                  <c:v>2004</c:v>
-                </c:pt>
-                <c:pt idx="5">
-                  <c:v>2005</c:v>
-                </c:pt>
-                <c:pt idx="6">
-                  <c:v>2006</c:v>
-                </c:pt>
-                <c:pt idx="7">
-                  <c:v>2007</c:v>
-                </c:pt>
-                <c:pt idx="8">
-                  <c:v>2008</c:v>
-                </c:pt>
-                <c:pt idx="9">
-                  <c:v>2009</c:v>
-                </c:pt>
-                <c:pt idx="10">
-                  <c:v>2010</c:v>
-                </c:pt>
-                <c:pt idx="11">
-                  <c:v>2011</c:v>
-                </c:pt>
-              </c:numCache>
-            </c:numRef>
-          </c:cat>
-          <c:val>
-            <c:numRef>
-              <c:f>'C:\Users\DEYU\Desktop\My Research\[同欧美国家对比.xlsx]Total'!$C$39:$C$50</c:f>
-              <c:numCache>
-                <c:formatCode>General</c:formatCode>
-                <c:ptCount val="12"/>
-                <c:pt idx="1">
-                  <c:v>1.865493109558293E-2</c:v>
-                </c:pt>
-                <c:pt idx="2">
-                  <c:v>1.8107717571490496E-2</c:v>
-                </c:pt>
-                <c:pt idx="3">
-                  <c:v>1.8077997344630607E-2</c:v>
-                </c:pt>
-                <c:pt idx="4">
-                  <c:v>1.7526531710654807E-2</c:v>
-                </c:pt>
-                <c:pt idx="5">
-                  <c:v>1.7077960390168907E-2</c:v>
-                </c:pt>
-                <c:pt idx="6">
-                  <c:v>1.6741677888818043E-2</c:v>
-                </c:pt>
-                <c:pt idx="7">
-                  <c:v>1.5502540954383704E-2</c:v>
-                </c:pt>
-                <c:pt idx="8">
-                  <c:v>1.4977652391669604E-2</c:v>
-                </c:pt>
-                <c:pt idx="9">
-                  <c:v>1.3602319168130129E-2</c:v>
-                </c:pt>
-                <c:pt idx="10">
-                  <c:v>1.3330074146500524E-2</c:v>
-                </c:pt>
-                <c:pt idx="11">
-                  <c:v>1.3045873482065335E-2</c:v>
-                </c:pt>
-              </c:numCache>
-            </c:numRef>
-          </c:val>
-        </c:ser>
-        <c:ser>
-          <c:idx val="3"/>
-          <c:order val="2"/>
-          <c:tx>
-            <c:strRef>
-              <c:f>'C:\Users\DEYU\Desktop\My Research\[同欧美国家对比.xlsx]Total'!$D$1</c:f>
-              <c:strCache>
-                <c:ptCount val="1"/>
-                <c:pt idx="0">
-                  <c:v>FR</c:v>
-                </c:pt>
-              </c:strCache>
-            </c:strRef>
-          </c:tx>
-          <c:spPr>
-            <a:ln w="25400">
-              <a:solidFill>
-                <a:sysClr val="windowText" lastClr="000000"/>
-              </a:solidFill>
-            </a:ln>
-            <a:effectLst/>
-          </c:spPr>
-          <c:marker>
-            <c:symbol val="square"/>
-            <c:size val="10"/>
-            <c:spPr>
-              <a:solidFill>
-                <a:schemeClr val="bg1"/>
-              </a:solidFill>
-              <a:ln w="12700">
-                <a:solidFill>
-                  <a:sysClr val="windowText" lastClr="000000"/>
-                </a:solidFill>
-              </a:ln>
-              <a:effectLst/>
-            </c:spPr>
-          </c:marker>
-          <c:cat>
-            <c:numRef>
-              <c:f>'C:\Users\DEYU\Desktop\My Research\[同欧美国家对比.xlsx]Total'!$A$39:$A$50</c:f>
-              <c:numCache>
-                <c:formatCode>General</c:formatCode>
-                <c:ptCount val="12"/>
-                <c:pt idx="0">
-                  <c:v>2000</c:v>
-                </c:pt>
-                <c:pt idx="1">
-                  <c:v>2001</c:v>
-                </c:pt>
-                <c:pt idx="2">
-                  <c:v>2002</c:v>
-                </c:pt>
-                <c:pt idx="3">
-                  <c:v>2003</c:v>
-                </c:pt>
-                <c:pt idx="4">
-                  <c:v>2004</c:v>
-                </c:pt>
-                <c:pt idx="5">
-                  <c:v>2005</c:v>
-                </c:pt>
-                <c:pt idx="6">
-                  <c:v>2006</c:v>
-                </c:pt>
-                <c:pt idx="7">
-                  <c:v>2007</c:v>
-                </c:pt>
-                <c:pt idx="8">
-                  <c:v>2008</c:v>
-                </c:pt>
-                <c:pt idx="9">
-                  <c:v>2009</c:v>
-                </c:pt>
-                <c:pt idx="10">
-                  <c:v>2010</c:v>
-                </c:pt>
-                <c:pt idx="11">
-                  <c:v>2011</c:v>
-                </c:pt>
-              </c:numCache>
-            </c:numRef>
-          </c:cat>
-          <c:val>
-            <c:numRef>
-              <c:f>'C:\Users\DEYU\Desktop\My Research\[同欧美国家对比.xlsx]Total'!$D$39:$D$50</c:f>
-              <c:numCache>
-                <c:formatCode>General</c:formatCode>
-                <c:ptCount val="12"/>
-                <c:pt idx="0">
-                  <c:v>4.5022384542884104E-2</c:v>
-                </c:pt>
-                <c:pt idx="1">
-                  <c:v>4.7753069619274419E-2</c:v>
-                </c:pt>
-                <c:pt idx="2">
-                  <c:v>4.9916942949111504E-2</c:v>
-                </c:pt>
-                <c:pt idx="3">
-                  <c:v>4.7106690777576933E-2</c:v>
-                </c:pt>
-                <c:pt idx="4">
-                  <c:v>4.5911248782456775E-2</c:v>
-                </c:pt>
-                <c:pt idx="5">
-                  <c:v>4.689842496075642E-2</c:v>
-                </c:pt>
-                <c:pt idx="6">
-                  <c:v>4.4077728064099417E-2</c:v>
-                </c:pt>
-                <c:pt idx="7">
-                  <c:v>4.2848795689151495E-2</c:v>
-                </c:pt>
-                <c:pt idx="8">
-                  <c:v>4.3589978893273408E-2</c:v>
-                </c:pt>
-                <c:pt idx="9">
-                  <c:v>4.4881153696681976E-2</c:v>
-                </c:pt>
-                <c:pt idx="10">
-                  <c:v>4.5131312674527677E-2</c:v>
-                </c:pt>
-                <c:pt idx="11">
-                  <c:v>4.6506442603328105E-2</c:v>
-                </c:pt>
-              </c:numCache>
-            </c:numRef>
-          </c:val>
-        </c:ser>
-        <c:ser>
-          <c:idx val="4"/>
-          <c:order val="3"/>
-          <c:tx>
-            <c:strRef>
-              <c:f>'C:\Users\DEYU\Desktop\My Research\[同欧美国家对比.xlsx]Total'!$E$1</c:f>
-              <c:strCache>
-                <c:ptCount val="1"/>
-                <c:pt idx="0">
-                  <c:v>UK</c:v>
-                </c:pt>
-              </c:strCache>
-            </c:strRef>
-          </c:tx>
-          <c:spPr>
-            <a:ln w="25400">
-              <a:solidFill>
-                <a:sysClr val="windowText" lastClr="000000"/>
-              </a:solidFill>
-            </a:ln>
-            <a:effectLst/>
-          </c:spPr>
-          <c:marker>
-            <c:symbol val="diamond"/>
-            <c:size val="10"/>
-            <c:spPr>
-              <a:solidFill>
-                <a:schemeClr val="bg1"/>
-              </a:solidFill>
-              <a:ln w="12700">
-                <a:solidFill>
-                  <a:sysClr val="windowText" lastClr="000000"/>
-                </a:solidFill>
-              </a:ln>
-              <a:effectLst/>
-            </c:spPr>
-          </c:marker>
-          <c:cat>
-            <c:numRef>
-              <c:f>'C:\Users\DEYU\Desktop\My Research\[同欧美国家对比.xlsx]Total'!$A$39:$A$50</c:f>
-              <c:numCache>
-                <c:formatCode>General</c:formatCode>
-                <c:ptCount val="12"/>
-                <c:pt idx="0">
-                  <c:v>2000</c:v>
-                </c:pt>
-                <c:pt idx="1">
-                  <c:v>2001</c:v>
-                </c:pt>
-                <c:pt idx="2">
-                  <c:v>2002</c:v>
-                </c:pt>
-                <c:pt idx="3">
-                  <c:v>2003</c:v>
-                </c:pt>
-                <c:pt idx="4">
-                  <c:v>2004</c:v>
-                </c:pt>
-                <c:pt idx="5">
-                  <c:v>2005</c:v>
-                </c:pt>
-                <c:pt idx="6">
-                  <c:v>2006</c:v>
-                </c:pt>
-                <c:pt idx="7">
-                  <c:v>2007</c:v>
-                </c:pt>
-                <c:pt idx="8">
-                  <c:v>2008</c:v>
-                </c:pt>
-                <c:pt idx="9">
-                  <c:v>2009</c:v>
-                </c:pt>
-                <c:pt idx="10">
-                  <c:v>2010</c:v>
-                </c:pt>
-                <c:pt idx="11">
-                  <c:v>2011</c:v>
-                </c:pt>
-              </c:numCache>
-            </c:numRef>
-          </c:cat>
-          <c:val>
-            <c:numRef>
-              <c:f>'C:\Users\DEYU\Desktop\My Research\[同欧美国家对比.xlsx]Total'!$E$39:$E$50</c:f>
-              <c:numCache>
-                <c:formatCode>General</c:formatCode>
-                <c:ptCount val="12"/>
-                <c:pt idx="0">
-                  <c:v>1.0639526355377005E-2</c:v>
-                </c:pt>
-                <c:pt idx="1">
-                  <c:v>1.1006540118041202E-2</c:v>
-                </c:pt>
-                <c:pt idx="2">
-                  <c:v>1.1344736485347107E-2</c:v>
-                </c:pt>
-                <c:pt idx="3">
-                  <c:v>1.2075398956310998E-2</c:v>
-                </c:pt>
-                <c:pt idx="4">
-                  <c:v>1.1453625440489903E-2</c:v>
-                </c:pt>
-                <c:pt idx="5">
-                  <c:v>1.1803053823547805E-2</c:v>
-                </c:pt>
-                <c:pt idx="6">
-                  <c:v>1.2286382721596498E-2</c:v>
-                </c:pt>
-                <c:pt idx="7">
-                  <c:v>1.1881619384866138E-2</c:v>
-                </c:pt>
-                <c:pt idx="8">
-                  <c:v>1.100903104911123E-2</c:v>
-                </c:pt>
-                <c:pt idx="9">
-                  <c:v>9.9990099990100254E-3</c:v>
-                </c:pt>
-                <c:pt idx="10">
-                  <c:v>8.8580320804405067E-3</c:v>
-                </c:pt>
-              </c:numCache>
-            </c:numRef>
-          </c:val>
-        </c:ser>
-        <c:ser>
-          <c:idx val="5"/>
-          <c:order val="4"/>
-          <c:tx>
-            <c:strRef>
-              <c:f>'C:\Users\DEYU\Desktop\My Research\[同欧美国家对比.xlsx]Total'!$F$1</c:f>
-              <c:strCache>
-                <c:ptCount val="1"/>
-                <c:pt idx="0">
-                  <c:v>US</c:v>
-                </c:pt>
-              </c:strCache>
-            </c:strRef>
-          </c:tx>
-          <c:spPr>
-            <a:ln w="25400">
-              <a:solidFill>
-                <a:sysClr val="windowText" lastClr="000000"/>
-              </a:solidFill>
-            </a:ln>
-            <a:effectLst/>
-          </c:spPr>
-          <c:marker>
-            <c:symbol val="circle"/>
-            <c:size val="10"/>
-            <c:spPr>
-              <a:solidFill>
-                <a:schemeClr val="bg1"/>
-              </a:solidFill>
-              <a:ln w="12700">
-                <a:solidFill>
-                  <a:sysClr val="windowText" lastClr="000000"/>
-                </a:solidFill>
-              </a:ln>
-              <a:effectLst/>
-            </c:spPr>
-          </c:marker>
-          <c:cat>
-            <c:numRef>
-              <c:f>'C:\Users\DEYU\Desktop\My Research\[同欧美国家对比.xlsx]Total'!$A$39:$A$50</c:f>
-              <c:numCache>
-                <c:formatCode>General</c:formatCode>
-                <c:ptCount val="12"/>
-                <c:pt idx="0">
-                  <c:v>2000</c:v>
-                </c:pt>
-                <c:pt idx="1">
-                  <c:v>2001</c:v>
-                </c:pt>
-                <c:pt idx="2">
-                  <c:v>2002</c:v>
-                </c:pt>
-                <c:pt idx="3">
-                  <c:v>2003</c:v>
-                </c:pt>
-                <c:pt idx="4">
-                  <c:v>2004</c:v>
-                </c:pt>
-                <c:pt idx="5">
-                  <c:v>2005</c:v>
-                </c:pt>
-                <c:pt idx="6">
-                  <c:v>2006</c:v>
-                </c:pt>
-                <c:pt idx="7">
-                  <c:v>2007</c:v>
-                </c:pt>
-                <c:pt idx="8">
-                  <c:v>2008</c:v>
-                </c:pt>
-                <c:pt idx="9">
-                  <c:v>2009</c:v>
-                </c:pt>
-                <c:pt idx="10">
-                  <c:v>2010</c:v>
-                </c:pt>
-                <c:pt idx="11">
-                  <c:v>2011</c:v>
-                </c:pt>
-              </c:numCache>
-            </c:numRef>
-          </c:cat>
-          <c:val>
-            <c:numRef>
-              <c:f>'C:\Users\DEYU\Desktop\My Research\[同欧美国家对比.xlsx]Total'!$F$39:$F$50</c:f>
-              <c:numCache>
-                <c:formatCode>General</c:formatCode>
-                <c:ptCount val="12"/>
-                <c:pt idx="0">
-                  <c:v>1.2983274496664025E-2</c:v>
-                </c:pt>
-                <c:pt idx="1">
-                  <c:v>1.3722865501868738E-2</c:v>
-                </c:pt>
-                <c:pt idx="2">
-                  <c:v>1.4485831304149203E-2</c:v>
-                </c:pt>
-                <c:pt idx="3">
-                  <c:v>1.4628763237744698E-2</c:v>
-                </c:pt>
-                <c:pt idx="4">
-                  <c:v>1.5129905404536705E-2</c:v>
-                </c:pt>
-                <c:pt idx="5">
-                  <c:v>1.5865167588822702E-2</c:v>
-                </c:pt>
-                <c:pt idx="6">
-                  <c:v>1.6317130312389721E-2</c:v>
-                </c:pt>
-                <c:pt idx="7">
-                  <c:v>1.6296362418397704E-2</c:v>
-                </c:pt>
-                <c:pt idx="8">
-                  <c:v>1.5703100085600621E-2</c:v>
-                </c:pt>
-                <c:pt idx="9">
-                  <c:v>1.5051364675424799E-2</c:v>
-                </c:pt>
-                <c:pt idx="10">
-                  <c:v>1.4474292889968498E-2</c:v>
-                </c:pt>
-              </c:numCache>
-            </c:numRef>
-          </c:val>
-        </c:ser>
-        <c:ser>
-          <c:idx val="6"/>
-          <c:order val="5"/>
-          <c:tx>
-            <c:strRef>
-              <c:f>'C:\Users\DEYU\Desktop\My Research\[同欧美国家对比.xlsx]Total'!$G$1</c:f>
-              <c:strCache>
-                <c:ptCount val="1"/>
-                <c:pt idx="0">
-                  <c:v>CN</c:v>
-                </c:pt>
-              </c:strCache>
-            </c:strRef>
-          </c:tx>
-          <c:spPr>
-            <a:ln w="25400">
-              <a:solidFill>
-                <a:sysClr val="windowText" lastClr="000000"/>
-              </a:solidFill>
-            </a:ln>
-            <a:effectLst/>
-          </c:spPr>
-          <c:marker>
-            <c:symbol val="triangle"/>
-            <c:size val="10"/>
-            <c:spPr>
-              <a:solidFill>
-                <a:schemeClr val="bg1"/>
-              </a:solidFill>
-              <a:ln w="12700">
-                <a:solidFill>
-                  <a:sysClr val="windowText" lastClr="000000"/>
-                </a:solidFill>
-              </a:ln>
-              <a:effectLst/>
-            </c:spPr>
-          </c:marker>
-          <c:cat>
-            <c:numRef>
-              <c:f>'C:\Users\DEYU\Desktop\My Research\[同欧美国家对比.xlsx]Total'!$A$39:$A$50</c:f>
-              <c:numCache>
-                <c:formatCode>General</c:formatCode>
-                <c:ptCount val="12"/>
-                <c:pt idx="0">
-                  <c:v>2000</c:v>
-                </c:pt>
-                <c:pt idx="1">
-                  <c:v>2001</c:v>
-                </c:pt>
-                <c:pt idx="2">
-                  <c:v>2002</c:v>
-                </c:pt>
-                <c:pt idx="3">
-                  <c:v>2003</c:v>
-                </c:pt>
-                <c:pt idx="4">
-                  <c:v>2004</c:v>
-                </c:pt>
-                <c:pt idx="5">
-                  <c:v>2005</c:v>
-                </c:pt>
-                <c:pt idx="6">
-                  <c:v>2006</c:v>
-                </c:pt>
-                <c:pt idx="7">
-                  <c:v>2007</c:v>
-                </c:pt>
-                <c:pt idx="8">
-                  <c:v>2008</c:v>
-                </c:pt>
-                <c:pt idx="9">
-                  <c:v>2009</c:v>
-                </c:pt>
-                <c:pt idx="10">
-                  <c:v>2010</c:v>
-                </c:pt>
-                <c:pt idx="11">
-                  <c:v>2011</c:v>
-                </c:pt>
-              </c:numCache>
-            </c:numRef>
-          </c:cat>
-          <c:val>
-            <c:numRef>
-              <c:f>'C:\Users\DEYU\Desktop\My Research\[同欧美国家对比.xlsx]Total'!$G$39:$G$50</c:f>
-              <c:numCache>
-                <c:formatCode>General</c:formatCode>
-                <c:ptCount val="12"/>
-                <c:pt idx="0">
-                  <c:v>0.18310136682703437</c:v>
-                </c:pt>
-                <c:pt idx="1">
-                  <c:v>0.16236597870986988</c:v>
-                </c:pt>
-                <c:pt idx="2">
-                  <c:v>0.16290146026167104</c:v>
-                </c:pt>
-                <c:pt idx="3">
-                  <c:v>0.17437590427469188</c:v>
-                </c:pt>
-                <c:pt idx="4">
-                  <c:v>0.18212201564442701</c:v>
-                </c:pt>
-                <c:pt idx="5">
-                  <c:v>0.17363610944537028</c:v>
-                </c:pt>
-                <c:pt idx="6">
-                  <c:v>0.1718325604982</c:v>
-                </c:pt>
-                <c:pt idx="7">
-                  <c:v>0.17669463374097324</c:v>
-                </c:pt>
-                <c:pt idx="8">
-                  <c:v>0.19419507773458472</c:v>
-                </c:pt>
-                <c:pt idx="9">
-                  <c:v>0.19761493682994821</c:v>
-                </c:pt>
-                <c:pt idx="10">
-                  <c:v>0.20427497651111801</c:v>
-                </c:pt>
-              </c:numCache>
-            </c:numRef>
-          </c:val>
-        </c:ser>
+        <c:dLbls>
+          <c:showLegendKey val="0"/>
+          <c:showVal val="0"/>
+          <c:showCatName val="0"/>
+          <c:showSerName val="0"/>
+          <c:showPercent val="0"/>
+          <c:showBubbleSize val="0"/>
+        </c:dLbls>
         <c:marker val="1"/>
-        <c:axId val="33208192"/>
-        <c:axId val="33673984"/>
+        <c:smooth val="0"/>
+        <c:axId val="260828368"/>
+        <c:axId val="260828928"/>
       </c:lineChart>
       <c:catAx>
-        <c:axId val="33208192"/>
+        <c:axId val="260828368"/>
         <c:scaling>
           <c:orientation val="minMax"/>
         </c:scaling>
+        <c:delete val="0"/>
         <c:axPos val="b"/>
         <c:title>
           <c:tx>
             <c:rich>
-              <a:bodyPr/>
+              <a:bodyPr rot="0" spcFirstLastPara="1" vertOverflow="ellipsis" vert="horz" wrap="square" anchor="ctr" anchorCtr="1"/>
               <a:lstStyle/>
               <a:p>
                 <a:pPr>
-                  <a:defRPr/>
+                  <a:defRPr sz="2000" b="0" i="0" u="none" strike="noStrike" kern="1200" baseline="0">
+                    <a:solidFill>
+                      <a:schemeClr val="tx1"/>
+                    </a:solidFill>
+                    <a:latin typeface="Times New Roman" panose="02020603050405020304" pitchFamily="18" charset="0"/>
+                    <a:ea typeface="+mn-ea"/>
+                    <a:cs typeface="Times New Roman" panose="02020603050405020304" pitchFamily="18" charset="0"/>
+                  </a:defRPr>
                 </a:pPr>
                 <a:r>
                   <a:rPr lang="en-US"/>
                   <a:t>Year</a:t>
                 </a:r>
-                <a:endParaRPr lang="zh-CN"/>
               </a:p>
             </c:rich>
           </c:tx>
-          <c:layout/>
+          <c:overlay val="0"/>
+          <c:spPr>
+            <a:noFill/>
+            <a:ln>
+              <a:noFill/>
+            </a:ln>
+            <a:effectLst/>
+          </c:spPr>
+          <c:txPr>
+            <a:bodyPr rot="0" spcFirstLastPara="1" vertOverflow="ellipsis" vert="horz" wrap="square" anchor="ctr" anchorCtr="1"/>
+            <a:lstStyle/>
+            <a:p>
+              <a:pPr>
+                <a:defRPr sz="2000" b="0" i="0" u="none" strike="noStrike" kern="1200" baseline="0">
+                  <a:solidFill>
+                    <a:schemeClr val="tx1"/>
+                  </a:solidFill>
+                  <a:latin typeface="Times New Roman" panose="02020603050405020304" pitchFamily="18" charset="0"/>
+                  <a:ea typeface="+mn-ea"/>
+                  <a:cs typeface="Times New Roman" panose="02020603050405020304" pitchFamily="18" charset="0"/>
+                </a:defRPr>
+              </a:pPr>
+              <a:endParaRPr lang="zh-CN"/>
+            </a:p>
+          </c:txPr>
         </c:title>
         <c:numFmt formatCode="General" sourceLinked="1"/>
+        <c:majorTickMark val="none"/>
+        <c:minorTickMark val="none"/>
         <c:tickLblPos val="nextTo"/>
+        <c:spPr>
+          <a:noFill/>
+          <a:ln w="9525" cap="flat" cmpd="sng" algn="ctr">
+            <a:solidFill>
+              <a:schemeClr val="tx1">
+                <a:lumMod val="15000"/>
+                <a:lumOff val="85000"/>
+              </a:schemeClr>
+            </a:solidFill>
+            <a:round/>
+          </a:ln>
+          <a:effectLst/>
+        </c:spPr>
         <c:txPr>
-          <a:bodyPr rot="-1980000"/>
+          <a:bodyPr rot="-60000000" spcFirstLastPara="1" vertOverflow="ellipsis" vert="horz" wrap="square" anchor="ctr" anchorCtr="1"/>
           <a:lstStyle/>
           <a:p>
             <a:pPr>
-              <a:defRPr/>
+              <a:defRPr sz="2000" b="0" i="0" u="none" strike="noStrike" kern="1200" baseline="0">
+                <a:solidFill>
+                  <a:schemeClr val="tx1"/>
+                </a:solidFill>
+                <a:latin typeface="Times New Roman" panose="02020603050405020304" pitchFamily="18" charset="0"/>
+                <a:ea typeface="+mn-ea"/>
+                <a:cs typeface="Times New Roman" panose="02020603050405020304" pitchFamily="18" charset="0"/>
+              </a:defRPr>
             </a:pPr>
             <a:endParaRPr lang="zh-CN"/>
           </a:p>
         </c:txPr>
-        <c:crossAx val="33673984"/>
+        <c:crossAx val="260828928"/>
         <c:crosses val="autoZero"/>
         <c:auto val="1"/>
         <c:lblAlgn val="ctr"/>
         <c:lblOffset val="100"/>
+        <c:noMultiLvlLbl val="0"/>
       </c:catAx>
       <c:valAx>
-        <c:axId val="33673984"/>
+        <c:axId val="260828928"/>
         <c:scaling>
           <c:orientation val="minMax"/>
         </c:scaling>
+        <c:delete val="0"/>
         <c:axPos val="l"/>
-        <c:majorGridlines/>
+        <c:majorGridlines>
+          <c:spPr>
+            <a:ln w="9525" cap="flat" cmpd="sng" algn="ctr">
+              <a:solidFill>
+                <a:schemeClr val="tx1">
+                  <a:lumMod val="15000"/>
+                  <a:lumOff val="85000"/>
+                </a:schemeClr>
+              </a:solidFill>
+              <a:round/>
+            </a:ln>
+            <a:effectLst/>
+          </c:spPr>
+        </c:majorGridlines>
         <c:title>
           <c:tx>
             <c:rich>
-              <a:bodyPr rot="-5400000" vert="horz"/>
+              <a:bodyPr rot="-5400000" spcFirstLastPara="1" vertOverflow="ellipsis" vert="horz" wrap="square" anchor="ctr" anchorCtr="1"/>
               <a:lstStyle/>
               <a:p>
                 <a:pPr>
-                  <a:defRPr/>
+                  <a:defRPr sz="2000" b="0" i="0" u="none" strike="noStrike" kern="1200" baseline="0">
+                    <a:solidFill>
+                      <a:schemeClr val="tx1"/>
+                    </a:solidFill>
+                    <a:latin typeface="Times New Roman" panose="02020603050405020304" pitchFamily="18" charset="0"/>
+                    <a:ea typeface="+mn-ea"/>
+                    <a:cs typeface="Times New Roman" panose="02020603050405020304" pitchFamily="18" charset="0"/>
+                  </a:defRPr>
                 </a:pPr>
                 <a:r>
                   <a:rPr lang="en-US"/>
-                  <a:t>Fatality rate (fatalities per human</a:t>
+                  <a:t>Fatality rate (fatalities per human damage)</a:t>
                 </a:r>
-                <a:r>
-                  <a:rPr lang="zh-CN"/>
-                  <a:t> </a:t>
-                </a:r>
-                <a:r>
-                  <a:rPr lang="en-US"/>
-                  <a:t>damage)</a:t>
-                </a:r>
-                <a:endParaRPr lang="zh-CN"/>
               </a:p>
             </c:rich>
           </c:tx>
-          <c:layout/>
+          <c:layout>
+            <c:manualLayout>
+              <c:xMode val="edge"/>
+              <c:yMode val="edge"/>
+              <c:x val="1.1759259259259259E-2"/>
+              <c:y val="0.12188611111111111"/>
+            </c:manualLayout>
+          </c:layout>
+          <c:overlay val="0"/>
+          <c:spPr>
+            <a:noFill/>
+            <a:ln>
+              <a:noFill/>
+            </a:ln>
+            <a:effectLst/>
+          </c:spPr>
+          <c:txPr>
+            <a:bodyPr rot="-5400000" spcFirstLastPara="1" vertOverflow="ellipsis" vert="horz" wrap="square" anchor="ctr" anchorCtr="1"/>
+            <a:lstStyle/>
+            <a:p>
+              <a:pPr>
+                <a:defRPr sz="2000" b="0" i="0" u="none" strike="noStrike" kern="1200" baseline="0">
+                  <a:solidFill>
+                    <a:schemeClr val="tx1"/>
+                  </a:solidFill>
+                  <a:latin typeface="Times New Roman" panose="02020603050405020304" pitchFamily="18" charset="0"/>
+                  <a:ea typeface="+mn-ea"/>
+                  <a:cs typeface="Times New Roman" panose="02020603050405020304" pitchFamily="18" charset="0"/>
+                </a:defRPr>
+              </a:pPr>
+              <a:endParaRPr lang="zh-CN"/>
+            </a:p>
+          </c:txPr>
         </c:title>
         <c:numFmt formatCode="General" sourceLinked="1"/>
+        <c:majorTickMark val="out"/>
+        <c:minorTickMark val="none"/>
         <c:tickLblPos val="nextTo"/>
-        <c:crossAx val="33208192"/>
+        <c:spPr>
+          <a:noFill/>
+          <a:ln>
+            <a:noFill/>
+          </a:ln>
+          <a:effectLst/>
+        </c:spPr>
+        <c:txPr>
+          <a:bodyPr rot="-60000000" spcFirstLastPara="1" vertOverflow="ellipsis" vert="horz" wrap="square" anchor="ctr" anchorCtr="1"/>
+          <a:lstStyle/>
+          <a:p>
+            <a:pPr>
+              <a:defRPr sz="2000" b="0" i="0" u="none" strike="noStrike" kern="1200" baseline="0">
+                <a:solidFill>
+                  <a:schemeClr val="tx1"/>
+                </a:solidFill>
+                <a:latin typeface="Times New Roman" panose="02020603050405020304" pitchFamily="18" charset="0"/>
+                <a:ea typeface="+mn-ea"/>
+                <a:cs typeface="Times New Roman" panose="02020603050405020304" pitchFamily="18" charset="0"/>
+              </a:defRPr>
+            </a:pPr>
+            <a:endParaRPr lang="zh-CN"/>
+          </a:p>
+        </c:txPr>
+        <c:crossAx val="260828368"/>
         <c:crosses val="autoZero"/>
         <c:crossBetween val="between"/>
       </c:valAx>
       <c:spPr>
+        <a:noFill/>
         <a:ln>
           <a:noFill/>
         </a:ln>
+        <a:effectLst/>
       </c:spPr>
     </c:plotArea>
     <c:legend>
       <c:legendPos val="r"/>
-      <c:layout>
-        <c:manualLayout>
-          <c:xMode val="edge"/>
-          <c:yMode val="edge"/>
-          <c:x val="0.87148809523809612"/>
-          <c:y val="0.14959722222222244"/>
-          <c:w val="0.10835317460317502"/>
-          <c:h val="0.55969444444444838"/>
-        </c:manualLayout>
-      </c:layout>
+      <c:overlay val="0"/>
       <c:spPr>
+        <a:noFill/>
         <a:ln>
           <a:noFill/>
         </a:ln>
+        <a:effectLst/>
       </c:spPr>
+      <c:txPr>
+        <a:bodyPr rot="0" spcFirstLastPara="1" vertOverflow="ellipsis" vert="horz" wrap="square" anchor="ctr" anchorCtr="1"/>
+        <a:lstStyle/>
+        <a:p>
+          <a:pPr>
+            <a:defRPr sz="2000" b="0" i="0" u="none" strike="noStrike" kern="1200" baseline="0">
+              <a:solidFill>
+                <a:schemeClr val="tx1"/>
+              </a:solidFill>
+              <a:latin typeface="Times New Roman" panose="02020603050405020304" pitchFamily="18" charset="0"/>
+              <a:ea typeface="+mn-ea"/>
+              <a:cs typeface="Times New Roman" panose="02020603050405020304" pitchFamily="18" charset="0"/>
+            </a:defRPr>
+          </a:pPr>
+          <a:endParaRPr lang="zh-CN"/>
+        </a:p>
+      </c:txPr>
     </c:legend>
     <c:plotVisOnly val="1"/>
     <c:dispBlanksAs val="gap"/>
+    <c:showDLblsOverMax val="0"/>
   </c:chart>
+  <c:spPr>
+    <a:noFill/>
+    <a:ln>
+      <a:noFill/>
+    </a:ln>
+    <a:effectLst/>
+  </c:spPr>
   <c:txPr>
     <a:bodyPr/>
     <a:lstStyle/>
     <a:p>
       <a:pPr>
-        <a:defRPr sz="2000" b="0">
-          <a:latin typeface="Times New Roman" pitchFamily="18" charset="0"/>
-          <a:cs typeface="Times New Roman" pitchFamily="18" charset="0"/>
+        <a:defRPr sz="2000">
+          <a:solidFill>
+            <a:schemeClr val="tx1"/>
+          </a:solidFill>
+          <a:latin typeface="Times New Roman" panose="02020603050405020304" pitchFamily="18" charset="0"/>
+          <a:cs typeface="Times New Roman" panose="02020603050405020304" pitchFamily="18" charset="0"/>
         </a:defRPr>
       </a:pPr>
       <a:endParaRPr lang="zh-CN"/>
     </a:p>
   </c:txPr>
-  <c:externalData r:id="rId1"/>
+  <c:externalData r:id="rId3">
+    <c:autoUpdate val="0"/>
+  </c:externalData>
 </c:chartSpace>
 </file>
 
 <file path=ppt/charts/chart4.xml><?xml version="1.0" encoding="utf-8"?>
 <c:chartSpace xmlns:c="http://schemas.openxmlformats.org/drawingml/2006/chart" xmlns:a="http://schemas.openxmlformats.org/drawingml/2006/main" xmlns:r="http://schemas.openxmlformats.org/officeDocument/2006/relationships">
-  <c:date1904 val="1"/>
-  <c:lang val="zh-CN"/>
+  <c:date1904 val="0"/>
+  <c:lang val="en-US"/>
+  <c:roundedCorners val="0"/>
+  <mc:AlternateContent xmlns:mc="http://schemas.openxmlformats.org/markup-compatibility/2006">
+    <mc:Choice xmlns:c14="http://schemas.microsoft.com/office/drawing/2007/8/2/chart" Requires="c14">
+      <c14:style val="102"/>
+    </mc:Choice>
+    <mc:Fallback>
+      <c:style val="2"/>
+    </mc:Fallback>
+  </mc:AlternateContent>
   <c:chart>
     <c:autoTitleDeleted val="1"/>
     <c:plotArea>
@@ -12321,6 +13296,7 @@
       </c:layout>
       <c:lineChart>
         <c:grouping val="standard"/>
+        <c:varyColors val="0"/>
         <c:ser>
           <c:idx val="4"/>
           <c:order val="0"/>
@@ -12436,6 +13412,7 @@
               </c:numCache>
             </c:numRef>
           </c:val>
+          <c:smooth val="0"/>
         </c:ser>
         <c:ser>
           <c:idx val="2"/>
@@ -12546,6 +13523,7 @@
               </c:numCache>
             </c:numRef>
           </c:val>
+          <c:smooth val="0"/>
         </c:ser>
         <c:ser>
           <c:idx val="0"/>
@@ -12660,6 +13638,7 @@
               </c:numCache>
             </c:numRef>
           </c:val>
+          <c:smooth val="0"/>
         </c:ser>
         <c:ser>
           <c:idx val="1"/>
@@ -12768,6 +13747,7 @@
               </c:numCache>
             </c:numRef>
           </c:val>
+          <c:smooth val="0"/>
         </c:ser>
         <c:ser>
           <c:idx val="3"/>
@@ -12882,6 +13862,7 @@
               </c:numCache>
             </c:numRef>
           </c:val>
+          <c:smooth val="0"/>
         </c:ser>
         <c:ser>
           <c:idx val="5"/>
@@ -12996,16 +13977,27 @@
               </c:numCache>
             </c:numRef>
           </c:val>
+          <c:smooth val="0"/>
         </c:ser>
+        <c:dLbls>
+          <c:showLegendKey val="0"/>
+          <c:showVal val="0"/>
+          <c:showCatName val="0"/>
+          <c:showSerName val="0"/>
+          <c:showPercent val="0"/>
+          <c:showBubbleSize val="0"/>
+        </c:dLbls>
         <c:marker val="1"/>
-        <c:axId val="33162368"/>
-        <c:axId val="33179520"/>
+        <c:smooth val="0"/>
+        <c:axId val="260833968"/>
+        <c:axId val="260834528"/>
       </c:lineChart>
       <c:catAx>
-        <c:axId val="33162368"/>
+        <c:axId val="260833968"/>
         <c:scaling>
           <c:orientation val="minMax"/>
         </c:scaling>
+        <c:delete val="0"/>
         <c:axPos val="b"/>
         <c:title>
           <c:tx>
@@ -13023,21 +14015,25 @@
               </a:p>
             </c:rich>
           </c:tx>
-          <c:layout/>
+          <c:overlay val="0"/>
         </c:title>
         <c:numFmt formatCode="General" sourceLinked="1"/>
+        <c:majorTickMark val="out"/>
+        <c:minorTickMark val="none"/>
         <c:tickLblPos val="nextTo"/>
-        <c:crossAx val="33179520"/>
+        <c:crossAx val="260834528"/>
         <c:crosses val="autoZero"/>
         <c:auto val="1"/>
         <c:lblAlgn val="ctr"/>
         <c:lblOffset val="100"/>
+        <c:noMultiLvlLbl val="0"/>
       </c:catAx>
       <c:valAx>
-        <c:axId val="33179520"/>
+        <c:axId val="260834528"/>
         <c:scaling>
           <c:orientation val="minMax"/>
         </c:scaling>
+        <c:delete val="0"/>
         <c:axPos val="l"/>
         <c:majorGridlines/>
         <c:title>
@@ -13083,10 +14079,13 @@
               <c:y val="9.0391388888888882E-2"/>
             </c:manualLayout>
           </c:layout>
+          <c:overlay val="0"/>
         </c:title>
         <c:numFmt formatCode="General" sourceLinked="1"/>
+        <c:majorTickMark val="out"/>
+        <c:minorTickMark val="none"/>
         <c:tickLblPos val="nextTo"/>
-        <c:crossAx val="33162368"/>
+        <c:crossAx val="260833968"/>
         <c:crosses val="autoZero"/>
         <c:crossBetween val="between"/>
       </c:valAx>
@@ -13108,6 +14107,7 @@
           <c:h val="0.55969444444444838"/>
         </c:manualLayout>
       </c:layout>
+      <c:overlay val="0"/>
       <c:spPr>
         <a:ln>
           <a:noFill/>
@@ -13116,6 +14116,7 @@
     </c:legend>
     <c:plotVisOnly val="1"/>
     <c:dispBlanksAs val="gap"/>
+    <c:showDLblsOverMax val="0"/>
   </c:chart>
   <c:txPr>
     <a:bodyPr/>
@@ -13130,14 +14131,25 @@
       <a:endParaRPr lang="zh-CN"/>
     </a:p>
   </c:txPr>
-  <c:externalData r:id="rId1"/>
+  <c:externalData r:id="rId1">
+    <c:autoUpdate val="0"/>
+  </c:externalData>
 </c:chartSpace>
 </file>
 
 <file path=ppt/charts/chart5.xml><?xml version="1.0" encoding="utf-8"?>
 <c:chartSpace xmlns:c="http://schemas.openxmlformats.org/drawingml/2006/chart" xmlns:a="http://schemas.openxmlformats.org/drawingml/2006/main" xmlns:r="http://schemas.openxmlformats.org/officeDocument/2006/relationships">
-  <c:date1904 val="1"/>
-  <c:lang val="zh-CN"/>
+  <c:date1904 val="0"/>
+  <c:lang val="en-US"/>
+  <c:roundedCorners val="0"/>
+  <mc:AlternateContent xmlns:mc="http://schemas.openxmlformats.org/markup-compatibility/2006">
+    <mc:Choice xmlns:c14="http://schemas.microsoft.com/office/drawing/2007/8/2/chart" Requires="c14">
+      <c14:style val="102"/>
+    </mc:Choice>
+    <mc:Fallback>
+      <c:style val="2"/>
+    </mc:Fallback>
+  </mc:AlternateContent>
   <c:chart>
     <c:autoTitleDeleted val="1"/>
     <c:plotArea>
@@ -13154,6 +14166,7 @@
       </c:layout>
       <c:areaChart>
         <c:grouping val="percentStacked"/>
+        <c:varyColors val="0"/>
         <c:ser>
           <c:idx val="0"/>
           <c:order val="0"/>
@@ -13445,14 +14458,23 @@
             </c:numRef>
           </c:val>
         </c:ser>
-        <c:axId val="33772672"/>
-        <c:axId val="33775616"/>
+        <c:dLbls>
+          <c:showLegendKey val="0"/>
+          <c:showVal val="0"/>
+          <c:showCatName val="0"/>
+          <c:showSerName val="0"/>
+          <c:showPercent val="0"/>
+          <c:showBubbleSize val="0"/>
+        </c:dLbls>
+        <c:axId val="260837888"/>
+        <c:axId val="260838448"/>
       </c:areaChart>
       <c:catAx>
-        <c:axId val="33772672"/>
+        <c:axId val="260837888"/>
         <c:scaling>
           <c:orientation val="minMax"/>
         </c:scaling>
+        <c:delete val="0"/>
         <c:axPos val="b"/>
         <c:title>
           <c:tx>
@@ -13471,21 +14493,25 @@
               </a:p>
             </c:rich>
           </c:tx>
-          <c:layout/>
+          <c:overlay val="0"/>
         </c:title>
         <c:numFmt formatCode="General" sourceLinked="1"/>
+        <c:majorTickMark val="out"/>
+        <c:minorTickMark val="none"/>
         <c:tickLblPos val="nextTo"/>
-        <c:crossAx val="33775616"/>
+        <c:crossAx val="260838448"/>
         <c:crosses val="autoZero"/>
         <c:auto val="1"/>
         <c:lblAlgn val="ctr"/>
         <c:lblOffset val="100"/>
+        <c:noMultiLvlLbl val="0"/>
       </c:catAx>
       <c:valAx>
-        <c:axId val="33775616"/>
+        <c:axId val="260838448"/>
         <c:scaling>
           <c:orientation val="minMax"/>
         </c:scaling>
+        <c:delete val="0"/>
         <c:axPos val="l"/>
         <c:majorGridlines/>
         <c:title>
@@ -13505,18 +14531,20 @@
               </a:p>
             </c:rich>
           </c:tx>
-          <c:layout/>
+          <c:overlay val="0"/>
         </c:title>
         <c:numFmt formatCode="0%" sourceLinked="1"/>
+        <c:majorTickMark val="out"/>
+        <c:minorTickMark val="none"/>
         <c:tickLblPos val="nextTo"/>
-        <c:crossAx val="33772672"/>
+        <c:crossAx val="260837888"/>
         <c:crosses val="autoZero"/>
         <c:crossBetween val="midCat"/>
       </c:valAx>
     </c:plotArea>
     <c:legend>
       <c:legendPos val="r"/>
-      <c:layout/>
+      <c:overlay val="0"/>
       <c:spPr>
         <a:ln>
           <a:noFill/>
@@ -13525,6 +14553,7 @@
     </c:legend>
     <c:plotVisOnly val="1"/>
     <c:dispBlanksAs val="zero"/>
+    <c:showDLblsOverMax val="0"/>
   </c:chart>
   <c:spPr>
     <a:ln>
@@ -13544,15 +14573,27 @@
       <a:endParaRPr lang="zh-CN"/>
     </a:p>
   </c:txPr>
-  <c:externalData r:id="rId1"/>
+  <c:externalData r:id="rId1">
+    <c:autoUpdate val="0"/>
+  </c:externalData>
 </c:chartSpace>
 </file>
 
 <file path=ppt/charts/chart6.xml><?xml version="1.0" encoding="utf-8"?>
 <c:chartSpace xmlns:c="http://schemas.openxmlformats.org/drawingml/2006/chart" xmlns:a="http://schemas.openxmlformats.org/drawingml/2006/main" xmlns:r="http://schemas.openxmlformats.org/officeDocument/2006/relationships">
-  <c:date1904 val="1"/>
-  <c:lang val="zh-CN"/>
+  <c:date1904 val="0"/>
+  <c:lang val="en-US"/>
+  <c:roundedCorners val="0"/>
+  <mc:AlternateContent xmlns:mc="http://schemas.openxmlformats.org/markup-compatibility/2006">
+    <mc:Choice xmlns:c14="http://schemas.microsoft.com/office/drawing/2007/8/2/chart" Requires="c14">
+      <c14:style val="102"/>
+    </mc:Choice>
+    <mc:Fallback>
+      <c:style val="2"/>
+    </mc:Fallback>
+  </mc:AlternateContent>
   <c:chart>
+    <c:autoTitleDeleted val="0"/>
     <c:plotArea>
       <c:layout>
         <c:manualLayout>
@@ -13568,6 +14609,7 @@
       <c:barChart>
         <c:barDir val="col"/>
         <c:grouping val="percentStacked"/>
+        <c:varyColors val="0"/>
         <c:ser>
           <c:idx val="0"/>
           <c:order val="0"/>
@@ -13592,6 +14634,7 @@
               </a:bgClr>
             </a:pattFill>
           </c:spPr>
+          <c:invertIfNegative val="0"/>
           <c:cat>
             <c:strRef>
               <c:f>'C:\Users\DEYU\Desktop\My Research\[同欧美国家对比.xlsx]All-交通方式'!$L$18:$Q$18</c:f>
@@ -13670,6 +14713,7 @@
               </a:bgClr>
             </a:pattFill>
           </c:spPr>
+          <c:invertIfNegative val="0"/>
           <c:cat>
             <c:strRef>
               <c:f>'C:\Users\DEYU\Desktop\My Research\[同欧美国家对比.xlsx]All-交通方式'!$L$18:$Q$18</c:f>
@@ -13748,6 +14792,7 @@
               </a:bgClr>
             </a:pattFill>
           </c:spPr>
+          <c:invertIfNegative val="0"/>
           <c:cat>
             <c:strRef>
               <c:f>'C:\Users\DEYU\Desktop\My Research\[同欧美国家对比.xlsx]All-交通方式'!$L$18:$Q$18</c:f>
@@ -13799,15 +14844,25 @@
             </c:numRef>
           </c:val>
         </c:ser>
+        <c:dLbls>
+          <c:showLegendKey val="0"/>
+          <c:showVal val="0"/>
+          <c:showCatName val="0"/>
+          <c:showSerName val="0"/>
+          <c:showPercent val="0"/>
+          <c:showBubbleSize val="0"/>
+        </c:dLbls>
+        <c:gapWidth val="150"/>
         <c:overlap val="100"/>
-        <c:axId val="52585984"/>
-        <c:axId val="53237248"/>
+        <c:axId val="260841808"/>
+        <c:axId val="260842368"/>
       </c:barChart>
       <c:catAx>
-        <c:axId val="52585984"/>
+        <c:axId val="260841808"/>
         <c:scaling>
           <c:orientation val="minMax"/>
         </c:scaling>
+        <c:delete val="0"/>
         <c:axPos val="b"/>
         <c:title>
           <c:tx>
@@ -13826,21 +14881,25 @@
               </a:p>
             </c:rich>
           </c:tx>
-          <c:layout/>
+          <c:overlay val="0"/>
         </c:title>
         <c:numFmt formatCode="General" sourceLinked="0"/>
+        <c:majorTickMark val="out"/>
+        <c:minorTickMark val="none"/>
         <c:tickLblPos val="nextTo"/>
-        <c:crossAx val="53237248"/>
+        <c:crossAx val="260842368"/>
         <c:crosses val="autoZero"/>
         <c:auto val="1"/>
         <c:lblAlgn val="ctr"/>
         <c:lblOffset val="100"/>
+        <c:noMultiLvlLbl val="0"/>
       </c:catAx>
       <c:valAx>
-        <c:axId val="53237248"/>
+        <c:axId val="260842368"/>
         <c:scaling>
           <c:orientation val="minMax"/>
         </c:scaling>
+        <c:delete val="0"/>
         <c:axPos val="l"/>
         <c:title>
           <c:tx>
@@ -13859,11 +14918,13 @@
               </a:p>
             </c:rich>
           </c:tx>
-          <c:layout/>
+          <c:overlay val="0"/>
         </c:title>
         <c:numFmt formatCode="0%" sourceLinked="1"/>
+        <c:majorTickMark val="out"/>
+        <c:minorTickMark val="none"/>
         <c:tickLblPos val="nextTo"/>
-        <c:crossAx val="52585984"/>
+        <c:crossAx val="260841808"/>
         <c:crosses val="autoZero"/>
         <c:crossBetween val="between"/>
       </c:valAx>
@@ -13885,6 +14946,7 @@
           <c:h val="0.35403134920634899"/>
         </c:manualLayout>
       </c:layout>
+      <c:overlay val="0"/>
       <c:spPr>
         <a:ln>
           <a:noFill/>
@@ -13893,6 +14955,7 @@
     </c:legend>
     <c:plotVisOnly val="1"/>
     <c:dispBlanksAs val="gap"/>
+    <c:showDLblsOverMax val="0"/>
   </c:chart>
   <c:txPr>
     <a:bodyPr/>
@@ -13907,15 +14970,25 @@
       <a:endParaRPr lang="zh-CN"/>
     </a:p>
   </c:txPr>
-  <c:externalData r:id="rId1"/>
+  <c:externalData r:id="rId1">
+    <c:autoUpdate val="0"/>
+  </c:externalData>
 </c:chartSpace>
 </file>
 
 <file path=ppt/charts/chart7.xml><?xml version="1.0" encoding="utf-8"?>
 <c:chartSpace xmlns:c="http://schemas.openxmlformats.org/drawingml/2006/chart" xmlns:a="http://schemas.openxmlformats.org/drawingml/2006/main" xmlns:r="http://schemas.openxmlformats.org/officeDocument/2006/relationships">
-  <c:date1904 val="1"/>
-  <c:lang val="zh-CN"/>
-  <c:style val="18"/>
+  <c:date1904 val="0"/>
+  <c:lang val="en-US"/>
+  <c:roundedCorners val="0"/>
+  <mc:AlternateContent xmlns:mc="http://schemas.openxmlformats.org/markup-compatibility/2006">
+    <mc:Choice xmlns:c14="http://schemas.microsoft.com/office/drawing/2007/8/2/chart" Requires="c14">
+      <c14:style val="118"/>
+    </mc:Choice>
+    <mc:Fallback>
+      <c:style val="18"/>
+    </mc:Fallback>
+  </mc:AlternateContent>
   <c:chart>
     <c:autoTitleDeleted val="1"/>
     <c:plotArea>
@@ -13932,6 +15005,7 @@
       </c:layout>
       <c:lineChart>
         <c:grouping val="standard"/>
+        <c:varyColors val="0"/>
         <c:ser>
           <c:idx val="0"/>
           <c:order val="0"/>
@@ -14053,6 +15127,7 @@
               </c:numCache>
             </c:numRef>
           </c:val>
+          <c:smooth val="0"/>
         </c:ser>
         <c:ser>
           <c:idx val="1"/>
@@ -14175,6 +15250,7 @@
               </c:numCache>
             </c:numRef>
           </c:val>
+          <c:smooth val="0"/>
         </c:ser>
         <c:ser>
           <c:idx val="2"/>
@@ -14297,6 +15373,7 @@
               </c:numCache>
             </c:numRef>
           </c:val>
+          <c:smooth val="0"/>
         </c:ser>
         <c:ser>
           <c:idx val="3"/>
@@ -14419,6 +15496,7 @@
               </c:numCache>
             </c:numRef>
           </c:val>
+          <c:smooth val="0"/>
         </c:ser>
         <c:ser>
           <c:idx val="7"/>
@@ -14541,6 +15619,7 @@
               </c:numCache>
             </c:numRef>
           </c:val>
+          <c:smooth val="0"/>
         </c:ser>
         <c:ser>
           <c:idx val="4"/>
@@ -14664,16 +15743,27 @@
               </c:numCache>
             </c:numRef>
           </c:val>
+          <c:smooth val="0"/>
         </c:ser>
+        <c:dLbls>
+          <c:showLegendKey val="0"/>
+          <c:showVal val="0"/>
+          <c:showCatName val="0"/>
+          <c:showSerName val="0"/>
+          <c:showPercent val="0"/>
+          <c:showBubbleSize val="0"/>
+        </c:dLbls>
         <c:marker val="1"/>
-        <c:axId val="61203968"/>
-        <c:axId val="61313408"/>
+        <c:smooth val="0"/>
+        <c:axId val="337014880"/>
+        <c:axId val="337015440"/>
       </c:lineChart>
       <c:catAx>
-        <c:axId val="61203968"/>
+        <c:axId val="337014880"/>
         <c:scaling>
           <c:orientation val="minMax"/>
         </c:scaling>
+        <c:delete val="0"/>
         <c:axPos val="b"/>
         <c:title>
           <c:tx>
@@ -14692,9 +15782,11 @@
               </a:p>
             </c:rich>
           </c:tx>
-          <c:layout/>
+          <c:overlay val="0"/>
         </c:title>
         <c:numFmt formatCode="General" sourceLinked="1"/>
+        <c:majorTickMark val="out"/>
+        <c:minorTickMark val="none"/>
         <c:tickLblPos val="nextTo"/>
         <c:txPr>
           <a:bodyPr rot="-1920000"/>
@@ -14706,17 +15798,19 @@
             <a:endParaRPr lang="zh-CN"/>
           </a:p>
         </c:txPr>
-        <c:crossAx val="61313408"/>
+        <c:crossAx val="337015440"/>
         <c:crosses val="autoZero"/>
         <c:auto val="1"/>
         <c:lblAlgn val="ctr"/>
         <c:lblOffset val="100"/>
+        <c:noMultiLvlLbl val="0"/>
       </c:catAx>
       <c:valAx>
-        <c:axId val="61313408"/>
+        <c:axId val="337015440"/>
         <c:scaling>
           <c:orientation val="minMax"/>
         </c:scaling>
+        <c:delete val="0"/>
         <c:axPos val="l"/>
         <c:title>
           <c:tx>
@@ -14752,10 +15846,13 @@
               <c:y val="1.6599747474747475E-2"/>
             </c:manualLayout>
           </c:layout>
+          <c:overlay val="0"/>
         </c:title>
         <c:numFmt formatCode="General" sourceLinked="1"/>
+        <c:majorTickMark val="out"/>
+        <c:minorTickMark val="none"/>
         <c:tickLblPos val="nextTo"/>
-        <c:crossAx val="61203968"/>
+        <c:crossAx val="337014880"/>
         <c:crosses val="autoZero"/>
         <c:crossBetween val="between"/>
       </c:valAx>
@@ -14778,6 +15875,7 @@
           <c:h val="0.58269106067623899"/>
         </c:manualLayout>
       </c:layout>
+      <c:overlay val="0"/>
       <c:spPr>
         <a:ln>
           <a:noFill/>
@@ -14786,6 +15884,7 @@
     </c:legend>
     <c:plotVisOnly val="1"/>
     <c:dispBlanksAs val="gap"/>
+    <c:showDLblsOverMax val="0"/>
   </c:chart>
   <c:spPr>
     <a:ln>
@@ -14805,15 +15904,25 @@
       <a:endParaRPr lang="zh-CN"/>
     </a:p>
   </c:txPr>
-  <c:externalData r:id="rId1"/>
+  <c:externalData r:id="rId1">
+    <c:autoUpdate val="0"/>
+  </c:externalData>
 </c:chartSpace>
 </file>
 
 <file path=ppt/charts/chart8.xml><?xml version="1.0" encoding="utf-8"?>
 <c:chartSpace xmlns:c="http://schemas.openxmlformats.org/drawingml/2006/chart" xmlns:a="http://schemas.openxmlformats.org/drawingml/2006/main" xmlns:r="http://schemas.openxmlformats.org/officeDocument/2006/relationships">
-  <c:date1904 val="1"/>
-  <c:lang val="zh-CN"/>
-  <c:style val="18"/>
+  <c:date1904 val="0"/>
+  <c:lang val="en-US"/>
+  <c:roundedCorners val="0"/>
+  <mc:AlternateContent xmlns:mc="http://schemas.openxmlformats.org/markup-compatibility/2006">
+    <mc:Choice xmlns:c14="http://schemas.microsoft.com/office/drawing/2007/8/2/chart" Requires="c14">
+      <c14:style val="118"/>
+    </mc:Choice>
+    <mc:Fallback>
+      <c:style val="18"/>
+    </mc:Fallback>
+  </mc:AlternateContent>
   <c:chart>
     <c:autoTitleDeleted val="1"/>
     <c:plotArea>
@@ -14830,6 +15939,7 @@
       </c:layout>
       <c:lineChart>
         <c:grouping val="standard"/>
+        <c:varyColors val="0"/>
         <c:ser>
           <c:idx val="0"/>
           <c:order val="0"/>
@@ -14951,6 +16061,7 @@
               </c:numCache>
             </c:numRef>
           </c:val>
+          <c:smooth val="0"/>
         </c:ser>
         <c:ser>
           <c:idx val="1"/>
@@ -15073,6 +16184,7 @@
               </c:numCache>
             </c:numRef>
           </c:val>
+          <c:smooth val="0"/>
         </c:ser>
         <c:ser>
           <c:idx val="2"/>
@@ -15195,6 +16307,7 @@
               </c:numCache>
             </c:numRef>
           </c:val>
+          <c:smooth val="0"/>
         </c:ser>
         <c:ser>
           <c:idx val="3"/>
@@ -15317,6 +16430,7 @@
               </c:numCache>
             </c:numRef>
           </c:val>
+          <c:smooth val="0"/>
         </c:ser>
         <c:ser>
           <c:idx val="7"/>
@@ -15440,6 +16554,7 @@
               </c:numCache>
             </c:numRef>
           </c:val>
+          <c:smooth val="0"/>
         </c:ser>
         <c:ser>
           <c:idx val="4"/>
@@ -15563,16 +16678,27 @@
               </c:numCache>
             </c:numRef>
           </c:val>
+          <c:smooth val="0"/>
         </c:ser>
+        <c:dLbls>
+          <c:showLegendKey val="0"/>
+          <c:showVal val="0"/>
+          <c:showCatName val="0"/>
+          <c:showSerName val="0"/>
+          <c:showPercent val="0"/>
+          <c:showBubbleSize val="0"/>
+        </c:dLbls>
         <c:marker val="1"/>
-        <c:axId val="61663488"/>
-        <c:axId val="61716736"/>
+        <c:smooth val="0"/>
+        <c:axId val="337020480"/>
+        <c:axId val="337021040"/>
       </c:lineChart>
       <c:catAx>
-        <c:axId val="61663488"/>
+        <c:axId val="337020480"/>
         <c:scaling>
           <c:orientation val="minMax"/>
         </c:scaling>
+        <c:delete val="0"/>
         <c:axPos val="b"/>
         <c:title>
           <c:tx>
@@ -15591,9 +16717,11 @@
               </a:p>
             </c:rich>
           </c:tx>
-          <c:layout/>
+          <c:overlay val="0"/>
         </c:title>
         <c:numFmt formatCode="General" sourceLinked="1"/>
+        <c:majorTickMark val="out"/>
+        <c:minorTickMark val="none"/>
         <c:tickLblPos val="nextTo"/>
         <c:txPr>
           <a:bodyPr rot="-1980000" vert="horz" anchor="ctr" anchorCtr="1"/>
@@ -15605,17 +16733,19 @@
             <a:endParaRPr lang="zh-CN"/>
           </a:p>
         </c:txPr>
-        <c:crossAx val="61716736"/>
+        <c:crossAx val="337021040"/>
         <c:crosses val="autoZero"/>
         <c:auto val="1"/>
         <c:lblAlgn val="ctr"/>
         <c:lblOffset val="100"/>
+        <c:noMultiLvlLbl val="0"/>
       </c:catAx>
       <c:valAx>
-        <c:axId val="61716736"/>
+        <c:axId val="337021040"/>
         <c:scaling>
           <c:orientation val="minMax"/>
         </c:scaling>
+        <c:delete val="0"/>
         <c:axPos val="l"/>
         <c:title>
           <c:tx>
@@ -15643,11 +16773,13 @@
               </a:p>
             </c:rich>
           </c:tx>
-          <c:layout/>
+          <c:overlay val="0"/>
         </c:title>
         <c:numFmt formatCode="General" sourceLinked="1"/>
+        <c:majorTickMark val="out"/>
+        <c:minorTickMark val="none"/>
         <c:tickLblPos val="nextTo"/>
-        <c:crossAx val="61663488"/>
+        <c:crossAx val="337020480"/>
         <c:crosses val="autoZero"/>
         <c:crossBetween val="between"/>
       </c:valAx>
@@ -15669,6 +16801,7 @@
           <c:h val="0.48348309402501238"/>
         </c:manualLayout>
       </c:layout>
+      <c:overlay val="0"/>
       <c:spPr>
         <a:ln>
           <a:noFill/>
@@ -15677,6 +16810,7 @@
     </c:legend>
     <c:plotVisOnly val="1"/>
     <c:dispBlanksAs val="gap"/>
+    <c:showDLblsOverMax val="0"/>
   </c:chart>
   <c:spPr>
     <a:ln>
@@ -15696,15 +16830,25 @@
       <a:endParaRPr lang="zh-CN"/>
     </a:p>
   </c:txPr>
-  <c:externalData r:id="rId1"/>
+  <c:externalData r:id="rId1">
+    <c:autoUpdate val="0"/>
+  </c:externalData>
 </c:chartSpace>
 </file>
 
 <file path=ppt/charts/chart9.xml><?xml version="1.0" encoding="utf-8"?>
 <c:chartSpace xmlns:c="http://schemas.openxmlformats.org/drawingml/2006/chart" xmlns:a="http://schemas.openxmlformats.org/drawingml/2006/main" xmlns:r="http://schemas.openxmlformats.org/officeDocument/2006/relationships">
-  <c:date1904 val="1"/>
-  <c:lang val="zh-CN"/>
-  <c:style val="18"/>
+  <c:date1904 val="0"/>
+  <c:lang val="en-US"/>
+  <c:roundedCorners val="0"/>
+  <mc:AlternateContent xmlns:mc="http://schemas.openxmlformats.org/markup-compatibility/2006">
+    <mc:Choice xmlns:c14="http://schemas.microsoft.com/office/drawing/2007/8/2/chart" Requires="c14">
+      <c14:style val="118"/>
+    </mc:Choice>
+    <mc:Fallback>
+      <c:style val="18"/>
+    </mc:Fallback>
+  </mc:AlternateContent>
   <c:chart>
     <c:autoTitleDeleted val="1"/>
     <c:plotArea>
@@ -15721,6 +16865,7 @@
       </c:layout>
       <c:lineChart>
         <c:grouping val="standard"/>
+        <c:varyColors val="0"/>
         <c:ser>
           <c:idx val="3"/>
           <c:order val="0"/>
@@ -15818,6 +16963,7 @@
               </c:numCache>
             </c:numRef>
           </c:val>
+          <c:smooth val="0"/>
         </c:ser>
         <c:ser>
           <c:idx val="4"/>
@@ -15916,6 +17062,7 @@
               </c:numCache>
             </c:numRef>
           </c:val>
+          <c:smooth val="0"/>
         </c:ser>
         <c:ser>
           <c:idx val="5"/>
@@ -16015,16 +17162,27 @@
               </c:numCache>
             </c:numRef>
           </c:val>
+          <c:smooth val="0"/>
         </c:ser>
+        <c:dLbls>
+          <c:showLegendKey val="0"/>
+          <c:showVal val="0"/>
+          <c:showCatName val="0"/>
+          <c:showSerName val="0"/>
+          <c:showPercent val="0"/>
+          <c:showBubbleSize val="0"/>
+        </c:dLbls>
         <c:marker val="1"/>
-        <c:axId val="83088128"/>
-        <c:axId val="83756160"/>
+        <c:smooth val="0"/>
+        <c:axId val="337024400"/>
+        <c:axId val="337024960"/>
       </c:lineChart>
       <c:catAx>
-        <c:axId val="83088128"/>
+        <c:axId val="337024400"/>
         <c:scaling>
           <c:orientation val="minMax"/>
         </c:scaling>
+        <c:delete val="0"/>
         <c:axPos val="b"/>
         <c:title>
           <c:tx>
@@ -16051,20 +17209,25 @@
               <c:y val="0.92357939814814816"/>
             </c:manualLayout>
           </c:layout>
+          <c:overlay val="0"/>
         </c:title>
         <c:numFmt formatCode="General" sourceLinked="1"/>
+        <c:majorTickMark val="out"/>
+        <c:minorTickMark val="none"/>
         <c:tickLblPos val="nextTo"/>
-        <c:crossAx val="83756160"/>
+        <c:crossAx val="337024960"/>
         <c:crosses val="autoZero"/>
         <c:auto val="1"/>
         <c:lblAlgn val="ctr"/>
         <c:lblOffset val="100"/>
+        <c:noMultiLvlLbl val="0"/>
       </c:catAx>
       <c:valAx>
-        <c:axId val="83756160"/>
+        <c:axId val="337024960"/>
         <c:scaling>
           <c:orientation val="minMax"/>
         </c:scaling>
+        <c:delete val="0"/>
         <c:axPos val="l"/>
         <c:title>
           <c:tx>
@@ -16100,10 +17263,13 @@
               <c:y val="2.3548379629629624E-2"/>
             </c:manualLayout>
           </c:layout>
+          <c:overlay val="0"/>
         </c:title>
         <c:numFmt formatCode="General" sourceLinked="1"/>
+        <c:majorTickMark val="out"/>
+        <c:minorTickMark val="none"/>
         <c:tickLblPos val="nextTo"/>
-        <c:crossAx val="83088128"/>
+        <c:crossAx val="337024400"/>
         <c:crosses val="autoZero"/>
         <c:crossBetween val="between"/>
       </c:valAx>
@@ -16125,6 +17291,7 @@
           <c:h val="0.34671033606934298"/>
         </c:manualLayout>
       </c:layout>
+      <c:overlay val="0"/>
       <c:spPr>
         <a:ln>
           <a:noFill/>
@@ -16133,6 +17300,7 @@
     </c:legend>
     <c:plotVisOnly val="1"/>
     <c:dispBlanksAs val="gap"/>
+    <c:showDLblsOverMax val="0"/>
   </c:chart>
   <c:spPr>
     <a:ln>
@@ -16152,8 +17320,1122 @@
       <a:endParaRPr lang="zh-CN"/>
     </a:p>
   </c:txPr>
-  <c:externalData r:id="rId1"/>
+  <c:externalData r:id="rId1">
+    <c:autoUpdate val="0"/>
+  </c:externalData>
 </c:chartSpace>
+</file>
+
+<file path=ppt/charts/colors1.xml><?xml version="1.0" encoding="utf-8"?>
+<cs:colorStyle xmlns:cs="http://schemas.microsoft.com/office/drawing/2012/chartStyle" xmlns:a="http://schemas.openxmlformats.org/drawingml/2006/main" meth="cycle" id="10">
+  <a:schemeClr val="accent1"/>
+  <a:schemeClr val="accent2"/>
+  <a:schemeClr val="accent3"/>
+  <a:schemeClr val="accent4"/>
+  <a:schemeClr val="accent5"/>
+  <a:schemeClr val="accent6"/>
+  <cs:variation/>
+  <cs:variation>
+    <a:lumMod val="60000"/>
+  </cs:variation>
+  <cs:variation>
+    <a:lumMod val="80000"/>
+    <a:lumOff val="20000"/>
+  </cs:variation>
+  <cs:variation>
+    <a:lumMod val="80000"/>
+  </cs:variation>
+  <cs:variation>
+    <a:lumMod val="60000"/>
+    <a:lumOff val="40000"/>
+  </cs:variation>
+  <cs:variation>
+    <a:lumMod val="50000"/>
+  </cs:variation>
+  <cs:variation>
+    <a:lumMod val="70000"/>
+    <a:lumOff val="30000"/>
+  </cs:variation>
+  <cs:variation>
+    <a:lumMod val="70000"/>
+  </cs:variation>
+  <cs:variation>
+    <a:lumMod val="50000"/>
+    <a:lumOff val="50000"/>
+  </cs:variation>
+</cs:colorStyle>
+</file>
+
+<file path=ppt/charts/colors2.xml><?xml version="1.0" encoding="utf-8"?>
+<cs:colorStyle xmlns:cs="http://schemas.microsoft.com/office/drawing/2012/chartStyle" xmlns:a="http://schemas.openxmlformats.org/drawingml/2006/main" meth="cycle" id="10">
+  <a:schemeClr val="accent1"/>
+  <a:schemeClr val="accent2"/>
+  <a:schemeClr val="accent3"/>
+  <a:schemeClr val="accent4"/>
+  <a:schemeClr val="accent5"/>
+  <a:schemeClr val="accent6"/>
+  <cs:variation/>
+  <cs:variation>
+    <a:lumMod val="60000"/>
+  </cs:variation>
+  <cs:variation>
+    <a:lumMod val="80000"/>
+    <a:lumOff val="20000"/>
+  </cs:variation>
+  <cs:variation>
+    <a:lumMod val="80000"/>
+  </cs:variation>
+  <cs:variation>
+    <a:lumMod val="60000"/>
+    <a:lumOff val="40000"/>
+  </cs:variation>
+  <cs:variation>
+    <a:lumMod val="50000"/>
+  </cs:variation>
+  <cs:variation>
+    <a:lumMod val="70000"/>
+    <a:lumOff val="30000"/>
+  </cs:variation>
+  <cs:variation>
+    <a:lumMod val="70000"/>
+  </cs:variation>
+  <cs:variation>
+    <a:lumMod val="50000"/>
+    <a:lumOff val="50000"/>
+  </cs:variation>
+</cs:colorStyle>
+</file>
+
+<file path=ppt/charts/style1.xml><?xml version="1.0" encoding="utf-8"?>
+<cs:chartStyle xmlns:cs="http://schemas.microsoft.com/office/drawing/2012/chartStyle" xmlns:a="http://schemas.openxmlformats.org/drawingml/2006/main" id="227">
+  <cs:axisTitle>
+    <cs:lnRef idx="0"/>
+    <cs:fillRef idx="0"/>
+    <cs:effectRef idx="0"/>
+    <cs:fontRef idx="minor">
+      <a:schemeClr val="tx1">
+        <a:lumMod val="65000"/>
+        <a:lumOff val="35000"/>
+      </a:schemeClr>
+    </cs:fontRef>
+    <cs:defRPr sz="1000" kern="1200"/>
+  </cs:axisTitle>
+  <cs:categoryAxis>
+    <cs:lnRef idx="0"/>
+    <cs:fillRef idx="0"/>
+    <cs:effectRef idx="0"/>
+    <cs:fontRef idx="minor">
+      <a:schemeClr val="tx1">
+        <a:lumMod val="65000"/>
+        <a:lumOff val="35000"/>
+      </a:schemeClr>
+    </cs:fontRef>
+    <cs:spPr>
+      <a:ln w="9525" cap="flat" cmpd="sng" algn="ctr">
+        <a:solidFill>
+          <a:schemeClr val="tx1">
+            <a:lumMod val="15000"/>
+            <a:lumOff val="85000"/>
+          </a:schemeClr>
+        </a:solidFill>
+        <a:round/>
+      </a:ln>
+    </cs:spPr>
+    <cs:defRPr sz="900" kern="1200"/>
+  </cs:categoryAxis>
+  <cs:chartArea mods="allowNoFillOverride allowNoLineOverride">
+    <cs:lnRef idx="0"/>
+    <cs:fillRef idx="0"/>
+    <cs:effectRef idx="0"/>
+    <cs:fontRef idx="minor">
+      <a:schemeClr val="tx1"/>
+    </cs:fontRef>
+    <cs:spPr>
+      <a:solidFill>
+        <a:schemeClr val="bg1"/>
+      </a:solidFill>
+      <a:ln w="9525" cap="flat" cmpd="sng" algn="ctr">
+        <a:solidFill>
+          <a:schemeClr val="tx1">
+            <a:lumMod val="15000"/>
+            <a:lumOff val="85000"/>
+          </a:schemeClr>
+        </a:solidFill>
+        <a:round/>
+      </a:ln>
+    </cs:spPr>
+    <cs:defRPr sz="1000" kern="1200"/>
+  </cs:chartArea>
+  <cs:dataLabel>
+    <cs:lnRef idx="0"/>
+    <cs:fillRef idx="0"/>
+    <cs:effectRef idx="0"/>
+    <cs:fontRef idx="minor">
+      <a:schemeClr val="tx1">
+        <a:lumMod val="75000"/>
+        <a:lumOff val="25000"/>
+      </a:schemeClr>
+    </cs:fontRef>
+    <cs:defRPr sz="900" kern="1200"/>
+  </cs:dataLabel>
+  <cs:dataLabelCallout>
+    <cs:lnRef idx="0"/>
+    <cs:fillRef idx="0"/>
+    <cs:effectRef idx="0"/>
+    <cs:fontRef idx="minor">
+      <a:schemeClr val="dk1">
+        <a:lumMod val="65000"/>
+        <a:lumOff val="35000"/>
+      </a:schemeClr>
+    </cs:fontRef>
+    <cs:spPr>
+      <a:solidFill>
+        <a:schemeClr val="lt1"/>
+      </a:solidFill>
+      <a:ln>
+        <a:solidFill>
+          <a:schemeClr val="dk1">
+            <a:lumMod val="25000"/>
+            <a:lumOff val="75000"/>
+          </a:schemeClr>
+        </a:solidFill>
+      </a:ln>
+    </cs:spPr>
+    <cs:defRPr sz="900" kern="1200"/>
+    <cs:bodyPr rot="0" spcFirstLastPara="1" vertOverflow="clip" horzOverflow="clip" vert="horz" wrap="square" lIns="36576" tIns="18288" rIns="36576" bIns="18288" anchor="ctr" anchorCtr="1">
+      <a:spAutoFit/>
+    </cs:bodyPr>
+  </cs:dataLabelCallout>
+  <cs:dataPoint>
+    <cs:lnRef idx="0"/>
+    <cs:fillRef idx="1">
+      <cs:styleClr val="auto"/>
+    </cs:fillRef>
+    <cs:effectRef idx="0"/>
+    <cs:fontRef idx="minor">
+      <a:schemeClr val="tx1"/>
+    </cs:fontRef>
+    <cs:spPr>
+      <a:solidFill>
+        <a:schemeClr val="phClr"/>
+      </a:solidFill>
+    </cs:spPr>
+  </cs:dataPoint>
+  <cs:dataPoint3D>
+    <cs:lnRef idx="0"/>
+    <cs:fillRef idx="1">
+      <cs:styleClr val="auto"/>
+    </cs:fillRef>
+    <cs:effectRef idx="0"/>
+    <cs:fontRef idx="minor">
+      <a:schemeClr val="tx1"/>
+    </cs:fontRef>
+    <cs:spPr>
+      <a:solidFill>
+        <a:schemeClr val="phClr"/>
+      </a:solidFill>
+    </cs:spPr>
+  </cs:dataPoint3D>
+  <cs:dataPointLine>
+    <cs:lnRef idx="0">
+      <cs:styleClr val="auto"/>
+    </cs:lnRef>
+    <cs:fillRef idx="1"/>
+    <cs:effectRef idx="0"/>
+    <cs:fontRef idx="minor">
+      <a:schemeClr val="tx1"/>
+    </cs:fontRef>
+    <cs:spPr>
+      <a:ln w="28575" cap="rnd">
+        <a:solidFill>
+          <a:schemeClr val="phClr"/>
+        </a:solidFill>
+        <a:round/>
+      </a:ln>
+    </cs:spPr>
+  </cs:dataPointLine>
+  <cs:dataPointMarker>
+    <cs:lnRef idx="0">
+      <cs:styleClr val="auto"/>
+    </cs:lnRef>
+    <cs:fillRef idx="1">
+      <cs:styleClr val="auto"/>
+    </cs:fillRef>
+    <cs:effectRef idx="0"/>
+    <cs:fontRef idx="minor">
+      <a:schemeClr val="tx1"/>
+    </cs:fontRef>
+    <cs:spPr>
+      <a:solidFill>
+        <a:schemeClr val="phClr"/>
+      </a:solidFill>
+      <a:ln w="9525">
+        <a:solidFill>
+          <a:schemeClr val="phClr"/>
+        </a:solidFill>
+      </a:ln>
+    </cs:spPr>
+  </cs:dataPointMarker>
+  <cs:dataPointMarkerLayout symbol="circle" size="5"/>
+  <cs:dataPointWireframe>
+    <cs:lnRef idx="0">
+      <cs:styleClr val="auto"/>
+    </cs:lnRef>
+    <cs:fillRef idx="1"/>
+    <cs:effectRef idx="0"/>
+    <cs:fontRef idx="minor">
+      <a:schemeClr val="tx1"/>
+    </cs:fontRef>
+    <cs:spPr>
+      <a:ln w="9525" cap="rnd">
+        <a:solidFill>
+          <a:schemeClr val="phClr"/>
+        </a:solidFill>
+        <a:round/>
+      </a:ln>
+    </cs:spPr>
+  </cs:dataPointWireframe>
+  <cs:dataTable>
+    <cs:lnRef idx="0"/>
+    <cs:fillRef idx="0"/>
+    <cs:effectRef idx="0"/>
+    <cs:fontRef idx="minor">
+      <a:schemeClr val="tx1">
+        <a:lumMod val="65000"/>
+        <a:lumOff val="35000"/>
+      </a:schemeClr>
+    </cs:fontRef>
+    <cs:spPr>
+      <a:noFill/>
+      <a:ln w="9525" cap="flat" cmpd="sng" algn="ctr">
+        <a:solidFill>
+          <a:schemeClr val="tx1">
+            <a:lumMod val="15000"/>
+            <a:lumOff val="85000"/>
+          </a:schemeClr>
+        </a:solidFill>
+        <a:round/>
+      </a:ln>
+    </cs:spPr>
+    <cs:defRPr sz="900" kern="1200"/>
+  </cs:dataTable>
+  <cs:downBar>
+    <cs:lnRef idx="0"/>
+    <cs:fillRef idx="0"/>
+    <cs:effectRef idx="0"/>
+    <cs:fontRef idx="minor">
+      <a:schemeClr val="dk1"/>
+    </cs:fontRef>
+    <cs:spPr>
+      <a:solidFill>
+        <a:schemeClr val="dk1">
+          <a:lumMod val="65000"/>
+          <a:lumOff val="35000"/>
+        </a:schemeClr>
+      </a:solidFill>
+      <a:ln w="9525">
+        <a:solidFill>
+          <a:schemeClr val="tx1">
+            <a:lumMod val="65000"/>
+            <a:lumOff val="35000"/>
+          </a:schemeClr>
+        </a:solidFill>
+      </a:ln>
+    </cs:spPr>
+  </cs:downBar>
+  <cs:dropLine>
+    <cs:lnRef idx="0"/>
+    <cs:fillRef idx="0"/>
+    <cs:effectRef idx="0"/>
+    <cs:fontRef idx="minor">
+      <a:schemeClr val="tx1"/>
+    </cs:fontRef>
+    <cs:spPr>
+      <a:ln w="9525" cap="flat" cmpd="sng" algn="ctr">
+        <a:solidFill>
+          <a:schemeClr val="tx1">
+            <a:lumMod val="35000"/>
+            <a:lumOff val="65000"/>
+          </a:schemeClr>
+        </a:solidFill>
+        <a:round/>
+      </a:ln>
+    </cs:spPr>
+  </cs:dropLine>
+  <cs:errorBar>
+    <cs:lnRef idx="0"/>
+    <cs:fillRef idx="0"/>
+    <cs:effectRef idx="0"/>
+    <cs:fontRef idx="minor">
+      <a:schemeClr val="tx1"/>
+    </cs:fontRef>
+    <cs:spPr>
+      <a:ln w="9525" cap="flat" cmpd="sng" algn="ctr">
+        <a:solidFill>
+          <a:schemeClr val="tx1">
+            <a:lumMod val="65000"/>
+            <a:lumOff val="35000"/>
+          </a:schemeClr>
+        </a:solidFill>
+        <a:round/>
+      </a:ln>
+    </cs:spPr>
+  </cs:errorBar>
+  <cs:floor>
+    <cs:lnRef idx="0"/>
+    <cs:fillRef idx="0"/>
+    <cs:effectRef idx="0"/>
+    <cs:fontRef idx="minor">
+      <a:schemeClr val="tx1"/>
+    </cs:fontRef>
+    <cs:spPr>
+      <a:noFill/>
+      <a:ln>
+        <a:noFill/>
+      </a:ln>
+    </cs:spPr>
+  </cs:floor>
+  <cs:gridlineMajor>
+    <cs:lnRef idx="0"/>
+    <cs:fillRef idx="0"/>
+    <cs:effectRef idx="0"/>
+    <cs:fontRef idx="minor">
+      <a:schemeClr val="tx1"/>
+    </cs:fontRef>
+    <cs:spPr>
+      <a:ln w="9525" cap="flat" cmpd="sng" algn="ctr">
+        <a:solidFill>
+          <a:schemeClr val="tx1">
+            <a:lumMod val="15000"/>
+            <a:lumOff val="85000"/>
+          </a:schemeClr>
+        </a:solidFill>
+        <a:round/>
+      </a:ln>
+    </cs:spPr>
+  </cs:gridlineMajor>
+  <cs:gridlineMinor>
+    <cs:lnRef idx="0"/>
+    <cs:fillRef idx="0"/>
+    <cs:effectRef idx="0"/>
+    <cs:fontRef idx="minor">
+      <a:schemeClr val="tx1"/>
+    </cs:fontRef>
+    <cs:spPr>
+      <a:ln w="9525" cap="flat" cmpd="sng" algn="ctr">
+        <a:solidFill>
+          <a:schemeClr val="tx1">
+            <a:lumMod val="5000"/>
+            <a:lumOff val="95000"/>
+          </a:schemeClr>
+        </a:solidFill>
+        <a:round/>
+      </a:ln>
+    </cs:spPr>
+  </cs:gridlineMinor>
+  <cs:hiLoLine>
+    <cs:lnRef idx="0"/>
+    <cs:fillRef idx="0"/>
+    <cs:effectRef idx="0"/>
+    <cs:fontRef idx="minor">
+      <a:schemeClr val="tx1"/>
+    </cs:fontRef>
+    <cs:spPr>
+      <a:ln w="9525" cap="flat" cmpd="sng" algn="ctr">
+        <a:solidFill>
+          <a:schemeClr val="tx1">
+            <a:lumMod val="75000"/>
+            <a:lumOff val="25000"/>
+          </a:schemeClr>
+        </a:solidFill>
+        <a:round/>
+      </a:ln>
+    </cs:spPr>
+  </cs:hiLoLine>
+  <cs:leaderLine>
+    <cs:lnRef idx="0"/>
+    <cs:fillRef idx="0"/>
+    <cs:effectRef idx="0"/>
+    <cs:fontRef idx="minor">
+      <a:schemeClr val="tx1"/>
+    </cs:fontRef>
+    <cs:spPr>
+      <a:ln w="9525" cap="flat" cmpd="sng" algn="ctr">
+        <a:solidFill>
+          <a:schemeClr val="tx1">
+            <a:lumMod val="35000"/>
+            <a:lumOff val="65000"/>
+          </a:schemeClr>
+        </a:solidFill>
+        <a:round/>
+      </a:ln>
+    </cs:spPr>
+  </cs:leaderLine>
+  <cs:legend>
+    <cs:lnRef idx="0"/>
+    <cs:fillRef idx="0"/>
+    <cs:effectRef idx="0"/>
+    <cs:fontRef idx="minor">
+      <a:schemeClr val="tx1">
+        <a:lumMod val="65000"/>
+        <a:lumOff val="35000"/>
+      </a:schemeClr>
+    </cs:fontRef>
+    <cs:defRPr sz="900" kern="1200"/>
+  </cs:legend>
+  <cs:plotArea mods="allowNoFillOverride allowNoLineOverride">
+    <cs:lnRef idx="0"/>
+    <cs:fillRef idx="0"/>
+    <cs:effectRef idx="0"/>
+    <cs:fontRef idx="minor">
+      <a:schemeClr val="tx1"/>
+    </cs:fontRef>
+  </cs:plotArea>
+  <cs:plotArea3D mods="allowNoFillOverride allowNoLineOverride">
+    <cs:lnRef idx="0"/>
+    <cs:fillRef idx="0"/>
+    <cs:effectRef idx="0"/>
+    <cs:fontRef idx="minor">
+      <a:schemeClr val="tx1"/>
+    </cs:fontRef>
+  </cs:plotArea3D>
+  <cs:seriesAxis>
+    <cs:lnRef idx="0"/>
+    <cs:fillRef idx="0"/>
+    <cs:effectRef idx="0"/>
+    <cs:fontRef idx="minor">
+      <a:schemeClr val="tx1">
+        <a:lumMod val="65000"/>
+        <a:lumOff val="35000"/>
+      </a:schemeClr>
+    </cs:fontRef>
+    <cs:defRPr sz="900" kern="1200"/>
+  </cs:seriesAxis>
+  <cs:seriesLine>
+    <cs:lnRef idx="0"/>
+    <cs:fillRef idx="0"/>
+    <cs:effectRef idx="0"/>
+    <cs:fontRef idx="minor">
+      <a:schemeClr val="tx1"/>
+    </cs:fontRef>
+    <cs:spPr>
+      <a:ln w="9525" cap="flat" cmpd="sng" algn="ctr">
+        <a:solidFill>
+          <a:schemeClr val="tx1">
+            <a:lumMod val="35000"/>
+            <a:lumOff val="65000"/>
+          </a:schemeClr>
+        </a:solidFill>
+        <a:round/>
+      </a:ln>
+    </cs:spPr>
+  </cs:seriesLine>
+  <cs:title>
+    <cs:lnRef idx="0"/>
+    <cs:fillRef idx="0"/>
+    <cs:effectRef idx="0"/>
+    <cs:fontRef idx="minor">
+      <a:schemeClr val="tx1">
+        <a:lumMod val="65000"/>
+        <a:lumOff val="35000"/>
+      </a:schemeClr>
+    </cs:fontRef>
+    <cs:defRPr sz="1400" b="0" kern="1200" spc="0" baseline="0"/>
+  </cs:title>
+  <cs:trendline>
+    <cs:lnRef idx="0">
+      <cs:styleClr val="auto"/>
+    </cs:lnRef>
+    <cs:fillRef idx="0"/>
+    <cs:effectRef idx="0"/>
+    <cs:fontRef idx="minor">
+      <a:schemeClr val="tx1"/>
+    </cs:fontRef>
+    <cs:spPr>
+      <a:ln w="19050" cap="rnd">
+        <a:solidFill>
+          <a:schemeClr val="phClr"/>
+        </a:solidFill>
+        <a:prstDash val="sysDot"/>
+      </a:ln>
+    </cs:spPr>
+  </cs:trendline>
+  <cs:trendlineLabel>
+    <cs:lnRef idx="0"/>
+    <cs:fillRef idx="0"/>
+    <cs:effectRef idx="0"/>
+    <cs:fontRef idx="minor">
+      <a:schemeClr val="tx1">
+        <a:lumMod val="65000"/>
+        <a:lumOff val="35000"/>
+      </a:schemeClr>
+    </cs:fontRef>
+    <cs:defRPr sz="900" kern="1200"/>
+  </cs:trendlineLabel>
+  <cs:upBar>
+    <cs:lnRef idx="0"/>
+    <cs:fillRef idx="0"/>
+    <cs:effectRef idx="0"/>
+    <cs:fontRef idx="minor">
+      <a:schemeClr val="dk1"/>
+    </cs:fontRef>
+    <cs:spPr>
+      <a:solidFill>
+        <a:schemeClr val="lt1"/>
+      </a:solidFill>
+      <a:ln w="9525">
+        <a:solidFill>
+          <a:schemeClr val="tx1">
+            <a:lumMod val="15000"/>
+            <a:lumOff val="85000"/>
+          </a:schemeClr>
+        </a:solidFill>
+      </a:ln>
+    </cs:spPr>
+  </cs:upBar>
+  <cs:valueAxis>
+    <cs:lnRef idx="0"/>
+    <cs:fillRef idx="0"/>
+    <cs:effectRef idx="0"/>
+    <cs:fontRef idx="minor">
+      <a:schemeClr val="tx1">
+        <a:lumMod val="65000"/>
+        <a:lumOff val="35000"/>
+      </a:schemeClr>
+    </cs:fontRef>
+    <cs:defRPr sz="900" kern="1200"/>
+  </cs:valueAxis>
+  <cs:wall>
+    <cs:lnRef idx="0"/>
+    <cs:fillRef idx="0"/>
+    <cs:effectRef idx="0"/>
+    <cs:fontRef idx="minor">
+      <a:schemeClr val="tx1"/>
+    </cs:fontRef>
+    <cs:spPr>
+      <a:noFill/>
+      <a:ln>
+        <a:noFill/>
+      </a:ln>
+    </cs:spPr>
+  </cs:wall>
+</cs:chartStyle>
+</file>
+
+<file path=ppt/charts/style2.xml><?xml version="1.0" encoding="utf-8"?>
+<cs:chartStyle xmlns:cs="http://schemas.microsoft.com/office/drawing/2012/chartStyle" xmlns:a="http://schemas.openxmlformats.org/drawingml/2006/main" id="227">
+  <cs:axisTitle>
+    <cs:lnRef idx="0"/>
+    <cs:fillRef idx="0"/>
+    <cs:effectRef idx="0"/>
+    <cs:fontRef idx="minor">
+      <a:schemeClr val="tx1">
+        <a:lumMod val="65000"/>
+        <a:lumOff val="35000"/>
+      </a:schemeClr>
+    </cs:fontRef>
+    <cs:defRPr sz="1000" kern="1200"/>
+  </cs:axisTitle>
+  <cs:categoryAxis>
+    <cs:lnRef idx="0"/>
+    <cs:fillRef idx="0"/>
+    <cs:effectRef idx="0"/>
+    <cs:fontRef idx="minor">
+      <a:schemeClr val="tx1">
+        <a:lumMod val="65000"/>
+        <a:lumOff val="35000"/>
+      </a:schemeClr>
+    </cs:fontRef>
+    <cs:spPr>
+      <a:ln w="9525" cap="flat" cmpd="sng" algn="ctr">
+        <a:solidFill>
+          <a:schemeClr val="tx1">
+            <a:lumMod val="15000"/>
+            <a:lumOff val="85000"/>
+          </a:schemeClr>
+        </a:solidFill>
+        <a:round/>
+      </a:ln>
+    </cs:spPr>
+    <cs:defRPr sz="900" kern="1200"/>
+  </cs:categoryAxis>
+  <cs:chartArea mods="allowNoFillOverride allowNoLineOverride">
+    <cs:lnRef idx="0"/>
+    <cs:fillRef idx="0"/>
+    <cs:effectRef idx="0"/>
+    <cs:fontRef idx="minor">
+      <a:schemeClr val="tx1"/>
+    </cs:fontRef>
+    <cs:spPr>
+      <a:solidFill>
+        <a:schemeClr val="bg1"/>
+      </a:solidFill>
+      <a:ln w="9525" cap="flat" cmpd="sng" algn="ctr">
+        <a:solidFill>
+          <a:schemeClr val="tx1">
+            <a:lumMod val="15000"/>
+            <a:lumOff val="85000"/>
+          </a:schemeClr>
+        </a:solidFill>
+        <a:round/>
+      </a:ln>
+    </cs:spPr>
+    <cs:defRPr sz="1000" kern="1200"/>
+  </cs:chartArea>
+  <cs:dataLabel>
+    <cs:lnRef idx="0"/>
+    <cs:fillRef idx="0"/>
+    <cs:effectRef idx="0"/>
+    <cs:fontRef idx="minor">
+      <a:schemeClr val="tx1">
+        <a:lumMod val="75000"/>
+        <a:lumOff val="25000"/>
+      </a:schemeClr>
+    </cs:fontRef>
+    <cs:defRPr sz="900" kern="1200"/>
+  </cs:dataLabel>
+  <cs:dataLabelCallout>
+    <cs:lnRef idx="0"/>
+    <cs:fillRef idx="0"/>
+    <cs:effectRef idx="0"/>
+    <cs:fontRef idx="minor">
+      <a:schemeClr val="dk1">
+        <a:lumMod val="65000"/>
+        <a:lumOff val="35000"/>
+      </a:schemeClr>
+    </cs:fontRef>
+    <cs:spPr>
+      <a:solidFill>
+        <a:schemeClr val="lt1"/>
+      </a:solidFill>
+      <a:ln>
+        <a:solidFill>
+          <a:schemeClr val="dk1">
+            <a:lumMod val="25000"/>
+            <a:lumOff val="75000"/>
+          </a:schemeClr>
+        </a:solidFill>
+      </a:ln>
+    </cs:spPr>
+    <cs:defRPr sz="900" kern="1200"/>
+    <cs:bodyPr rot="0" spcFirstLastPara="1" vertOverflow="clip" horzOverflow="clip" vert="horz" wrap="square" lIns="36576" tIns="18288" rIns="36576" bIns="18288" anchor="ctr" anchorCtr="1">
+      <a:spAutoFit/>
+    </cs:bodyPr>
+  </cs:dataLabelCallout>
+  <cs:dataPoint>
+    <cs:lnRef idx="0"/>
+    <cs:fillRef idx="1">
+      <cs:styleClr val="auto"/>
+    </cs:fillRef>
+    <cs:effectRef idx="0"/>
+    <cs:fontRef idx="minor">
+      <a:schemeClr val="tx1"/>
+    </cs:fontRef>
+    <cs:spPr>
+      <a:solidFill>
+        <a:schemeClr val="phClr"/>
+      </a:solidFill>
+    </cs:spPr>
+  </cs:dataPoint>
+  <cs:dataPoint3D>
+    <cs:lnRef idx="0"/>
+    <cs:fillRef idx="1">
+      <cs:styleClr val="auto"/>
+    </cs:fillRef>
+    <cs:effectRef idx="0"/>
+    <cs:fontRef idx="minor">
+      <a:schemeClr val="tx1"/>
+    </cs:fontRef>
+    <cs:spPr>
+      <a:solidFill>
+        <a:schemeClr val="phClr"/>
+      </a:solidFill>
+    </cs:spPr>
+  </cs:dataPoint3D>
+  <cs:dataPointLine>
+    <cs:lnRef idx="0">
+      <cs:styleClr val="auto"/>
+    </cs:lnRef>
+    <cs:fillRef idx="1"/>
+    <cs:effectRef idx="0"/>
+    <cs:fontRef idx="minor">
+      <a:schemeClr val="tx1"/>
+    </cs:fontRef>
+    <cs:spPr>
+      <a:ln w="28575" cap="rnd">
+        <a:solidFill>
+          <a:schemeClr val="phClr"/>
+        </a:solidFill>
+        <a:round/>
+      </a:ln>
+    </cs:spPr>
+  </cs:dataPointLine>
+  <cs:dataPointMarker>
+    <cs:lnRef idx="0">
+      <cs:styleClr val="auto"/>
+    </cs:lnRef>
+    <cs:fillRef idx="1">
+      <cs:styleClr val="auto"/>
+    </cs:fillRef>
+    <cs:effectRef idx="0"/>
+    <cs:fontRef idx="minor">
+      <a:schemeClr val="tx1"/>
+    </cs:fontRef>
+    <cs:spPr>
+      <a:solidFill>
+        <a:schemeClr val="phClr"/>
+      </a:solidFill>
+      <a:ln w="9525">
+        <a:solidFill>
+          <a:schemeClr val="phClr"/>
+        </a:solidFill>
+      </a:ln>
+    </cs:spPr>
+  </cs:dataPointMarker>
+  <cs:dataPointMarkerLayout symbol="circle" size="5"/>
+  <cs:dataPointWireframe>
+    <cs:lnRef idx="0">
+      <cs:styleClr val="auto"/>
+    </cs:lnRef>
+    <cs:fillRef idx="1"/>
+    <cs:effectRef idx="0"/>
+    <cs:fontRef idx="minor">
+      <a:schemeClr val="tx1"/>
+    </cs:fontRef>
+    <cs:spPr>
+      <a:ln w="9525" cap="rnd">
+        <a:solidFill>
+          <a:schemeClr val="phClr"/>
+        </a:solidFill>
+        <a:round/>
+      </a:ln>
+    </cs:spPr>
+  </cs:dataPointWireframe>
+  <cs:dataTable>
+    <cs:lnRef idx="0"/>
+    <cs:fillRef idx="0"/>
+    <cs:effectRef idx="0"/>
+    <cs:fontRef idx="minor">
+      <a:schemeClr val="tx1">
+        <a:lumMod val="65000"/>
+        <a:lumOff val="35000"/>
+      </a:schemeClr>
+    </cs:fontRef>
+    <cs:spPr>
+      <a:noFill/>
+      <a:ln w="9525" cap="flat" cmpd="sng" algn="ctr">
+        <a:solidFill>
+          <a:schemeClr val="tx1">
+            <a:lumMod val="15000"/>
+            <a:lumOff val="85000"/>
+          </a:schemeClr>
+        </a:solidFill>
+        <a:round/>
+      </a:ln>
+    </cs:spPr>
+    <cs:defRPr sz="900" kern="1200"/>
+  </cs:dataTable>
+  <cs:downBar>
+    <cs:lnRef idx="0"/>
+    <cs:fillRef idx="0"/>
+    <cs:effectRef idx="0"/>
+    <cs:fontRef idx="minor">
+      <a:schemeClr val="dk1"/>
+    </cs:fontRef>
+    <cs:spPr>
+      <a:solidFill>
+        <a:schemeClr val="dk1">
+          <a:lumMod val="65000"/>
+          <a:lumOff val="35000"/>
+        </a:schemeClr>
+      </a:solidFill>
+      <a:ln w="9525">
+        <a:solidFill>
+          <a:schemeClr val="tx1">
+            <a:lumMod val="65000"/>
+            <a:lumOff val="35000"/>
+          </a:schemeClr>
+        </a:solidFill>
+      </a:ln>
+    </cs:spPr>
+  </cs:downBar>
+  <cs:dropLine>
+    <cs:lnRef idx="0"/>
+    <cs:fillRef idx="0"/>
+    <cs:effectRef idx="0"/>
+    <cs:fontRef idx="minor">
+      <a:schemeClr val="tx1"/>
+    </cs:fontRef>
+    <cs:spPr>
+      <a:ln w="9525" cap="flat" cmpd="sng" algn="ctr">
+        <a:solidFill>
+          <a:schemeClr val="tx1">
+            <a:lumMod val="35000"/>
+            <a:lumOff val="65000"/>
+          </a:schemeClr>
+        </a:solidFill>
+        <a:round/>
+      </a:ln>
+    </cs:spPr>
+  </cs:dropLine>
+  <cs:errorBar>
+    <cs:lnRef idx="0"/>
+    <cs:fillRef idx="0"/>
+    <cs:effectRef idx="0"/>
+    <cs:fontRef idx="minor">
+      <a:schemeClr val="tx1"/>
+    </cs:fontRef>
+    <cs:spPr>
+      <a:ln w="9525" cap="flat" cmpd="sng" algn="ctr">
+        <a:solidFill>
+          <a:schemeClr val="tx1">
+            <a:lumMod val="65000"/>
+            <a:lumOff val="35000"/>
+          </a:schemeClr>
+        </a:solidFill>
+        <a:round/>
+      </a:ln>
+    </cs:spPr>
+  </cs:errorBar>
+  <cs:floor>
+    <cs:lnRef idx="0"/>
+    <cs:fillRef idx="0"/>
+    <cs:effectRef idx="0"/>
+    <cs:fontRef idx="minor">
+      <a:schemeClr val="tx1"/>
+    </cs:fontRef>
+    <cs:spPr>
+      <a:noFill/>
+      <a:ln>
+        <a:noFill/>
+      </a:ln>
+    </cs:spPr>
+  </cs:floor>
+  <cs:gridlineMajor>
+    <cs:lnRef idx="0"/>
+    <cs:fillRef idx="0"/>
+    <cs:effectRef idx="0"/>
+    <cs:fontRef idx="minor">
+      <a:schemeClr val="tx1"/>
+    </cs:fontRef>
+    <cs:spPr>
+      <a:ln w="9525" cap="flat" cmpd="sng" algn="ctr">
+        <a:solidFill>
+          <a:schemeClr val="tx1">
+            <a:lumMod val="15000"/>
+            <a:lumOff val="85000"/>
+          </a:schemeClr>
+        </a:solidFill>
+        <a:round/>
+      </a:ln>
+    </cs:spPr>
+  </cs:gridlineMajor>
+  <cs:gridlineMinor>
+    <cs:lnRef idx="0"/>
+    <cs:fillRef idx="0"/>
+    <cs:effectRef idx="0"/>
+    <cs:fontRef idx="minor">
+      <a:schemeClr val="tx1"/>
+    </cs:fontRef>
+    <cs:spPr>
+      <a:ln w="9525" cap="flat" cmpd="sng" algn="ctr">
+        <a:solidFill>
+          <a:schemeClr val="tx1">
+            <a:lumMod val="5000"/>
+            <a:lumOff val="95000"/>
+          </a:schemeClr>
+        </a:solidFill>
+        <a:round/>
+      </a:ln>
+    </cs:spPr>
+  </cs:gridlineMinor>
+  <cs:hiLoLine>
+    <cs:lnRef idx="0"/>
+    <cs:fillRef idx="0"/>
+    <cs:effectRef idx="0"/>
+    <cs:fontRef idx="minor">
+      <a:schemeClr val="tx1"/>
+    </cs:fontRef>
+    <cs:spPr>
+      <a:ln w="9525" cap="flat" cmpd="sng" algn="ctr">
+        <a:solidFill>
+          <a:schemeClr val="tx1">
+            <a:lumMod val="75000"/>
+            <a:lumOff val="25000"/>
+          </a:schemeClr>
+        </a:solidFill>
+        <a:round/>
+      </a:ln>
+    </cs:spPr>
+  </cs:hiLoLine>
+  <cs:leaderLine>
+    <cs:lnRef idx="0"/>
+    <cs:fillRef idx="0"/>
+    <cs:effectRef idx="0"/>
+    <cs:fontRef idx="minor">
+      <a:schemeClr val="tx1"/>
+    </cs:fontRef>
+    <cs:spPr>
+      <a:ln w="9525" cap="flat" cmpd="sng" algn="ctr">
+        <a:solidFill>
+          <a:schemeClr val="tx1">
+            <a:lumMod val="35000"/>
+            <a:lumOff val="65000"/>
+          </a:schemeClr>
+        </a:solidFill>
+        <a:round/>
+      </a:ln>
+    </cs:spPr>
+  </cs:leaderLine>
+  <cs:legend>
+    <cs:lnRef idx="0"/>
+    <cs:fillRef idx="0"/>
+    <cs:effectRef idx="0"/>
+    <cs:fontRef idx="minor">
+      <a:schemeClr val="tx1">
+        <a:lumMod val="65000"/>
+        <a:lumOff val="35000"/>
+      </a:schemeClr>
+    </cs:fontRef>
+    <cs:defRPr sz="900" kern="1200"/>
+  </cs:legend>
+  <cs:plotArea mods="allowNoFillOverride allowNoLineOverride">
+    <cs:lnRef idx="0"/>
+    <cs:fillRef idx="0"/>
+    <cs:effectRef idx="0"/>
+    <cs:fontRef idx="minor">
+      <a:schemeClr val="tx1"/>
+    </cs:fontRef>
+  </cs:plotArea>
+  <cs:plotArea3D mods="allowNoFillOverride allowNoLineOverride">
+    <cs:lnRef idx="0"/>
+    <cs:fillRef idx="0"/>
+    <cs:effectRef idx="0"/>
+    <cs:fontRef idx="minor">
+      <a:schemeClr val="tx1"/>
+    </cs:fontRef>
+  </cs:plotArea3D>
+  <cs:seriesAxis>
+    <cs:lnRef idx="0"/>
+    <cs:fillRef idx="0"/>
+    <cs:effectRef idx="0"/>
+    <cs:fontRef idx="minor">
+      <a:schemeClr val="tx1">
+        <a:lumMod val="65000"/>
+        <a:lumOff val="35000"/>
+      </a:schemeClr>
+    </cs:fontRef>
+    <cs:defRPr sz="900" kern="1200"/>
+  </cs:seriesAxis>
+  <cs:seriesLine>
+    <cs:lnRef idx="0"/>
+    <cs:fillRef idx="0"/>
+    <cs:effectRef idx="0"/>
+    <cs:fontRef idx="minor">
+      <a:schemeClr val="tx1"/>
+    </cs:fontRef>
+    <cs:spPr>
+      <a:ln w="9525" cap="flat" cmpd="sng" algn="ctr">
+        <a:solidFill>
+          <a:schemeClr val="tx1">
+            <a:lumMod val="35000"/>
+            <a:lumOff val="65000"/>
+          </a:schemeClr>
+        </a:solidFill>
+        <a:round/>
+      </a:ln>
+    </cs:spPr>
+  </cs:seriesLine>
+  <cs:title>
+    <cs:lnRef idx="0"/>
+    <cs:fillRef idx="0"/>
+    <cs:effectRef idx="0"/>
+    <cs:fontRef idx="minor">
+      <a:schemeClr val="tx1">
+        <a:lumMod val="65000"/>
+        <a:lumOff val="35000"/>
+      </a:schemeClr>
+    </cs:fontRef>
+    <cs:defRPr sz="1400" b="0" kern="1200" spc="0" baseline="0"/>
+  </cs:title>
+  <cs:trendline>
+    <cs:lnRef idx="0">
+      <cs:styleClr val="auto"/>
+    </cs:lnRef>
+    <cs:fillRef idx="0"/>
+    <cs:effectRef idx="0"/>
+    <cs:fontRef idx="minor">
+      <a:schemeClr val="tx1"/>
+    </cs:fontRef>
+    <cs:spPr>
+      <a:ln w="19050" cap="rnd">
+        <a:solidFill>
+          <a:schemeClr val="phClr"/>
+        </a:solidFill>
+        <a:prstDash val="sysDot"/>
+      </a:ln>
+    </cs:spPr>
+  </cs:trendline>
+  <cs:trendlineLabel>
+    <cs:lnRef idx="0"/>
+    <cs:fillRef idx="0"/>
+    <cs:effectRef idx="0"/>
+    <cs:fontRef idx="minor">
+      <a:schemeClr val="tx1">
+        <a:lumMod val="65000"/>
+        <a:lumOff val="35000"/>
+      </a:schemeClr>
+    </cs:fontRef>
+    <cs:defRPr sz="900" kern="1200"/>
+  </cs:trendlineLabel>
+  <cs:upBar>
+    <cs:lnRef idx="0"/>
+    <cs:fillRef idx="0"/>
+    <cs:effectRef idx="0"/>
+    <cs:fontRef idx="minor">
+      <a:schemeClr val="dk1"/>
+    </cs:fontRef>
+    <cs:spPr>
+      <a:solidFill>
+        <a:schemeClr val="lt1"/>
+      </a:solidFill>
+      <a:ln w="9525">
+        <a:solidFill>
+          <a:schemeClr val="tx1">
+            <a:lumMod val="15000"/>
+            <a:lumOff val="85000"/>
+          </a:schemeClr>
+        </a:solidFill>
+      </a:ln>
+    </cs:spPr>
+  </cs:upBar>
+  <cs:valueAxis>
+    <cs:lnRef idx="0"/>
+    <cs:fillRef idx="0"/>
+    <cs:effectRef idx="0"/>
+    <cs:fontRef idx="minor">
+      <a:schemeClr val="tx1">
+        <a:lumMod val="65000"/>
+        <a:lumOff val="35000"/>
+      </a:schemeClr>
+    </cs:fontRef>
+    <cs:defRPr sz="900" kern="1200"/>
+  </cs:valueAxis>
+  <cs:wall>
+    <cs:lnRef idx="0"/>
+    <cs:fillRef idx="0"/>
+    <cs:effectRef idx="0"/>
+    <cs:fontRef idx="minor">
+      <a:schemeClr val="tx1"/>
+    </cs:fontRef>
+    <cs:spPr>
+      <a:noFill/>
+      <a:ln>
+        <a:noFill/>
+      </a:ln>
+    </cs:spPr>
+  </cs:wall>
+</cs:chartStyle>
 </file>
 
 <file path=ppt/slideLayouts/slideLayout1.xml><?xml version="1.0" encoding="utf-8"?>
@@ -16338,7 +18620,7 @@
             <a:fld id="{A75D094C-8C32-4611-BB05-CB86222E8926}" type="datetimeFigureOut">
               <a:rPr lang="zh-CN" altLang="en-US" smtClean="0"/>
               <a:pPr/>
-              <a:t>2014/1/9</a:t>
+              <a:t>2014/5/16</a:t>
             </a:fld>
             <a:endParaRPr lang="zh-CN" altLang="en-US"/>
           </a:p>
@@ -16505,7 +18787,7 @@
             <a:fld id="{A75D094C-8C32-4611-BB05-CB86222E8926}" type="datetimeFigureOut">
               <a:rPr lang="zh-CN" altLang="en-US" smtClean="0"/>
               <a:pPr/>
-              <a:t>2014/1/9</a:t>
+              <a:t>2014/5/16</a:t>
             </a:fld>
             <a:endParaRPr lang="zh-CN" altLang="en-US"/>
           </a:p>
@@ -16682,7 +18964,7 @@
             <a:fld id="{A75D094C-8C32-4611-BB05-CB86222E8926}" type="datetimeFigureOut">
               <a:rPr lang="zh-CN" altLang="en-US" smtClean="0"/>
               <a:pPr/>
-              <a:t>2014/1/9</a:t>
+              <a:t>2014/5/16</a:t>
             </a:fld>
             <a:endParaRPr lang="zh-CN" altLang="en-US"/>
           </a:p>
@@ -16849,7 +19131,7 @@
             <a:fld id="{A75D094C-8C32-4611-BB05-CB86222E8926}" type="datetimeFigureOut">
               <a:rPr lang="zh-CN" altLang="en-US" smtClean="0"/>
               <a:pPr/>
-              <a:t>2014/1/9</a:t>
+              <a:t>2014/5/16</a:t>
             </a:fld>
             <a:endParaRPr lang="zh-CN" altLang="en-US"/>
           </a:p>
@@ -17092,7 +19374,7 @@
             <a:fld id="{A75D094C-8C32-4611-BB05-CB86222E8926}" type="datetimeFigureOut">
               <a:rPr lang="zh-CN" altLang="en-US" smtClean="0"/>
               <a:pPr/>
-              <a:t>2014/1/9</a:t>
+              <a:t>2014/5/16</a:t>
             </a:fld>
             <a:endParaRPr lang="zh-CN" altLang="en-US"/>
           </a:p>
@@ -17377,7 +19659,7 @@
             <a:fld id="{A75D094C-8C32-4611-BB05-CB86222E8926}" type="datetimeFigureOut">
               <a:rPr lang="zh-CN" altLang="en-US" smtClean="0"/>
               <a:pPr/>
-              <a:t>2014/1/9</a:t>
+              <a:t>2014/5/16</a:t>
             </a:fld>
             <a:endParaRPr lang="zh-CN" altLang="en-US"/>
           </a:p>
@@ -17796,7 +20078,7 @@
             <a:fld id="{A75D094C-8C32-4611-BB05-CB86222E8926}" type="datetimeFigureOut">
               <a:rPr lang="zh-CN" altLang="en-US" smtClean="0"/>
               <a:pPr/>
-              <a:t>2014/1/9</a:t>
+              <a:t>2014/5/16</a:t>
             </a:fld>
             <a:endParaRPr lang="zh-CN" altLang="en-US"/>
           </a:p>
@@ -17911,7 +20193,7 @@
             <a:fld id="{A75D094C-8C32-4611-BB05-CB86222E8926}" type="datetimeFigureOut">
               <a:rPr lang="zh-CN" altLang="en-US" smtClean="0"/>
               <a:pPr/>
-              <a:t>2014/1/9</a:t>
+              <a:t>2014/5/16</a:t>
             </a:fld>
             <a:endParaRPr lang="zh-CN" altLang="en-US"/>
           </a:p>
@@ -18003,7 +20285,7 @@
             <a:fld id="{A75D094C-8C32-4611-BB05-CB86222E8926}" type="datetimeFigureOut">
               <a:rPr lang="zh-CN" altLang="en-US" smtClean="0"/>
               <a:pPr/>
-              <a:t>2014/1/9</a:t>
+              <a:t>2014/5/16</a:t>
             </a:fld>
             <a:endParaRPr lang="zh-CN" altLang="en-US"/>
           </a:p>
@@ -18277,7 +20559,7 @@
             <a:fld id="{A75D094C-8C32-4611-BB05-CB86222E8926}" type="datetimeFigureOut">
               <a:rPr lang="zh-CN" altLang="en-US" smtClean="0"/>
               <a:pPr/>
-              <a:t>2014/1/9</a:t>
+              <a:t>2014/5/16</a:t>
             </a:fld>
             <a:endParaRPr lang="zh-CN" altLang="en-US"/>
           </a:p>
@@ -18527,7 +20809,7 @@
             <a:fld id="{A75D094C-8C32-4611-BB05-CB86222E8926}" type="datetimeFigureOut">
               <a:rPr lang="zh-CN" altLang="en-US" smtClean="0"/>
               <a:pPr/>
-              <a:t>2014/1/9</a:t>
+              <a:t>2014/5/16</a:t>
             </a:fld>
             <a:endParaRPr lang="zh-CN" altLang="en-US"/>
           </a:p>
@@ -18737,7 +21019,7 @@
             <a:fld id="{A75D094C-8C32-4611-BB05-CB86222E8926}" type="datetimeFigureOut">
               <a:rPr lang="zh-CN" altLang="en-US" smtClean="0"/>
               <a:pPr/>
-              <a:t>2014/1/9</a:t>
+              <a:t>2014/5/16</a:t>
             </a:fld>
             <a:endParaRPr lang="zh-CN" altLang="en-US"/>
           </a:p>
@@ -19561,12 +21843,20 @@
       </p:grpSpPr>
       <p:graphicFrame>
         <p:nvGraphicFramePr>
-          <p:cNvPr id="2" name="图表 1"/>
-          <p:cNvGraphicFramePr/>
-          <p:nvPr/>
+          <p:cNvPr id="3" name="Chart 2"/>
+          <p:cNvGraphicFramePr>
+            <a:graphicFrameLocks/>
+          </p:cNvGraphicFramePr>
+          <p:nvPr>
+            <p:extLst>
+              <p:ext uri="{D42A27DB-BD31-4B8C-83A1-F6EECF244321}">
+                <p14:modId xmlns:p14="http://schemas.microsoft.com/office/powerpoint/2010/main" val="2439015962"/>
+              </p:ext>
+            </p:extLst>
+          </p:nvPr>
         </p:nvGraphicFramePr>
         <p:xfrm>
-          <a:off x="-357222" y="1357298"/>
+          <a:off x="-468560" y="1628800"/>
           <a:ext cx="10080000" cy="3600000"/>
         </p:xfrm>
         <a:graphic>
@@ -19807,12 +22097,20 @@
       </p:grpSpPr>
       <p:graphicFrame>
         <p:nvGraphicFramePr>
-          <p:cNvPr id="3" name="图表 2"/>
-          <p:cNvGraphicFramePr/>
-          <p:nvPr/>
+          <p:cNvPr id="4" name="Chart 3"/>
+          <p:cNvGraphicFramePr>
+            <a:graphicFrameLocks/>
+          </p:cNvGraphicFramePr>
+          <p:nvPr>
+            <p:extLst>
+              <p:ext uri="{D42A27DB-BD31-4B8C-83A1-F6EECF244321}">
+                <p14:modId xmlns:p14="http://schemas.microsoft.com/office/powerpoint/2010/main" val="1181349770"/>
+              </p:ext>
+            </p:extLst>
+          </p:nvPr>
         </p:nvGraphicFramePr>
         <p:xfrm>
-          <a:off x="-500098" y="1571612"/>
+          <a:off x="-468000" y="1629000"/>
           <a:ext cx="10080000" cy="3600000"/>
         </p:xfrm>
         <a:graphic>
